--- a/Skripta/Blockchain - Pavel Olyšar.pptx
+++ b/Skripta/Blockchain - Pavel Olyšar.pptx
@@ -5,25 +5,32 @@
     <p:sldMasterId id="2147483672" r:id="rId1"/>
   </p:sldMasterIdLst>
   <p:notesMasterIdLst>
-    <p:notesMasterId r:id="rId18"/>
+    <p:notesMasterId r:id="rId25"/>
   </p:notesMasterIdLst>
   <p:sldIdLst>
-    <p:sldId id="266" r:id="rId2"/>
-    <p:sldId id="256" r:id="rId3"/>
-    <p:sldId id="259" r:id="rId4"/>
-    <p:sldId id="262" r:id="rId5"/>
-    <p:sldId id="263" r:id="rId6"/>
-    <p:sldId id="264" r:id="rId7"/>
-    <p:sldId id="265" r:id="rId8"/>
-    <p:sldId id="268" r:id="rId9"/>
-    <p:sldId id="267" r:id="rId10"/>
-    <p:sldId id="260" r:id="rId11"/>
-    <p:sldId id="269" r:id="rId12"/>
-    <p:sldId id="270" r:id="rId13"/>
-    <p:sldId id="271" r:id="rId14"/>
-    <p:sldId id="261" r:id="rId15"/>
-    <p:sldId id="257" r:id="rId16"/>
-    <p:sldId id="258" r:id="rId17"/>
+    <p:sldId id="256" r:id="rId2"/>
+    <p:sldId id="259" r:id="rId3"/>
+    <p:sldId id="262" r:id="rId4"/>
+    <p:sldId id="263" r:id="rId5"/>
+    <p:sldId id="264" r:id="rId6"/>
+    <p:sldId id="265" r:id="rId7"/>
+    <p:sldId id="268" r:id="rId8"/>
+    <p:sldId id="267" r:id="rId9"/>
+    <p:sldId id="260" r:id="rId10"/>
+    <p:sldId id="269" r:id="rId11"/>
+    <p:sldId id="270" r:id="rId12"/>
+    <p:sldId id="271" r:id="rId13"/>
+    <p:sldId id="272" r:id="rId14"/>
+    <p:sldId id="273" r:id="rId15"/>
+    <p:sldId id="274" r:id="rId16"/>
+    <p:sldId id="275" r:id="rId17"/>
+    <p:sldId id="276" r:id="rId18"/>
+    <p:sldId id="277" r:id="rId19"/>
+    <p:sldId id="278" r:id="rId20"/>
+    <p:sldId id="279" r:id="rId21"/>
+    <p:sldId id="261" r:id="rId22"/>
+    <p:sldId id="257" r:id="rId23"/>
+    <p:sldId id="258" r:id="rId24"/>
   </p:sldIdLst>
   <p:sldSz cx="12192000" cy="6858000"/>
   <p:notesSz cx="6858000" cy="9144000"/>
@@ -136,7 +143,8 @@
 <file path=ppt/revisionInfo.xml><?xml version="1.0" encoding="utf-8"?>
 <p1510:revInfo xmlns:a="http://schemas.openxmlformats.org/drawingml/2006/main" xmlns:r="http://schemas.openxmlformats.org/officeDocument/2006/relationships" xmlns:p1510="http://schemas.microsoft.com/office/powerpoint/2015/10/main">
   <p1510:revLst>
-    <p1510:client id="{7E0B9C11-CD56-4F7F-9D36-6CE50F900766}" v="83" dt="2024-02-08T14:14:18.922"/>
+    <p1510:client id="{7E0B9C11-CD56-4F7F-9D36-6CE50F900766}" v="131" dt="2024-02-09T10:59:43.067"/>
+    <p1510:client id="{B881AEDD-04A8-9A6C-79AC-11B6602199AA}" v="1" dt="2024-02-09T10:31:35.280"/>
   </p1510:revLst>
 </p1510:revInfo>
 </file>
@@ -1232,7 +1240,7 @@
           <a:p>
             <a:fld id="{E6BB0601-F9ED-4236-B549-747DDD65386C}" type="datetimeFigureOut">
               <a:rPr lang="cs-CZ" smtClean="0"/>
-              <a:t>08.02.2024</a:t>
+              <a:t>09.02.2024</a:t>
             </a:fld>
             <a:endParaRPr lang="cs-CZ"/>
           </a:p>
@@ -1564,7 +1572,7 @@
           <a:p>
             <a:fld id="{81D09A8B-2A6A-4BB6-9F61-ECD0D41C35F1}" type="slidenum">
               <a:rPr lang="cs-CZ" smtClean="0"/>
-              <a:t>2</a:t>
+              <a:t>1</a:t>
             </a:fld>
             <a:endParaRPr lang="cs-CZ"/>
           </a:p>
@@ -1714,7 +1722,7 @@
           <a:p>
             <a:fld id="{846CE7D5-CF57-46EF-B807-FDD0502418D4}" type="datetimeFigureOut">
               <a:rPr lang="en-US" smtClean="0"/>
-              <a:t>2/8/2024</a:t>
+              <a:t>2/9/2024</a:t>
             </a:fld>
             <a:endParaRPr lang="en-US"/>
           </a:p>
@@ -1888,7 +1896,7 @@
           <a:p>
             <a:fld id="{846CE7D5-CF57-46EF-B807-FDD0502418D4}" type="datetimeFigureOut">
               <a:rPr lang="en-US" smtClean="0"/>
-              <a:t>2/8/2024</a:t>
+              <a:t>2/9/2024</a:t>
             </a:fld>
             <a:endParaRPr lang="en-US"/>
           </a:p>
@@ -2072,7 +2080,7 @@
           <a:p>
             <a:fld id="{846CE7D5-CF57-46EF-B807-FDD0502418D4}" type="datetimeFigureOut">
               <a:rPr lang="en-US" smtClean="0"/>
-              <a:t>2/8/2024</a:t>
+              <a:t>2/9/2024</a:t>
             </a:fld>
             <a:endParaRPr lang="en-US"/>
           </a:p>
@@ -2246,7 +2254,7 @@
           <a:p>
             <a:fld id="{846CE7D5-CF57-46EF-B807-FDD0502418D4}" type="datetimeFigureOut">
               <a:rPr lang="en-US" smtClean="0"/>
-              <a:t>2/8/2024</a:t>
+              <a:t>2/9/2024</a:t>
             </a:fld>
             <a:endParaRPr lang="en-US"/>
           </a:p>
@@ -2496,7 +2504,7 @@
           <a:p>
             <a:fld id="{846CE7D5-CF57-46EF-B807-FDD0502418D4}" type="datetimeFigureOut">
               <a:rPr lang="en-US" smtClean="0"/>
-              <a:t>2/8/2024</a:t>
+              <a:t>2/9/2024</a:t>
             </a:fld>
             <a:endParaRPr lang="en-US"/>
           </a:p>
@@ -2732,7 +2740,7 @@
           <a:p>
             <a:fld id="{846CE7D5-CF57-46EF-B807-FDD0502418D4}" type="datetimeFigureOut">
               <a:rPr lang="en-US" smtClean="0"/>
-              <a:t>2/8/2024</a:t>
+              <a:t>2/9/2024</a:t>
             </a:fld>
             <a:endParaRPr lang="en-US"/>
           </a:p>
@@ -3103,7 +3111,7 @@
           <a:p>
             <a:fld id="{846CE7D5-CF57-46EF-B807-FDD0502418D4}" type="datetimeFigureOut">
               <a:rPr lang="en-US" smtClean="0"/>
-              <a:t>2/8/2024</a:t>
+              <a:t>2/9/2024</a:t>
             </a:fld>
             <a:endParaRPr lang="en-US"/>
           </a:p>
@@ -3225,7 +3233,7 @@
           <a:p>
             <a:fld id="{846CE7D5-CF57-46EF-B807-FDD0502418D4}" type="datetimeFigureOut">
               <a:rPr lang="en-US" smtClean="0"/>
-              <a:t>2/8/2024</a:t>
+              <a:t>2/9/2024</a:t>
             </a:fld>
             <a:endParaRPr lang="en-US"/>
           </a:p>
@@ -3324,7 +3332,7 @@
           <a:p>
             <a:fld id="{846CE7D5-CF57-46EF-B807-FDD0502418D4}" type="datetimeFigureOut">
               <a:rPr lang="en-US" smtClean="0"/>
-              <a:t>2/8/2024</a:t>
+              <a:t>2/9/2024</a:t>
             </a:fld>
             <a:endParaRPr lang="en-US"/>
           </a:p>
@@ -3605,7 +3613,7 @@
           <a:p>
             <a:fld id="{846CE7D5-CF57-46EF-B807-FDD0502418D4}" type="datetimeFigureOut">
               <a:rPr lang="en-US" smtClean="0"/>
-              <a:t>2/8/2024</a:t>
+              <a:t>2/9/2024</a:t>
             </a:fld>
             <a:endParaRPr lang="en-US"/>
           </a:p>
@@ -3866,7 +3874,7 @@
           <a:p>
             <a:fld id="{846CE7D5-CF57-46EF-B807-FDD0502418D4}" type="datetimeFigureOut">
               <a:rPr lang="en-US" smtClean="0"/>
-              <a:t>2/8/2024</a:t>
+              <a:t>2/9/2024</a:t>
             </a:fld>
             <a:endParaRPr lang="en-US"/>
           </a:p>
@@ -4083,7 +4091,7 @@
           <a:p>
             <a:fld id="{846CE7D5-CF57-46EF-B807-FDD0502418D4}" type="datetimeFigureOut">
               <a:rPr lang="en-US" smtClean="0"/>
-              <a:t>2/8/2024</a:t>
+              <a:t>2/9/2024</a:t>
             </a:fld>
             <a:endParaRPr lang="en-US"/>
           </a:p>
@@ -4478,6 +4486,14 @@
 <file path=ppt/slides/slide1.xml><?xml version="1.0" encoding="utf-8"?>
 <p:sld xmlns:a="http://schemas.openxmlformats.org/drawingml/2006/main" xmlns:r="http://schemas.openxmlformats.org/officeDocument/2006/relationships" xmlns:p="http://schemas.openxmlformats.org/presentationml/2006/main">
   <p:cSld>
+    <p:bg>
+      <p:bgPr>
+        <a:solidFill>
+          <a:schemeClr val="bg1"/>
+        </a:solidFill>
+        <a:effectLst/>
+      </p:bgPr>
+    </p:bg>
     <p:spTree>
       <p:nvGrpSpPr>
         <p:cNvPr id="1" name=""/>
@@ -4494,150 +4510,107 @@
       </p:grpSpPr>
       <p:sp>
         <p:nvSpPr>
-          <p:cNvPr id="2" name="Nadpis 1">
+          <p:cNvPr id="2" name="Title 1"/>
+          <p:cNvSpPr>
+            <a:spLocks noGrp="1"/>
+          </p:cNvSpPr>
+          <p:nvPr>
+            <p:ph type="ctrTitle"/>
+          </p:nvPr>
+        </p:nvSpPr>
+        <p:spPr/>
+        <p:txBody>
+          <a:bodyPr/>
+          <a:lstStyle/>
+          <a:p>
+            <a:r>
+              <a:rPr lang="en-US" dirty="0">
+                <a:cs typeface="Calibri Light"/>
+              </a:rPr>
+              <a:t>Blockchain a kryptoměny</a:t>
+            </a:r>
+            <a:endParaRPr lang="en-US" dirty="0"/>
+          </a:p>
+        </p:txBody>
+      </p:sp>
+      <p:sp>
+        <p:nvSpPr>
+          <p:cNvPr id="3" name="Subtitle 2"/>
+          <p:cNvSpPr>
+            <a:spLocks noGrp="1"/>
+          </p:cNvSpPr>
+          <p:nvPr>
+            <p:ph type="subTitle" idx="1"/>
+          </p:nvPr>
+        </p:nvSpPr>
+        <p:spPr/>
+        <p:txBody>
+          <a:bodyPr vert="horz" lIns="91440" tIns="45720" rIns="91440" bIns="45720" rtlCol="0" anchor="t">
+            <a:normAutofit/>
+          </a:bodyPr>
+          <a:lstStyle/>
+          <a:p>
+            <a:r>
+              <a:rPr lang="en-US" dirty="0">
+                <a:cs typeface="Calibri"/>
+              </a:rPr>
+              <a:t>Pavel Olyšar 2.C</a:t>
+            </a:r>
+            <a:endParaRPr lang="en-US" dirty="0"/>
+          </a:p>
+        </p:txBody>
+      </p:sp>
+      <p:pic>
+        <p:nvPicPr>
+          <p:cNvPr id="3074" name="Picture 2" descr="Blockchain is useful for a lot more than just Bitcoin">
             <a:extLst>
               <a:ext uri="{FF2B5EF4-FFF2-40B4-BE49-F238E27FC236}">
-                <a16:creationId xmlns:a16="http://schemas.microsoft.com/office/drawing/2014/main" id="{EB59B185-CDC5-0917-AF6C-0371A1FD80C3}"/>
+                <a16:creationId xmlns:a16="http://schemas.microsoft.com/office/drawing/2014/main" id="{AF48BA92-D78D-D7EF-318F-69E49C3A8347}"/>
               </a:ext>
             </a:extLst>
           </p:cNvPr>
-          <p:cNvSpPr>
-            <a:spLocks noGrp="1"/>
-          </p:cNvSpPr>
-          <p:nvPr>
-            <p:ph type="title"/>
-          </p:nvPr>
-        </p:nvSpPr>
-        <p:spPr/>
-        <p:txBody>
-          <a:bodyPr/>
-          <a:lstStyle/>
-          <a:p>
-            <a:r>
-              <a:rPr lang="cs-CZ" dirty="0"/>
-              <a:t>To - Do</a:t>
-            </a:r>
-          </a:p>
-        </p:txBody>
-      </p:sp>
-      <p:sp>
-        <p:nvSpPr>
-          <p:cNvPr id="3" name="Zástupný obsah 2">
+          <p:cNvPicPr>
+            <a:picLocks noChangeAspect="1" noChangeArrowheads="1"/>
+          </p:cNvPicPr>
+          <p:nvPr/>
+        </p:nvPicPr>
+        <p:blipFill>
+          <a:blip r:embed="rId3" cstate="print">
             <a:extLst>
-              <a:ext uri="{FF2B5EF4-FFF2-40B4-BE49-F238E27FC236}">
-                <a16:creationId xmlns:a16="http://schemas.microsoft.com/office/drawing/2014/main" id="{9E6DA134-619A-2932-F21B-37A562A71C1F}"/>
+              <a:ext uri="{28A0092B-C50C-407E-A947-70E740481C1C}">
+                <a14:useLocalDpi xmlns:a14="http://schemas.microsoft.com/office/drawing/2010/main" val="0"/>
               </a:ext>
             </a:extLst>
-          </p:cNvPr>
-          <p:cNvSpPr>
-            <a:spLocks noGrp="1"/>
-          </p:cNvSpPr>
-          <p:nvPr>
-            <p:ph idx="1"/>
-          </p:nvPr>
-        </p:nvSpPr>
-        <p:spPr/>
-        <p:txBody>
-          <a:bodyPr/>
-          <a:lstStyle/>
-          <a:p>
-            <a:r>
-              <a:rPr lang="cs-CZ" dirty="0"/>
-              <a:t>Změnit font</a:t>
-            </a:r>
-          </a:p>
-          <a:p>
-            <a:r>
-              <a:rPr lang="cs-CZ" dirty="0"/>
-              <a:t>Upravit </a:t>
-            </a:r>
-            <a:r>
-              <a:rPr lang="cs-CZ" dirty="0" err="1"/>
-              <a:t>obrazky</a:t>
-            </a:r>
-            <a:endParaRPr lang="cs-CZ" dirty="0"/>
-          </a:p>
-          <a:p>
-            <a:r>
-              <a:rPr lang="cs-CZ" dirty="0" err="1"/>
-              <a:t>Pridat</a:t>
-            </a:r>
-            <a:r>
-              <a:rPr lang="cs-CZ" dirty="0"/>
-              <a:t> </a:t>
-            </a:r>
-            <a:r>
-              <a:rPr lang="cs-CZ" dirty="0" err="1"/>
-              <a:t>hezu</a:t>
-            </a:r>
-            <a:r>
-              <a:rPr lang="cs-CZ" dirty="0"/>
-              <a:t> animace</a:t>
-            </a:r>
-          </a:p>
-        </p:txBody>
-      </p:sp>
-      <p:sp>
-        <p:nvSpPr>
-          <p:cNvPr id="4" name="Zástupný symbol pro zápatí 3">
-            <a:extLst>
-              <a:ext uri="{FF2B5EF4-FFF2-40B4-BE49-F238E27FC236}">
-                <a16:creationId xmlns:a16="http://schemas.microsoft.com/office/drawing/2014/main" id="{EF0E8CDA-A605-952B-4743-A42FE2171767}"/>
-              </a:ext>
-            </a:extLst>
-          </p:cNvPr>
-          <p:cNvSpPr>
-            <a:spLocks noGrp="1"/>
-          </p:cNvSpPr>
-          <p:nvPr>
-            <p:ph type="ftr" sz="quarter" idx="11"/>
-          </p:nvPr>
-        </p:nvSpPr>
-        <p:spPr/>
-        <p:txBody>
-          <a:bodyPr/>
-          <a:lstStyle/>
-          <a:p>
-            <a:r>
-              <a:rPr lang="en-US"/>
-              <a:t>Pavel Olyšar 2.C</a:t>
-            </a:r>
-          </a:p>
-        </p:txBody>
-      </p:sp>
-      <p:sp>
-        <p:nvSpPr>
-          <p:cNvPr id="5" name="Zástupný symbol pro číslo snímku 4">
-            <a:extLst>
-              <a:ext uri="{FF2B5EF4-FFF2-40B4-BE49-F238E27FC236}">
-                <a16:creationId xmlns:a16="http://schemas.microsoft.com/office/drawing/2014/main" id="{C0518DA5-8721-1501-F84D-1E0294F40C5C}"/>
-              </a:ext>
-            </a:extLst>
-          </p:cNvPr>
-          <p:cNvSpPr>
-            <a:spLocks noGrp="1"/>
-          </p:cNvSpPr>
-          <p:nvPr>
-            <p:ph type="sldNum" sz="quarter" idx="12"/>
-          </p:nvPr>
-        </p:nvSpPr>
-        <p:spPr/>
-        <p:txBody>
-          <a:bodyPr/>
-          <a:lstStyle/>
-          <a:p>
-            <a:fld id="{330EA680-D336-4FF7-8B7A-9848BB0A1C32}" type="slidenum">
-              <a:rPr lang="en-US" smtClean="0"/>
-              <a:t>1</a:t>
-            </a:fld>
-            <a:endParaRPr lang="en-US"/>
-          </a:p>
-        </p:txBody>
-      </p:sp>
+          </a:blip>
+          <a:srcRect/>
+          <a:stretch>
+            <a:fillRect/>
+          </a:stretch>
+        </p:blipFill>
+        <p:spPr bwMode="auto">
+          <a:xfrm>
+            <a:off x="6882937" y="198235"/>
+            <a:ext cx="4982095" cy="2454071"/>
+          </a:xfrm>
+          <a:prstGeom prst="rect">
+            <a:avLst/>
+          </a:prstGeom>
+          <a:noFill/>
+          <a:extLst>
+            <a:ext uri="{909E8E84-426E-40DD-AFC4-6F175D3DCCD1}">
+              <a14:hiddenFill xmlns:a14="http://schemas.microsoft.com/office/drawing/2010/main">
+                <a:solidFill>
+                  <a:srgbClr val="FFFFFF"/>
+                </a:solidFill>
+              </a14:hiddenFill>
+            </a:ext>
+          </a:extLst>
+        </p:spPr>
+      </p:pic>
     </p:spTree>
     <p:extLst>
       <p:ext uri="{BB962C8B-B14F-4D97-AF65-F5344CB8AC3E}">
-        <p14:creationId xmlns:p14="http://schemas.microsoft.com/office/powerpoint/2010/main" val="3039509378"/>
+        <p14:creationId xmlns:p14="http://schemas.microsoft.com/office/powerpoint/2010/main" val="109857222"/>
       </p:ext>
     </p:extLst>
   </p:cSld>
@@ -4666,221 +4639,6 @@
       </p:grpSpPr>
       <p:sp>
         <p:nvSpPr>
-          <p:cNvPr id="2" name="Title 1">
-            <a:extLst>
-              <a:ext uri="{FF2B5EF4-FFF2-40B4-BE49-F238E27FC236}">
-                <a16:creationId xmlns:a16="http://schemas.microsoft.com/office/drawing/2014/main" id="{CFCF29C3-412C-1819-A4D5-40133CBAB972}"/>
-              </a:ext>
-            </a:extLst>
-          </p:cNvPr>
-          <p:cNvSpPr>
-            <a:spLocks noGrp="1"/>
-          </p:cNvSpPr>
-          <p:nvPr>
-            <p:ph type="title"/>
-          </p:nvPr>
-        </p:nvSpPr>
-        <p:spPr/>
-        <p:txBody>
-          <a:bodyPr/>
-          <a:lstStyle/>
-          <a:p>
-            <a:r>
-              <a:rPr lang="cs-CZ" dirty="0">
-                <a:ea typeface="Calibri Light"/>
-                <a:cs typeface="Calibri Light"/>
-              </a:rPr>
-              <a:t>Jak b</a:t>
-            </a:r>
-            <a:r>
-              <a:rPr lang="en-US" dirty="0" err="1">
-                <a:ea typeface="Calibri Light"/>
-                <a:cs typeface="Calibri Light"/>
-              </a:rPr>
-              <a:t>lockchain</a:t>
-            </a:r>
-            <a:r>
-              <a:rPr lang="cs-CZ" dirty="0">
-                <a:ea typeface="Calibri Light"/>
-                <a:cs typeface="Calibri Light"/>
-              </a:rPr>
-              <a:t> funguje?</a:t>
-            </a:r>
-            <a:endParaRPr lang="en-US" dirty="0"/>
-          </a:p>
-        </p:txBody>
-      </p:sp>
-      <p:sp>
-        <p:nvSpPr>
-          <p:cNvPr id="4" name="Footer Placeholder 3">
-            <a:extLst>
-              <a:ext uri="{FF2B5EF4-FFF2-40B4-BE49-F238E27FC236}">
-                <a16:creationId xmlns:a16="http://schemas.microsoft.com/office/drawing/2014/main" id="{953EACA2-4839-C260-7F2B-7122C47A63AF}"/>
-              </a:ext>
-            </a:extLst>
-          </p:cNvPr>
-          <p:cNvSpPr>
-            <a:spLocks noGrp="1"/>
-          </p:cNvSpPr>
-          <p:nvPr>
-            <p:ph type="ftr" sz="quarter" idx="11"/>
-          </p:nvPr>
-        </p:nvSpPr>
-        <p:spPr/>
-        <p:txBody>
-          <a:bodyPr/>
-          <a:lstStyle/>
-          <a:p>
-            <a:r>
-              <a:rPr lang="en-US"/>
-              <a:t>Pavel Olyšar 2.C</a:t>
-            </a:r>
-          </a:p>
-        </p:txBody>
-      </p:sp>
-      <p:sp>
-        <p:nvSpPr>
-          <p:cNvPr id="5" name="Slide Number Placeholder 4">
-            <a:extLst>
-              <a:ext uri="{FF2B5EF4-FFF2-40B4-BE49-F238E27FC236}">
-                <a16:creationId xmlns:a16="http://schemas.microsoft.com/office/drawing/2014/main" id="{AA562570-A189-2F0B-DFD3-CE7F1386A15B}"/>
-              </a:ext>
-            </a:extLst>
-          </p:cNvPr>
-          <p:cNvSpPr>
-            <a:spLocks noGrp="1"/>
-          </p:cNvSpPr>
-          <p:nvPr>
-            <p:ph type="sldNum" sz="quarter" idx="12"/>
-          </p:nvPr>
-        </p:nvSpPr>
-        <p:spPr/>
-        <p:txBody>
-          <a:bodyPr/>
-          <a:lstStyle/>
-          <a:p>
-            <a:fld id="{330EA680-D336-4FF7-8B7A-9848BB0A1C32}" type="slidenum">
-              <a:rPr lang="en-US" smtClean="0"/>
-              <a:t>10</a:t>
-            </a:fld>
-            <a:endParaRPr lang="en-US"/>
-          </a:p>
-        </p:txBody>
-      </p:sp>
-      <p:pic>
-        <p:nvPicPr>
-          <p:cNvPr id="7172" name="Picture 4" descr="Beginner's Guide: Simplifying Blockchain Technology&quot;">
-            <a:extLst>
-              <a:ext uri="{FF2B5EF4-FFF2-40B4-BE49-F238E27FC236}">
-                <a16:creationId xmlns:a16="http://schemas.microsoft.com/office/drawing/2014/main" id="{19A8FB63-5CCF-55FC-D48B-93A291CCC6E4}"/>
-              </a:ext>
-            </a:extLst>
-          </p:cNvPr>
-          <p:cNvPicPr>
-            <a:picLocks noChangeAspect="1" noChangeArrowheads="1"/>
-          </p:cNvPicPr>
-          <p:nvPr/>
-        </p:nvPicPr>
-        <p:blipFill>
-          <a:blip r:embed="rId2">
-            <a:extLst>
-              <a:ext uri="{28A0092B-C50C-407E-A947-70E740481C1C}">
-                <a14:useLocalDpi xmlns:a14="http://schemas.microsoft.com/office/drawing/2010/main" val="0"/>
-              </a:ext>
-            </a:extLst>
-          </a:blip>
-          <a:srcRect/>
-          <a:stretch>
-            <a:fillRect/>
-          </a:stretch>
-        </p:blipFill>
-        <p:spPr bwMode="auto">
-          <a:xfrm>
-            <a:off x="1463040" y="1433512"/>
-            <a:ext cx="7553498" cy="3953784"/>
-          </a:xfrm>
-          <a:prstGeom prst="rect">
-            <a:avLst/>
-          </a:prstGeom>
-          <a:noFill/>
-          <a:extLst>
-            <a:ext uri="{909E8E84-426E-40DD-AFC4-6F175D3DCCD1}">
-              <a14:hiddenFill xmlns:a14="http://schemas.microsoft.com/office/drawing/2010/main">
-                <a:solidFill>
-                  <a:srgbClr val="FFFFFF"/>
-                </a:solidFill>
-              </a14:hiddenFill>
-            </a:ext>
-          </a:extLst>
-        </p:spPr>
-      </p:pic>
-      <p:sp>
-        <p:nvSpPr>
-          <p:cNvPr id="6" name="TextovéPole 5">
-            <a:extLst>
-              <a:ext uri="{FF2B5EF4-FFF2-40B4-BE49-F238E27FC236}">
-                <a16:creationId xmlns:a16="http://schemas.microsoft.com/office/drawing/2014/main" id="{DCEB167A-2AA1-CE01-7FF8-A696D0590E8E}"/>
-              </a:ext>
-            </a:extLst>
-          </p:cNvPr>
-          <p:cNvSpPr txBox="1"/>
-          <p:nvPr/>
-        </p:nvSpPr>
-        <p:spPr>
-          <a:xfrm>
-            <a:off x="9537469" y="4721629"/>
-            <a:ext cx="801053" cy="369332"/>
-          </a:xfrm>
-          <a:prstGeom prst="rect">
-            <a:avLst/>
-          </a:prstGeom>
-          <a:noFill/>
-        </p:spPr>
-        <p:txBody>
-          <a:bodyPr wrap="none" rtlCol="0">
-            <a:spAutoFit/>
-          </a:bodyPr>
-          <a:lstStyle/>
-          <a:p>
-            <a:r>
-              <a:rPr lang="cs-CZ" dirty="0"/>
-              <a:t>Obr. 5.</a:t>
-            </a:r>
-          </a:p>
-        </p:txBody>
-      </p:sp>
-    </p:spTree>
-    <p:extLst>
-      <p:ext uri="{BB962C8B-B14F-4D97-AF65-F5344CB8AC3E}">
-        <p14:creationId xmlns:p14="http://schemas.microsoft.com/office/powerpoint/2010/main" val="623400557"/>
-      </p:ext>
-    </p:extLst>
-  </p:cSld>
-  <p:clrMapOvr>
-    <a:masterClrMapping/>
-  </p:clrMapOvr>
-</p:sld>
-</file>
-
-<file path=ppt/slides/slide11.xml><?xml version="1.0" encoding="utf-8"?>
-<p:sld xmlns:a="http://schemas.openxmlformats.org/drawingml/2006/main" xmlns:r="http://schemas.openxmlformats.org/officeDocument/2006/relationships" xmlns:p="http://schemas.openxmlformats.org/presentationml/2006/main">
-  <p:cSld>
-    <p:spTree>
-      <p:nvGrpSpPr>
-        <p:cNvPr id="1" name=""/>
-        <p:cNvGrpSpPr/>
-        <p:nvPr/>
-      </p:nvGrpSpPr>
-      <p:grpSpPr>
-        <a:xfrm>
-          <a:off x="0" y="0"/>
-          <a:ext cx="0" cy="0"/>
-          <a:chOff x="0" y="0"/>
-          <a:chExt cx="0" cy="0"/>
-        </a:xfrm>
-      </p:grpSpPr>
-      <p:sp>
-        <p:nvSpPr>
           <p:cNvPr id="2" name="Nadpis 1">
             <a:extLst>
               <a:ext uri="{FF2B5EF4-FFF2-40B4-BE49-F238E27FC236}">
@@ -4958,7 +4716,7 @@
           <a:p>
             <a:fld id="{330EA680-D336-4FF7-8B7A-9848BB0A1C32}" type="slidenum">
               <a:rPr lang="en-US" smtClean="0"/>
-              <a:t>11</a:t>
+              <a:t>10</a:t>
             </a:fld>
             <a:endParaRPr lang="en-US"/>
           </a:p>
@@ -5066,8 +4824,8 @@
             <a:chExt cx="558720" cy="438120"/>
           </a:xfrm>
         </p:grpSpPr>
-        <mc:AlternateContent xmlns:mc="http://schemas.openxmlformats.org/markup-compatibility/2006">
-          <mc:Choice xmlns:p14="http://schemas.microsoft.com/office/powerpoint/2010/main" Requires="p14">
+        <mc:AlternateContent xmlns:mc="http://schemas.openxmlformats.org/markup-compatibility/2006" xmlns:p14="http://schemas.microsoft.com/office/powerpoint/2010/main">
+          <mc:Choice Requires="p14">
             <p:contentPart p14:bwMode="auto" r:id="rId3">
               <p14:nvContentPartPr>
                 <p14:cNvPr id="7" name="Rukopis 6">
@@ -5086,7 +4844,7 @@
               </p14:xfrm>
             </p:contentPart>
           </mc:Choice>
-          <mc:Fallback>
+          <mc:Fallback xmlns="">
             <p:pic>
               <p:nvPicPr>
                 <p:cNvPr id="7" name="Rukopis 6">
@@ -5117,8 +4875,8 @@
             </p:pic>
           </mc:Fallback>
         </mc:AlternateContent>
-        <mc:AlternateContent xmlns:mc="http://schemas.openxmlformats.org/markup-compatibility/2006">
-          <mc:Choice xmlns:p14="http://schemas.microsoft.com/office/powerpoint/2010/main" Requires="p14">
+        <mc:AlternateContent xmlns:mc="http://schemas.openxmlformats.org/markup-compatibility/2006" xmlns:p14="http://schemas.microsoft.com/office/powerpoint/2010/main">
+          <mc:Choice Requires="p14">
             <p:contentPart p14:bwMode="auto" r:id="rId5">
               <p14:nvContentPartPr>
                 <p14:cNvPr id="8" name="Rukopis 7">
@@ -5137,7 +4895,7 @@
               </p14:xfrm>
             </p:contentPart>
           </mc:Choice>
-          <mc:Fallback>
+          <mc:Fallback xmlns="">
             <p:pic>
               <p:nvPicPr>
                 <p:cNvPr id="8" name="Rukopis 7">
@@ -5168,8 +4926,8 @@
             </p:pic>
           </mc:Fallback>
         </mc:AlternateContent>
-        <mc:AlternateContent xmlns:mc="http://schemas.openxmlformats.org/markup-compatibility/2006">
-          <mc:Choice xmlns:p14="http://schemas.microsoft.com/office/powerpoint/2010/main" Requires="p14">
+        <mc:AlternateContent xmlns:mc="http://schemas.openxmlformats.org/markup-compatibility/2006" xmlns:p14="http://schemas.microsoft.com/office/powerpoint/2010/main">
+          <mc:Choice Requires="p14">
             <p:contentPart p14:bwMode="auto" r:id="rId7">
               <p14:nvContentPartPr>
                 <p14:cNvPr id="10" name="Rukopis 9">
@@ -5188,7 +4946,7 @@
               </p14:xfrm>
             </p:contentPart>
           </mc:Choice>
-          <mc:Fallback>
+          <mc:Fallback xmlns="">
             <p:pic>
               <p:nvPicPr>
                 <p:cNvPr id="10" name="Rukopis 9">
@@ -5219,8 +4977,8 @@
             </p:pic>
           </mc:Fallback>
         </mc:AlternateContent>
-        <mc:AlternateContent xmlns:mc="http://schemas.openxmlformats.org/markup-compatibility/2006">
-          <mc:Choice xmlns:p14="http://schemas.microsoft.com/office/powerpoint/2010/main" Requires="p14">
+        <mc:AlternateContent xmlns:mc="http://schemas.openxmlformats.org/markup-compatibility/2006" xmlns:p14="http://schemas.microsoft.com/office/powerpoint/2010/main">
+          <mc:Choice Requires="p14">
             <p:contentPart p14:bwMode="auto" r:id="rId9">
               <p14:nvContentPartPr>
                 <p14:cNvPr id="11" name="Rukopis 10">
@@ -5239,7 +4997,7 @@
               </p14:xfrm>
             </p:contentPart>
           </mc:Choice>
-          <mc:Fallback>
+          <mc:Fallback xmlns="">
             <p:pic>
               <p:nvPicPr>
                 <p:cNvPr id="11" name="Rukopis 10">
@@ -5270,8 +5028,8 @@
             </p:pic>
           </mc:Fallback>
         </mc:AlternateContent>
-        <mc:AlternateContent xmlns:mc="http://schemas.openxmlformats.org/markup-compatibility/2006">
-          <mc:Choice xmlns:p14="http://schemas.microsoft.com/office/powerpoint/2010/main" Requires="p14">
+        <mc:AlternateContent xmlns:mc="http://schemas.openxmlformats.org/markup-compatibility/2006" xmlns:p14="http://schemas.microsoft.com/office/powerpoint/2010/main">
+          <mc:Choice Requires="p14">
             <p:contentPart p14:bwMode="auto" r:id="rId11">
               <p14:nvContentPartPr>
                 <p14:cNvPr id="13" name="Rukopis 12">
@@ -5290,7 +5048,7 @@
               </p14:xfrm>
             </p:contentPart>
           </mc:Choice>
-          <mc:Fallback>
+          <mc:Fallback xmlns="">
             <p:pic>
               <p:nvPicPr>
                 <p:cNvPr id="13" name="Rukopis 12">
@@ -5321,8 +5079,8 @@
             </p:pic>
           </mc:Fallback>
         </mc:AlternateContent>
-        <mc:AlternateContent xmlns:mc="http://schemas.openxmlformats.org/markup-compatibility/2006">
-          <mc:Choice xmlns:p14="http://schemas.microsoft.com/office/powerpoint/2010/main" Requires="p14">
+        <mc:AlternateContent xmlns:mc="http://schemas.openxmlformats.org/markup-compatibility/2006" xmlns:p14="http://schemas.microsoft.com/office/powerpoint/2010/main">
+          <mc:Choice Requires="p14">
             <p:contentPart p14:bwMode="auto" r:id="rId13">
               <p14:nvContentPartPr>
                 <p14:cNvPr id="16" name="Rukopis 15">
@@ -5341,7 +5099,7 @@
               </p14:xfrm>
             </p:contentPart>
           </mc:Choice>
-          <mc:Fallback>
+          <mc:Fallback xmlns="">
             <p:pic>
               <p:nvPicPr>
                 <p:cNvPr id="16" name="Rukopis 15">
@@ -5372,8 +5130,8 @@
             </p:pic>
           </mc:Fallback>
         </mc:AlternateContent>
-        <mc:AlternateContent xmlns:mc="http://schemas.openxmlformats.org/markup-compatibility/2006">
-          <mc:Choice xmlns:p14="http://schemas.microsoft.com/office/powerpoint/2010/main" Requires="p14">
+        <mc:AlternateContent xmlns:mc="http://schemas.openxmlformats.org/markup-compatibility/2006" xmlns:p14="http://schemas.microsoft.com/office/powerpoint/2010/main">
+          <mc:Choice Requires="p14">
             <p:contentPart p14:bwMode="auto" r:id="rId15">
               <p14:nvContentPartPr>
                 <p14:cNvPr id="17" name="Rukopis 16">
@@ -5392,7 +5150,7 @@
               </p14:xfrm>
             </p:contentPart>
           </mc:Choice>
-          <mc:Fallback>
+          <mc:Fallback xmlns="">
             <p:pic>
               <p:nvPicPr>
                 <p:cNvPr id="17" name="Rukopis 16">
@@ -5423,8 +5181,8 @@
             </p:pic>
           </mc:Fallback>
         </mc:AlternateContent>
-        <mc:AlternateContent xmlns:mc="http://schemas.openxmlformats.org/markup-compatibility/2006">
-          <mc:Choice xmlns:p14="http://schemas.microsoft.com/office/powerpoint/2010/main" Requires="p14">
+        <mc:AlternateContent xmlns:mc="http://schemas.openxmlformats.org/markup-compatibility/2006" xmlns:p14="http://schemas.microsoft.com/office/powerpoint/2010/main">
+          <mc:Choice Requires="p14">
             <p:contentPart p14:bwMode="auto" r:id="rId17">
               <p14:nvContentPartPr>
                 <p14:cNvPr id="18" name="Rukopis 17">
@@ -5443,7 +5201,7 @@
               </p14:xfrm>
             </p:contentPart>
           </mc:Choice>
-          <mc:Fallback>
+          <mc:Fallback xmlns="">
             <p:pic>
               <p:nvPicPr>
                 <p:cNvPr id="18" name="Rukopis 17">
@@ -5474,8 +5232,8 @@
             </p:pic>
           </mc:Fallback>
         </mc:AlternateContent>
-        <mc:AlternateContent xmlns:mc="http://schemas.openxmlformats.org/markup-compatibility/2006">
-          <mc:Choice xmlns:p14="http://schemas.microsoft.com/office/powerpoint/2010/main" Requires="p14">
+        <mc:AlternateContent xmlns:mc="http://schemas.openxmlformats.org/markup-compatibility/2006" xmlns:p14="http://schemas.microsoft.com/office/powerpoint/2010/main">
+          <mc:Choice Requires="p14">
             <p:contentPart p14:bwMode="auto" r:id="rId19">
               <p14:nvContentPartPr>
                 <p14:cNvPr id="19" name="Rukopis 18">
@@ -5494,7 +5252,7 @@
               </p14:xfrm>
             </p:contentPart>
           </mc:Choice>
-          <mc:Fallback>
+          <mc:Fallback xmlns="">
             <p:pic>
               <p:nvPicPr>
                 <p:cNvPr id="19" name="Rukopis 18">
@@ -5593,8 +5351,8 @@
             <a:chExt cx="558720" cy="438120"/>
           </a:xfrm>
         </p:grpSpPr>
-        <mc:AlternateContent xmlns:mc="http://schemas.openxmlformats.org/markup-compatibility/2006">
-          <mc:Choice xmlns:p14="http://schemas.microsoft.com/office/powerpoint/2010/main" Requires="p14">
+        <mc:AlternateContent xmlns:mc="http://schemas.openxmlformats.org/markup-compatibility/2006" xmlns:p14="http://schemas.microsoft.com/office/powerpoint/2010/main">
+          <mc:Choice Requires="p14">
             <p:contentPart p14:bwMode="auto" r:id="rId21">
               <p14:nvContentPartPr>
                 <p14:cNvPr id="23" name="Rukopis 22">
@@ -5613,7 +5371,7 @@
               </p14:xfrm>
             </p:contentPart>
           </mc:Choice>
-          <mc:Fallback>
+          <mc:Fallback xmlns="">
             <p:pic>
               <p:nvPicPr>
                 <p:cNvPr id="23" name="Rukopis 22">
@@ -5644,8 +5402,8 @@
             </p:pic>
           </mc:Fallback>
         </mc:AlternateContent>
-        <mc:AlternateContent xmlns:mc="http://schemas.openxmlformats.org/markup-compatibility/2006">
-          <mc:Choice xmlns:p14="http://schemas.microsoft.com/office/powerpoint/2010/main" Requires="p14">
+        <mc:AlternateContent xmlns:mc="http://schemas.openxmlformats.org/markup-compatibility/2006" xmlns:p14="http://schemas.microsoft.com/office/powerpoint/2010/main">
+          <mc:Choice Requires="p14">
             <p:contentPart p14:bwMode="auto" r:id="rId22">
               <p14:nvContentPartPr>
                 <p14:cNvPr id="24" name="Rukopis 23">
@@ -5664,7 +5422,7 @@
               </p14:xfrm>
             </p:contentPart>
           </mc:Choice>
-          <mc:Fallback>
+          <mc:Fallback xmlns="">
             <p:pic>
               <p:nvPicPr>
                 <p:cNvPr id="24" name="Rukopis 23">
@@ -5695,8 +5453,8 @@
             </p:pic>
           </mc:Fallback>
         </mc:AlternateContent>
-        <mc:AlternateContent xmlns:mc="http://schemas.openxmlformats.org/markup-compatibility/2006">
-          <mc:Choice xmlns:p14="http://schemas.microsoft.com/office/powerpoint/2010/main" Requires="p14">
+        <mc:AlternateContent xmlns:mc="http://schemas.openxmlformats.org/markup-compatibility/2006" xmlns:p14="http://schemas.microsoft.com/office/powerpoint/2010/main">
+          <mc:Choice Requires="p14">
             <p:contentPart p14:bwMode="auto" r:id="rId23">
               <p14:nvContentPartPr>
                 <p14:cNvPr id="25" name="Rukopis 24">
@@ -5715,7 +5473,7 @@
               </p14:xfrm>
             </p:contentPart>
           </mc:Choice>
-          <mc:Fallback>
+          <mc:Fallback xmlns="">
             <p:pic>
               <p:nvPicPr>
                 <p:cNvPr id="25" name="Rukopis 24">
@@ -5746,8 +5504,8 @@
             </p:pic>
           </mc:Fallback>
         </mc:AlternateContent>
-        <mc:AlternateContent xmlns:mc="http://schemas.openxmlformats.org/markup-compatibility/2006">
-          <mc:Choice xmlns:p14="http://schemas.microsoft.com/office/powerpoint/2010/main" Requires="p14">
+        <mc:AlternateContent xmlns:mc="http://schemas.openxmlformats.org/markup-compatibility/2006" xmlns:p14="http://schemas.microsoft.com/office/powerpoint/2010/main">
+          <mc:Choice Requires="p14">
             <p:contentPart p14:bwMode="auto" r:id="rId24">
               <p14:nvContentPartPr>
                 <p14:cNvPr id="26" name="Rukopis 25">
@@ -5766,7 +5524,7 @@
               </p14:xfrm>
             </p:contentPart>
           </mc:Choice>
-          <mc:Fallback>
+          <mc:Fallback xmlns="">
             <p:pic>
               <p:nvPicPr>
                 <p:cNvPr id="26" name="Rukopis 25">
@@ -5797,8 +5555,8 @@
             </p:pic>
           </mc:Fallback>
         </mc:AlternateContent>
-        <mc:AlternateContent xmlns:mc="http://schemas.openxmlformats.org/markup-compatibility/2006">
-          <mc:Choice xmlns:p14="http://schemas.microsoft.com/office/powerpoint/2010/main" Requires="p14">
+        <mc:AlternateContent xmlns:mc="http://schemas.openxmlformats.org/markup-compatibility/2006" xmlns:p14="http://schemas.microsoft.com/office/powerpoint/2010/main">
+          <mc:Choice Requires="p14">
             <p:contentPart p14:bwMode="auto" r:id="rId25">
               <p14:nvContentPartPr>
                 <p14:cNvPr id="27" name="Rukopis 26">
@@ -5817,7 +5575,7 @@
               </p14:xfrm>
             </p:contentPart>
           </mc:Choice>
-          <mc:Fallback>
+          <mc:Fallback xmlns="">
             <p:pic>
               <p:nvPicPr>
                 <p:cNvPr id="27" name="Rukopis 26">
@@ -5848,8 +5606,8 @@
             </p:pic>
           </mc:Fallback>
         </mc:AlternateContent>
-        <mc:AlternateContent xmlns:mc="http://schemas.openxmlformats.org/markup-compatibility/2006">
-          <mc:Choice xmlns:p14="http://schemas.microsoft.com/office/powerpoint/2010/main" Requires="p14">
+        <mc:AlternateContent xmlns:mc="http://schemas.openxmlformats.org/markup-compatibility/2006" xmlns:p14="http://schemas.microsoft.com/office/powerpoint/2010/main">
+          <mc:Choice Requires="p14">
             <p:contentPart p14:bwMode="auto" r:id="rId26">
               <p14:nvContentPartPr>
                 <p14:cNvPr id="28" name="Rukopis 27">
@@ -5868,7 +5626,7 @@
               </p14:xfrm>
             </p:contentPart>
           </mc:Choice>
-          <mc:Fallback>
+          <mc:Fallback xmlns="">
             <p:pic>
               <p:nvPicPr>
                 <p:cNvPr id="28" name="Rukopis 27">
@@ -5899,8 +5657,8 @@
             </p:pic>
           </mc:Fallback>
         </mc:AlternateContent>
-        <mc:AlternateContent xmlns:mc="http://schemas.openxmlformats.org/markup-compatibility/2006">
-          <mc:Choice xmlns:p14="http://schemas.microsoft.com/office/powerpoint/2010/main" Requires="p14">
+        <mc:AlternateContent xmlns:mc="http://schemas.openxmlformats.org/markup-compatibility/2006" xmlns:p14="http://schemas.microsoft.com/office/powerpoint/2010/main">
+          <mc:Choice Requires="p14">
             <p:contentPart p14:bwMode="auto" r:id="rId27">
               <p14:nvContentPartPr>
                 <p14:cNvPr id="29" name="Rukopis 28">
@@ -5919,7 +5677,7 @@
               </p14:xfrm>
             </p:contentPart>
           </mc:Choice>
-          <mc:Fallback>
+          <mc:Fallback xmlns="">
             <p:pic>
               <p:nvPicPr>
                 <p:cNvPr id="29" name="Rukopis 28">
@@ -5950,8 +5708,8 @@
             </p:pic>
           </mc:Fallback>
         </mc:AlternateContent>
-        <mc:AlternateContent xmlns:mc="http://schemas.openxmlformats.org/markup-compatibility/2006">
-          <mc:Choice xmlns:p14="http://schemas.microsoft.com/office/powerpoint/2010/main" Requires="p14">
+        <mc:AlternateContent xmlns:mc="http://schemas.openxmlformats.org/markup-compatibility/2006" xmlns:p14="http://schemas.microsoft.com/office/powerpoint/2010/main">
+          <mc:Choice Requires="p14">
             <p:contentPart p14:bwMode="auto" r:id="rId28">
               <p14:nvContentPartPr>
                 <p14:cNvPr id="30" name="Rukopis 29">
@@ -5970,7 +5728,7 @@
               </p14:xfrm>
             </p:contentPart>
           </mc:Choice>
-          <mc:Fallback>
+          <mc:Fallback xmlns="">
             <p:pic>
               <p:nvPicPr>
                 <p:cNvPr id="30" name="Rukopis 29">
@@ -6001,8 +5759,8 @@
             </p:pic>
           </mc:Fallback>
         </mc:AlternateContent>
-        <mc:AlternateContent xmlns:mc="http://schemas.openxmlformats.org/markup-compatibility/2006">
-          <mc:Choice xmlns:p14="http://schemas.microsoft.com/office/powerpoint/2010/main" Requires="p14">
+        <mc:AlternateContent xmlns:mc="http://schemas.openxmlformats.org/markup-compatibility/2006" xmlns:p14="http://schemas.microsoft.com/office/powerpoint/2010/main">
+          <mc:Choice Requires="p14">
             <p:contentPart p14:bwMode="auto" r:id="rId29">
               <p14:nvContentPartPr>
                 <p14:cNvPr id="31" name="Rukopis 30">
@@ -6021,7 +5779,7 @@
               </p14:xfrm>
             </p:contentPart>
           </mc:Choice>
-          <mc:Fallback>
+          <mc:Fallback xmlns="">
             <p:pic>
               <p:nvPicPr>
                 <p:cNvPr id="31" name="Rukopis 30">
@@ -6120,8 +5878,8 @@
             <a:chExt cx="558720" cy="438120"/>
           </a:xfrm>
         </p:grpSpPr>
-        <mc:AlternateContent xmlns:mc="http://schemas.openxmlformats.org/markup-compatibility/2006">
-          <mc:Choice xmlns:p14="http://schemas.microsoft.com/office/powerpoint/2010/main" Requires="p14">
+        <mc:AlternateContent xmlns:mc="http://schemas.openxmlformats.org/markup-compatibility/2006" xmlns:p14="http://schemas.microsoft.com/office/powerpoint/2010/main">
+          <mc:Choice Requires="p14">
             <p:contentPart p14:bwMode="auto" r:id="rId30">
               <p14:nvContentPartPr>
                 <p14:cNvPr id="34" name="Rukopis 33">
@@ -6140,7 +5898,7 @@
               </p14:xfrm>
             </p:contentPart>
           </mc:Choice>
-          <mc:Fallback>
+          <mc:Fallback xmlns="">
             <p:pic>
               <p:nvPicPr>
                 <p:cNvPr id="34" name="Rukopis 33">
@@ -6171,8 +5929,8 @@
             </p:pic>
           </mc:Fallback>
         </mc:AlternateContent>
-        <mc:AlternateContent xmlns:mc="http://schemas.openxmlformats.org/markup-compatibility/2006">
-          <mc:Choice xmlns:p14="http://schemas.microsoft.com/office/powerpoint/2010/main" Requires="p14">
+        <mc:AlternateContent xmlns:mc="http://schemas.openxmlformats.org/markup-compatibility/2006" xmlns:p14="http://schemas.microsoft.com/office/powerpoint/2010/main">
+          <mc:Choice Requires="p14">
             <p:contentPart p14:bwMode="auto" r:id="rId31">
               <p14:nvContentPartPr>
                 <p14:cNvPr id="35" name="Rukopis 34">
@@ -6191,7 +5949,7 @@
               </p14:xfrm>
             </p:contentPart>
           </mc:Choice>
-          <mc:Fallback>
+          <mc:Fallback xmlns="">
             <p:pic>
               <p:nvPicPr>
                 <p:cNvPr id="35" name="Rukopis 34">
@@ -6222,8 +5980,8 @@
             </p:pic>
           </mc:Fallback>
         </mc:AlternateContent>
-        <mc:AlternateContent xmlns:mc="http://schemas.openxmlformats.org/markup-compatibility/2006">
-          <mc:Choice xmlns:p14="http://schemas.microsoft.com/office/powerpoint/2010/main" Requires="p14">
+        <mc:AlternateContent xmlns:mc="http://schemas.openxmlformats.org/markup-compatibility/2006" xmlns:p14="http://schemas.microsoft.com/office/powerpoint/2010/main">
+          <mc:Choice Requires="p14">
             <p:contentPart p14:bwMode="auto" r:id="rId32">
               <p14:nvContentPartPr>
                 <p14:cNvPr id="36" name="Rukopis 35">
@@ -6242,7 +6000,7 @@
               </p14:xfrm>
             </p:contentPart>
           </mc:Choice>
-          <mc:Fallback>
+          <mc:Fallback xmlns="">
             <p:pic>
               <p:nvPicPr>
                 <p:cNvPr id="36" name="Rukopis 35">
@@ -6273,8 +6031,8 @@
             </p:pic>
           </mc:Fallback>
         </mc:AlternateContent>
-        <mc:AlternateContent xmlns:mc="http://schemas.openxmlformats.org/markup-compatibility/2006">
-          <mc:Choice xmlns:p14="http://schemas.microsoft.com/office/powerpoint/2010/main" Requires="p14">
+        <mc:AlternateContent xmlns:mc="http://schemas.openxmlformats.org/markup-compatibility/2006" xmlns:p14="http://schemas.microsoft.com/office/powerpoint/2010/main">
+          <mc:Choice Requires="p14">
             <p:contentPart p14:bwMode="auto" r:id="rId33">
               <p14:nvContentPartPr>
                 <p14:cNvPr id="37" name="Rukopis 36">
@@ -6293,7 +6051,7 @@
               </p14:xfrm>
             </p:contentPart>
           </mc:Choice>
-          <mc:Fallback>
+          <mc:Fallback xmlns="">
             <p:pic>
               <p:nvPicPr>
                 <p:cNvPr id="37" name="Rukopis 36">
@@ -6324,8 +6082,8 @@
             </p:pic>
           </mc:Fallback>
         </mc:AlternateContent>
-        <mc:AlternateContent xmlns:mc="http://schemas.openxmlformats.org/markup-compatibility/2006">
-          <mc:Choice xmlns:p14="http://schemas.microsoft.com/office/powerpoint/2010/main" Requires="p14">
+        <mc:AlternateContent xmlns:mc="http://schemas.openxmlformats.org/markup-compatibility/2006" xmlns:p14="http://schemas.microsoft.com/office/powerpoint/2010/main">
+          <mc:Choice Requires="p14">
             <p:contentPart p14:bwMode="auto" r:id="rId34">
               <p14:nvContentPartPr>
                 <p14:cNvPr id="38" name="Rukopis 37">
@@ -6344,7 +6102,7 @@
               </p14:xfrm>
             </p:contentPart>
           </mc:Choice>
-          <mc:Fallback>
+          <mc:Fallback xmlns="">
             <p:pic>
               <p:nvPicPr>
                 <p:cNvPr id="38" name="Rukopis 37">
@@ -6375,8 +6133,8 @@
             </p:pic>
           </mc:Fallback>
         </mc:AlternateContent>
-        <mc:AlternateContent xmlns:mc="http://schemas.openxmlformats.org/markup-compatibility/2006">
-          <mc:Choice xmlns:p14="http://schemas.microsoft.com/office/powerpoint/2010/main" Requires="p14">
+        <mc:AlternateContent xmlns:mc="http://schemas.openxmlformats.org/markup-compatibility/2006" xmlns:p14="http://schemas.microsoft.com/office/powerpoint/2010/main">
+          <mc:Choice Requires="p14">
             <p:contentPart p14:bwMode="auto" r:id="rId35">
               <p14:nvContentPartPr>
                 <p14:cNvPr id="39" name="Rukopis 38">
@@ -6395,7 +6153,7 @@
               </p14:xfrm>
             </p:contentPart>
           </mc:Choice>
-          <mc:Fallback>
+          <mc:Fallback xmlns="">
             <p:pic>
               <p:nvPicPr>
                 <p:cNvPr id="39" name="Rukopis 38">
@@ -6426,8 +6184,8 @@
             </p:pic>
           </mc:Fallback>
         </mc:AlternateContent>
-        <mc:AlternateContent xmlns:mc="http://schemas.openxmlformats.org/markup-compatibility/2006">
-          <mc:Choice xmlns:p14="http://schemas.microsoft.com/office/powerpoint/2010/main" Requires="p14">
+        <mc:AlternateContent xmlns:mc="http://schemas.openxmlformats.org/markup-compatibility/2006" xmlns:p14="http://schemas.microsoft.com/office/powerpoint/2010/main">
+          <mc:Choice Requires="p14">
             <p:contentPart p14:bwMode="auto" r:id="rId36">
               <p14:nvContentPartPr>
                 <p14:cNvPr id="40" name="Rukopis 39">
@@ -6446,7 +6204,7 @@
               </p14:xfrm>
             </p:contentPart>
           </mc:Choice>
-          <mc:Fallback>
+          <mc:Fallback xmlns="">
             <p:pic>
               <p:nvPicPr>
                 <p:cNvPr id="40" name="Rukopis 39">
@@ -6477,8 +6235,8 @@
             </p:pic>
           </mc:Fallback>
         </mc:AlternateContent>
-        <mc:AlternateContent xmlns:mc="http://schemas.openxmlformats.org/markup-compatibility/2006">
-          <mc:Choice xmlns:p14="http://schemas.microsoft.com/office/powerpoint/2010/main" Requires="p14">
+        <mc:AlternateContent xmlns:mc="http://schemas.openxmlformats.org/markup-compatibility/2006" xmlns:p14="http://schemas.microsoft.com/office/powerpoint/2010/main">
+          <mc:Choice Requires="p14">
             <p:contentPart p14:bwMode="auto" r:id="rId37">
               <p14:nvContentPartPr>
                 <p14:cNvPr id="41" name="Rukopis 40">
@@ -6497,7 +6255,7 @@
               </p14:xfrm>
             </p:contentPart>
           </mc:Choice>
-          <mc:Fallback>
+          <mc:Fallback xmlns="">
             <p:pic>
               <p:nvPicPr>
                 <p:cNvPr id="41" name="Rukopis 40">
@@ -6528,8 +6286,8 @@
             </p:pic>
           </mc:Fallback>
         </mc:AlternateContent>
-        <mc:AlternateContent xmlns:mc="http://schemas.openxmlformats.org/markup-compatibility/2006">
-          <mc:Choice xmlns:p14="http://schemas.microsoft.com/office/powerpoint/2010/main" Requires="p14">
+        <mc:AlternateContent xmlns:mc="http://schemas.openxmlformats.org/markup-compatibility/2006" xmlns:p14="http://schemas.microsoft.com/office/powerpoint/2010/main">
+          <mc:Choice Requires="p14">
             <p:contentPart p14:bwMode="auto" r:id="rId38">
               <p14:nvContentPartPr>
                 <p14:cNvPr id="42" name="Rukopis 41">
@@ -6548,7 +6306,7 @@
               </p14:xfrm>
             </p:contentPart>
           </mc:Choice>
-          <mc:Fallback>
+          <mc:Fallback xmlns="">
             <p:pic>
               <p:nvPicPr>
                 <p:cNvPr id="42" name="Rukopis 41">
@@ -6600,8 +6358,8 @@
             <a:chExt cx="634680" cy="156960"/>
           </a:xfrm>
         </p:grpSpPr>
-        <mc:AlternateContent xmlns:mc="http://schemas.openxmlformats.org/markup-compatibility/2006">
-          <mc:Choice xmlns:p14="http://schemas.microsoft.com/office/powerpoint/2010/main" Requires="p14">
+        <mc:AlternateContent xmlns:mc="http://schemas.openxmlformats.org/markup-compatibility/2006" xmlns:p14="http://schemas.microsoft.com/office/powerpoint/2010/main">
+          <mc:Choice Requires="p14">
             <p:contentPart p14:bwMode="auto" r:id="rId39">
               <p14:nvContentPartPr>
                 <p14:cNvPr id="57" name="Rukopis 56">
@@ -6620,7 +6378,7 @@
               </p14:xfrm>
             </p:contentPart>
           </mc:Choice>
-          <mc:Fallback>
+          <mc:Fallback xmlns="">
             <p:pic>
               <p:nvPicPr>
                 <p:cNvPr id="57" name="Rukopis 56">
@@ -6651,8 +6409,8 @@
             </p:pic>
           </mc:Fallback>
         </mc:AlternateContent>
-        <mc:AlternateContent xmlns:mc="http://schemas.openxmlformats.org/markup-compatibility/2006">
-          <mc:Choice xmlns:p14="http://schemas.microsoft.com/office/powerpoint/2010/main" Requires="p14">
+        <mc:AlternateContent xmlns:mc="http://schemas.openxmlformats.org/markup-compatibility/2006" xmlns:p14="http://schemas.microsoft.com/office/powerpoint/2010/main">
+          <mc:Choice Requires="p14">
             <p:contentPart p14:bwMode="auto" r:id="rId41">
               <p14:nvContentPartPr>
                 <p14:cNvPr id="58" name="Rukopis 57">
@@ -6671,7 +6429,7 @@
               </p14:xfrm>
             </p:contentPart>
           </mc:Choice>
-          <mc:Fallback>
+          <mc:Fallback xmlns="">
             <p:pic>
               <p:nvPicPr>
                 <p:cNvPr id="58" name="Rukopis 57">
@@ -6702,8 +6460,8 @@
             </p:pic>
           </mc:Fallback>
         </mc:AlternateContent>
-        <mc:AlternateContent xmlns:mc="http://schemas.openxmlformats.org/markup-compatibility/2006">
-          <mc:Choice xmlns:p14="http://schemas.microsoft.com/office/powerpoint/2010/main" Requires="p14">
+        <mc:AlternateContent xmlns:mc="http://schemas.openxmlformats.org/markup-compatibility/2006" xmlns:p14="http://schemas.microsoft.com/office/powerpoint/2010/main">
+          <mc:Choice Requires="p14">
             <p:contentPart p14:bwMode="auto" r:id="rId43">
               <p14:nvContentPartPr>
                 <p14:cNvPr id="59" name="Rukopis 58">
@@ -6722,7 +6480,7 @@
               </p14:xfrm>
             </p:contentPart>
           </mc:Choice>
-          <mc:Fallback>
+          <mc:Fallback xmlns="">
             <p:pic>
               <p:nvPicPr>
                 <p:cNvPr id="59" name="Rukopis 58">
@@ -6753,8 +6511,8 @@
             </p:pic>
           </mc:Fallback>
         </mc:AlternateContent>
-        <mc:AlternateContent xmlns:mc="http://schemas.openxmlformats.org/markup-compatibility/2006">
-          <mc:Choice xmlns:p14="http://schemas.microsoft.com/office/powerpoint/2010/main" Requires="p14">
+        <mc:AlternateContent xmlns:mc="http://schemas.openxmlformats.org/markup-compatibility/2006" xmlns:p14="http://schemas.microsoft.com/office/powerpoint/2010/main">
+          <mc:Choice Requires="p14">
             <p:contentPart p14:bwMode="auto" r:id="rId45">
               <p14:nvContentPartPr>
                 <p14:cNvPr id="61" name="Rukopis 60">
@@ -6773,7 +6531,7 @@
               </p14:xfrm>
             </p:contentPart>
           </mc:Choice>
-          <mc:Fallback>
+          <mc:Fallback xmlns="">
             <p:pic>
               <p:nvPicPr>
                 <p:cNvPr id="61" name="Rukopis 60">
@@ -6825,8 +6583,8 @@
             <a:chExt cx="737280" cy="169200"/>
           </a:xfrm>
         </p:grpSpPr>
-        <mc:AlternateContent xmlns:mc="http://schemas.openxmlformats.org/markup-compatibility/2006">
-          <mc:Choice xmlns:p14="http://schemas.microsoft.com/office/powerpoint/2010/main" Requires="p14">
+        <mc:AlternateContent xmlns:mc="http://schemas.openxmlformats.org/markup-compatibility/2006" xmlns:p14="http://schemas.microsoft.com/office/powerpoint/2010/main">
+          <mc:Choice Requires="p14">
             <p:contentPart p14:bwMode="auto" r:id="rId47">
               <p14:nvContentPartPr>
                 <p14:cNvPr id="62" name="Rukopis 61">
@@ -6845,7 +6603,7 @@
               </p14:xfrm>
             </p:contentPart>
           </mc:Choice>
-          <mc:Fallback>
+          <mc:Fallback xmlns="">
             <p:pic>
               <p:nvPicPr>
                 <p:cNvPr id="62" name="Rukopis 61">
@@ -6876,8 +6634,8 @@
             </p:pic>
           </mc:Fallback>
         </mc:AlternateContent>
-        <mc:AlternateContent xmlns:mc="http://schemas.openxmlformats.org/markup-compatibility/2006">
-          <mc:Choice xmlns:p14="http://schemas.microsoft.com/office/powerpoint/2010/main" Requires="p14">
+        <mc:AlternateContent xmlns:mc="http://schemas.openxmlformats.org/markup-compatibility/2006" xmlns:p14="http://schemas.microsoft.com/office/powerpoint/2010/main">
+          <mc:Choice Requires="p14">
             <p:contentPart p14:bwMode="auto" r:id="rId49">
               <p14:nvContentPartPr>
                 <p14:cNvPr id="63" name="Rukopis 62">
@@ -6896,7 +6654,7 @@
               </p14:xfrm>
             </p:contentPart>
           </mc:Choice>
-          <mc:Fallback>
+          <mc:Fallback xmlns="">
             <p:pic>
               <p:nvPicPr>
                 <p:cNvPr id="63" name="Rukopis 62">
@@ -6927,8 +6685,8 @@
             </p:pic>
           </mc:Fallback>
         </mc:AlternateContent>
-        <mc:AlternateContent xmlns:mc="http://schemas.openxmlformats.org/markup-compatibility/2006">
-          <mc:Choice xmlns:p14="http://schemas.microsoft.com/office/powerpoint/2010/main" Requires="p14">
+        <mc:AlternateContent xmlns:mc="http://schemas.openxmlformats.org/markup-compatibility/2006" xmlns:p14="http://schemas.microsoft.com/office/powerpoint/2010/main">
+          <mc:Choice Requires="p14">
             <p:contentPart p14:bwMode="auto" r:id="rId51">
               <p14:nvContentPartPr>
                 <p14:cNvPr id="8192" name="Rukopis 8191">
@@ -6947,7 +6705,7 @@
               </p14:xfrm>
             </p:contentPart>
           </mc:Choice>
-          <mc:Fallback>
+          <mc:Fallback xmlns="">
             <p:pic>
               <p:nvPicPr>
                 <p:cNvPr id="8192" name="Rukopis 8191">
@@ -6978,8 +6736,8 @@
             </p:pic>
           </mc:Fallback>
         </mc:AlternateContent>
-        <mc:AlternateContent xmlns:mc="http://schemas.openxmlformats.org/markup-compatibility/2006">
-          <mc:Choice xmlns:p14="http://schemas.microsoft.com/office/powerpoint/2010/main" Requires="p14">
+        <mc:AlternateContent xmlns:mc="http://schemas.openxmlformats.org/markup-compatibility/2006" xmlns:p14="http://schemas.microsoft.com/office/powerpoint/2010/main">
+          <mc:Choice Requires="p14">
             <p:contentPart p14:bwMode="auto" r:id="rId53">
               <p14:nvContentPartPr>
                 <p14:cNvPr id="8193" name="Rukopis 8192">
@@ -6998,7 +6756,7 @@
               </p14:xfrm>
             </p:contentPart>
           </mc:Choice>
-          <mc:Fallback>
+          <mc:Fallback xmlns="">
             <p:pic>
               <p:nvPicPr>
                 <p:cNvPr id="8193" name="Rukopis 8192">
@@ -7273,8 +7031,8 @@
           </a:p>
         </p:txBody>
       </p:sp>
-      <mc:AlternateContent xmlns:mc="http://schemas.openxmlformats.org/markup-compatibility/2006">
-        <mc:Choice xmlns:p14="http://schemas.microsoft.com/office/powerpoint/2010/main" Requires="p14">
+      <mc:AlternateContent xmlns:mc="http://schemas.openxmlformats.org/markup-compatibility/2006" xmlns:p14="http://schemas.microsoft.com/office/powerpoint/2010/main">
+        <mc:Choice Requires="p14">
           <p:contentPart p14:bwMode="auto" r:id="rId55">
             <p14:nvContentPartPr>
               <p14:cNvPr id="8202" name="Rukopis 8201">
@@ -7293,7 +7051,7 @@
             </p14:xfrm>
           </p:contentPart>
         </mc:Choice>
-        <mc:Fallback>
+        <mc:Fallback xmlns="">
           <p:pic>
             <p:nvPicPr>
               <p:cNvPr id="8202" name="Rukopis 8201">
@@ -7324,8 +7082,8 @@
           </p:pic>
         </mc:Fallback>
       </mc:AlternateContent>
-      <mc:AlternateContent xmlns:mc="http://schemas.openxmlformats.org/markup-compatibility/2006">
-        <mc:Choice xmlns:p14="http://schemas.microsoft.com/office/powerpoint/2010/main" Requires="p14">
+      <mc:AlternateContent xmlns:mc="http://schemas.openxmlformats.org/markup-compatibility/2006" xmlns:p14="http://schemas.microsoft.com/office/powerpoint/2010/main">
+        <mc:Choice Requires="p14">
           <p:contentPart p14:bwMode="auto" r:id="rId57">
             <p14:nvContentPartPr>
               <p14:cNvPr id="8203" name="Rukopis 8202">
@@ -7344,7 +7102,7 @@
             </p14:xfrm>
           </p:contentPart>
         </mc:Choice>
-        <mc:Fallback>
+        <mc:Fallback xmlns="">
           <p:pic>
             <p:nvPicPr>
               <p:cNvPr id="8203" name="Rukopis 8202">
@@ -7444,7 +7202,7 @@
 </p:sld>
 </file>
 
-<file path=ppt/slides/slide12.xml><?xml version="1.0" encoding="utf-8"?>
+<file path=ppt/slides/slide11.xml><?xml version="1.0" encoding="utf-8"?>
 <p:sld xmlns:a="http://schemas.openxmlformats.org/drawingml/2006/main" xmlns:r="http://schemas.openxmlformats.org/officeDocument/2006/relationships" xmlns:p="http://schemas.openxmlformats.org/presentationml/2006/main">
   <p:cSld>
     <p:spTree>
@@ -7512,7 +7270,7 @@
           <a:p>
             <a:fld id="{330EA680-D336-4FF7-8B7A-9848BB0A1C32}" type="slidenum">
               <a:rPr lang="en-US" smtClean="0"/>
-              <a:t>12</a:t>
+              <a:t>11</a:t>
             </a:fld>
             <a:endParaRPr lang="en-US"/>
           </a:p>
@@ -7613,6 +7371,339 @@
 </p:sld>
 </file>
 
+<file path=ppt/slides/slide12.xml><?xml version="1.0" encoding="utf-8"?>
+<p:sld xmlns:a="http://schemas.openxmlformats.org/drawingml/2006/main" xmlns:r="http://schemas.openxmlformats.org/officeDocument/2006/relationships" xmlns:p="http://schemas.openxmlformats.org/presentationml/2006/main">
+  <p:cSld>
+    <p:spTree>
+      <p:nvGrpSpPr>
+        <p:cNvPr id="1" name=""/>
+        <p:cNvGrpSpPr/>
+        <p:nvPr/>
+      </p:nvGrpSpPr>
+      <p:grpSpPr>
+        <a:xfrm>
+          <a:off x="0" y="0"/>
+          <a:ext cx="0" cy="0"/>
+          <a:chOff x="0" y="0"/>
+          <a:chExt cx="0" cy="0"/>
+        </a:xfrm>
+      </p:grpSpPr>
+      <p:sp>
+        <p:nvSpPr>
+          <p:cNvPr id="2" name="Nadpis 1">
+            <a:extLst>
+              <a:ext uri="{FF2B5EF4-FFF2-40B4-BE49-F238E27FC236}">
+                <a16:creationId xmlns:a16="http://schemas.microsoft.com/office/drawing/2014/main" id="{B59A4BB7-1915-9314-2451-46B9709FFBA8}"/>
+              </a:ext>
+            </a:extLst>
+          </p:cNvPr>
+          <p:cNvSpPr>
+            <a:spLocks noGrp="1"/>
+          </p:cNvSpPr>
+          <p:nvPr>
+            <p:ph type="title"/>
+          </p:nvPr>
+        </p:nvSpPr>
+        <p:spPr/>
+        <p:txBody>
+          <a:bodyPr/>
+          <a:lstStyle/>
+          <a:p>
+            <a:r>
+              <a:rPr lang="cs-CZ" dirty="0" err="1"/>
+              <a:t>Konsezus</a:t>
+            </a:r>
+            <a:endParaRPr lang="cs-CZ" dirty="0"/>
+          </a:p>
+        </p:txBody>
+      </p:sp>
+      <p:sp>
+        <p:nvSpPr>
+          <p:cNvPr id="3" name="Zástupný obsah 2">
+            <a:extLst>
+              <a:ext uri="{FF2B5EF4-FFF2-40B4-BE49-F238E27FC236}">
+                <a16:creationId xmlns:a16="http://schemas.microsoft.com/office/drawing/2014/main" id="{BF6C6A3F-FF81-D24A-70E1-5B580101D756}"/>
+              </a:ext>
+            </a:extLst>
+          </p:cNvPr>
+          <p:cNvSpPr>
+            <a:spLocks noGrp="1"/>
+          </p:cNvSpPr>
+          <p:nvPr>
+            <p:ph idx="1"/>
+          </p:nvPr>
+        </p:nvSpPr>
+        <p:spPr/>
+        <p:txBody>
+          <a:bodyPr/>
+          <a:lstStyle/>
+          <a:p>
+            <a:r>
+              <a:rPr lang="cs-CZ" dirty="0"/>
+              <a:t>shoda </a:t>
+            </a:r>
+            <a:r>
+              <a:rPr lang="cs-CZ" b="0" i="0" dirty="0">
+                <a:solidFill>
+                  <a:srgbClr val="E6EDF3"/>
+                </a:solidFill>
+                <a:effectLst/>
+                <a:latin typeface="-apple-system"/>
+              </a:rPr>
+              <a:t>mezi uzly sítě ohledně platnosti dat v novém bloku</a:t>
+            </a:r>
+          </a:p>
+          <a:p>
+            <a:r>
+              <a:rPr lang="cs-CZ" dirty="0">
+                <a:solidFill>
+                  <a:srgbClr val="E6EDF3"/>
+                </a:solidFill>
+                <a:latin typeface="-apple-system"/>
+              </a:rPr>
+              <a:t>typy: </a:t>
+            </a:r>
+          </a:p>
+          <a:p>
+            <a:pPr lvl="1"/>
+            <a:r>
+              <a:rPr lang="en-US" b="0" i="0" dirty="0">
+                <a:solidFill>
+                  <a:srgbClr val="E6EDF3"/>
+                </a:solidFill>
+                <a:effectLst/>
+                <a:latin typeface="-apple-system"/>
+              </a:rPr>
+              <a:t>Proof-of-Work (</a:t>
+            </a:r>
+            <a:r>
+              <a:rPr lang="en-US" b="0" i="0" dirty="0" err="1">
+                <a:solidFill>
+                  <a:srgbClr val="E6EDF3"/>
+                </a:solidFill>
+                <a:effectLst/>
+                <a:latin typeface="-apple-system"/>
+              </a:rPr>
+              <a:t>PoW</a:t>
+            </a:r>
+            <a:r>
+              <a:rPr lang="en-US" b="0" i="0" dirty="0">
+                <a:solidFill>
+                  <a:srgbClr val="E6EDF3"/>
+                </a:solidFill>
+                <a:effectLst/>
+                <a:latin typeface="-apple-system"/>
+              </a:rPr>
+              <a:t>) </a:t>
+            </a:r>
+            <a:endParaRPr lang="cs-CZ" b="0" i="0" dirty="0">
+              <a:solidFill>
+                <a:srgbClr val="E6EDF3"/>
+              </a:solidFill>
+              <a:effectLst/>
+              <a:latin typeface="-apple-system"/>
+            </a:endParaRPr>
+          </a:p>
+          <a:p>
+            <a:pPr lvl="1"/>
+            <a:r>
+              <a:rPr lang="en-US" b="0" i="0" dirty="0">
+                <a:solidFill>
+                  <a:srgbClr val="E6EDF3"/>
+                </a:solidFill>
+                <a:effectLst/>
+                <a:latin typeface="-apple-system"/>
+              </a:rPr>
+              <a:t>Proof-of-Stake (</a:t>
+            </a:r>
+            <a:r>
+              <a:rPr lang="en-US" b="0" i="0" dirty="0" err="1">
+                <a:solidFill>
+                  <a:srgbClr val="E6EDF3"/>
+                </a:solidFill>
+                <a:effectLst/>
+                <a:latin typeface="-apple-system"/>
+              </a:rPr>
+              <a:t>PoS</a:t>
+            </a:r>
+            <a:r>
+              <a:rPr lang="cs-CZ" b="0" i="0" dirty="0">
+                <a:solidFill>
+                  <a:srgbClr val="E6EDF3"/>
+                </a:solidFill>
+                <a:effectLst/>
+                <a:latin typeface="-apple-system"/>
+              </a:rPr>
+              <a:t>)</a:t>
+            </a:r>
+          </a:p>
+          <a:p>
+            <a:pPr lvl="1"/>
+            <a:r>
+              <a:rPr lang="cs-CZ" dirty="0">
+                <a:solidFill>
+                  <a:srgbClr val="E6EDF3"/>
+                </a:solidFill>
+                <a:latin typeface="-apple-system"/>
+              </a:rPr>
+              <a:t>další…</a:t>
+            </a:r>
+            <a:endParaRPr lang="cs-CZ" dirty="0"/>
+          </a:p>
+        </p:txBody>
+      </p:sp>
+      <p:sp>
+        <p:nvSpPr>
+          <p:cNvPr id="4" name="Zástupný symbol pro zápatí 3">
+            <a:extLst>
+              <a:ext uri="{FF2B5EF4-FFF2-40B4-BE49-F238E27FC236}">
+                <a16:creationId xmlns:a16="http://schemas.microsoft.com/office/drawing/2014/main" id="{38F921AE-4397-2B07-8A58-83B8165571A7}"/>
+              </a:ext>
+            </a:extLst>
+          </p:cNvPr>
+          <p:cNvSpPr>
+            <a:spLocks noGrp="1"/>
+          </p:cNvSpPr>
+          <p:nvPr>
+            <p:ph type="ftr" sz="quarter" idx="11"/>
+          </p:nvPr>
+        </p:nvSpPr>
+        <p:spPr/>
+        <p:txBody>
+          <a:bodyPr/>
+          <a:lstStyle/>
+          <a:p>
+            <a:r>
+              <a:rPr lang="en-US"/>
+              <a:t>Pavel Olyšar 2.C</a:t>
+            </a:r>
+          </a:p>
+        </p:txBody>
+      </p:sp>
+      <p:sp>
+        <p:nvSpPr>
+          <p:cNvPr id="5" name="Zástupný symbol pro číslo snímku 4">
+            <a:extLst>
+              <a:ext uri="{FF2B5EF4-FFF2-40B4-BE49-F238E27FC236}">
+                <a16:creationId xmlns:a16="http://schemas.microsoft.com/office/drawing/2014/main" id="{FA1DEDCA-9C6D-40C0-BE02-EE4904582E8B}"/>
+              </a:ext>
+            </a:extLst>
+          </p:cNvPr>
+          <p:cNvSpPr>
+            <a:spLocks noGrp="1"/>
+          </p:cNvSpPr>
+          <p:nvPr>
+            <p:ph type="sldNum" sz="quarter" idx="12"/>
+          </p:nvPr>
+        </p:nvSpPr>
+        <p:spPr/>
+        <p:txBody>
+          <a:bodyPr/>
+          <a:lstStyle/>
+          <a:p>
+            <a:fld id="{330EA680-D336-4FF7-8B7A-9848BB0A1C32}" type="slidenum">
+              <a:rPr lang="en-US" smtClean="0"/>
+              <a:t>12</a:t>
+            </a:fld>
+            <a:endParaRPr lang="en-US"/>
+          </a:p>
+        </p:txBody>
+      </p:sp>
+      <p:pic>
+        <p:nvPicPr>
+          <p:cNvPr id="1026" name="Picture 2" descr="Consensus Images – Browse 16,262 Stock Photos, Vectors, and Video | Adobe  Stock">
+            <a:extLst>
+              <a:ext uri="{FF2B5EF4-FFF2-40B4-BE49-F238E27FC236}">
+                <a16:creationId xmlns:a16="http://schemas.microsoft.com/office/drawing/2014/main" id="{676B7625-385C-82AB-2792-FE85DC2774AC}"/>
+              </a:ext>
+            </a:extLst>
+          </p:cNvPr>
+          <p:cNvPicPr>
+            <a:picLocks noChangeAspect="1" noChangeArrowheads="1"/>
+          </p:cNvPicPr>
+          <p:nvPr/>
+        </p:nvPicPr>
+        <p:blipFill>
+          <a:blip r:embed="rId2">
+            <a:extLst>
+              <a:ext uri="{28A0092B-C50C-407E-A947-70E740481C1C}">
+                <a14:useLocalDpi xmlns:a14="http://schemas.microsoft.com/office/drawing/2010/main" val="0"/>
+              </a:ext>
+            </a:extLst>
+          </a:blip>
+          <a:srcRect/>
+          <a:stretch>
+            <a:fillRect/>
+          </a:stretch>
+        </p:blipFill>
+        <p:spPr bwMode="auto">
+          <a:xfrm>
+            <a:off x="7586749" y="2462646"/>
+            <a:ext cx="4251960" cy="2733403"/>
+          </a:xfrm>
+          <a:prstGeom prst="rect">
+            <a:avLst/>
+          </a:prstGeom>
+          <a:noFill/>
+          <a:extLst>
+            <a:ext uri="{909E8E84-426E-40DD-AFC4-6F175D3DCCD1}">
+              <a14:hiddenFill xmlns:a14="http://schemas.microsoft.com/office/drawing/2010/main">
+                <a:solidFill>
+                  <a:srgbClr val="FFFFFF"/>
+                </a:solidFill>
+              </a14:hiddenFill>
+            </a:ext>
+          </a:extLst>
+        </p:spPr>
+      </p:pic>
+      <p:sp>
+        <p:nvSpPr>
+          <p:cNvPr id="6" name="TextovéPole 5">
+            <a:extLst>
+              <a:ext uri="{FF2B5EF4-FFF2-40B4-BE49-F238E27FC236}">
+                <a16:creationId xmlns:a16="http://schemas.microsoft.com/office/drawing/2014/main" id="{09A6BE9A-A284-2BDC-2047-0B0B7B11C09A}"/>
+              </a:ext>
+            </a:extLst>
+          </p:cNvPr>
+          <p:cNvSpPr txBox="1"/>
+          <p:nvPr/>
+        </p:nvSpPr>
+        <p:spPr>
+          <a:xfrm>
+            <a:off x="8718584" y="5432612"/>
+            <a:ext cx="801053" cy="369332"/>
+          </a:xfrm>
+          <a:prstGeom prst="rect">
+            <a:avLst/>
+          </a:prstGeom>
+          <a:noFill/>
+        </p:spPr>
+        <p:txBody>
+          <a:bodyPr wrap="none" rtlCol="0">
+            <a:spAutoFit/>
+          </a:bodyPr>
+          <a:lstStyle/>
+          <a:p>
+            <a:r>
+              <a:rPr lang="cs-CZ" dirty="0"/>
+              <a:t>Obr. 8.</a:t>
+            </a:r>
+          </a:p>
+        </p:txBody>
+      </p:sp>
+    </p:spTree>
+    <p:extLst>
+      <p:ext uri="{BB962C8B-B14F-4D97-AF65-F5344CB8AC3E}">
+        <p14:creationId xmlns:p14="http://schemas.microsoft.com/office/powerpoint/2010/main" val="2873953969"/>
+      </p:ext>
+    </p:extLst>
+  </p:cSld>
+  <p:clrMapOvr>
+    <a:masterClrMapping/>
+  </p:clrMapOvr>
+</p:sld>
+</file>
+
 <file path=ppt/slides/slide13.xml><?xml version="1.0" encoding="utf-8"?>
 <p:sld xmlns:a="http://schemas.openxmlformats.org/drawingml/2006/main" xmlns:r="http://schemas.openxmlformats.org/officeDocument/2006/relationships" xmlns:p="http://schemas.openxmlformats.org/presentationml/2006/main">
   <p:cSld>
@@ -7635,7 +7726,7 @@
           <p:cNvPr id="2" name="Nadpis 1">
             <a:extLst>
               <a:ext uri="{FF2B5EF4-FFF2-40B4-BE49-F238E27FC236}">
-                <a16:creationId xmlns:a16="http://schemas.microsoft.com/office/drawing/2014/main" id="{B59A4BB7-1915-9314-2451-46B9709FFBA8}"/>
+                <a16:creationId xmlns:a16="http://schemas.microsoft.com/office/drawing/2014/main" id="{7907721E-C009-1A9F-FF63-26BE5B35B2C5}"/>
               </a:ext>
             </a:extLst>
           </p:cNvPr>
@@ -7653,9 +7744,20 @@
           <a:p>
             <a:r>
               <a:rPr lang="cs-CZ" dirty="0" err="1"/>
-              <a:t>Konsezus</a:t>
-            </a:r>
-            <a:endParaRPr lang="cs-CZ" dirty="0"/>
+              <a:t>Proof-of-Work</a:t>
+            </a:r>
+            <a:r>
+              <a:rPr lang="cs-CZ" dirty="0"/>
+              <a:t> (</a:t>
+            </a:r>
+            <a:r>
+              <a:rPr lang="cs-CZ" dirty="0" err="1"/>
+              <a:t>PoW</a:t>
+            </a:r>
+            <a:r>
+              <a:rPr lang="cs-CZ" dirty="0"/>
+              <a:t>)</a:t>
+            </a:r>
           </a:p>
         </p:txBody>
       </p:sp>
@@ -7664,7 +7766,7 @@
           <p:cNvPr id="3" name="Zástupný obsah 2">
             <a:extLst>
               <a:ext uri="{FF2B5EF4-FFF2-40B4-BE49-F238E27FC236}">
-                <a16:creationId xmlns:a16="http://schemas.microsoft.com/office/drawing/2014/main" id="{BF6C6A3F-FF81-D24A-70E1-5B580101D756}"/>
+                <a16:creationId xmlns:a16="http://schemas.microsoft.com/office/drawing/2014/main" id="{3A98E45D-AC26-D74D-C87E-594C245FD2E1}"/>
               </a:ext>
             </a:extLst>
           </p:cNvPr>
@@ -7680,7 +7782,69 @@
           <a:bodyPr/>
           <a:lstStyle/>
           <a:p>
-            <a:endParaRPr lang="cs-CZ"/>
+            <a:r>
+              <a:rPr lang="cs-CZ" b="0" i="0" dirty="0">
+                <a:solidFill>
+                  <a:srgbClr val="E6EDF3"/>
+                </a:solidFill>
+                <a:effectLst/>
+                <a:latin typeface="-apple-system"/>
+              </a:rPr>
+              <a:t>těžaři musí vyřešit "hashovací problém„</a:t>
+            </a:r>
+          </a:p>
+          <a:p>
+            <a:pPr lvl="1"/>
+            <a:r>
+              <a:rPr lang="cs-CZ" b="0" i="0" dirty="0">
+                <a:solidFill>
+                  <a:srgbClr val="E6EDF3"/>
+                </a:solidFill>
+                <a:effectLst/>
+                <a:latin typeface="-apple-system"/>
+              </a:rPr>
+              <a:t>matematický problém s vysokou výpočetní náročností</a:t>
+            </a:r>
+          </a:p>
+          <a:p>
+            <a:r>
+              <a:rPr lang="cs-CZ" dirty="0">
+                <a:solidFill>
+                  <a:srgbClr val="E6EDF3"/>
+                </a:solidFill>
+                <a:latin typeface="-apple-system"/>
+              </a:rPr>
+              <a:t>Závod</a:t>
+            </a:r>
+          </a:p>
+          <a:p>
+            <a:r>
+              <a:rPr lang="cs-CZ" dirty="0">
+                <a:solidFill>
+                  <a:srgbClr val="E6EDF3"/>
+                </a:solidFill>
+                <a:latin typeface="-apple-system"/>
+              </a:rPr>
+              <a:t>první dostane odměnu a přidá blok</a:t>
+            </a:r>
+          </a:p>
+          <a:p>
+            <a:r>
+              <a:rPr lang="cs-CZ" b="0" i="0" dirty="0">
+                <a:solidFill>
+                  <a:srgbClr val="E6EDF3"/>
+                </a:solidFill>
+                <a:effectLst/>
+                <a:latin typeface="-apple-system"/>
+              </a:rPr>
+              <a:t>uzly v síti ověří obsah bloku</a:t>
+            </a:r>
+            <a:endParaRPr lang="cs-CZ" dirty="0">
+              <a:solidFill>
+                <a:srgbClr val="E6EDF3"/>
+              </a:solidFill>
+              <a:latin typeface="-apple-system"/>
+            </a:endParaRPr>
           </a:p>
         </p:txBody>
       </p:sp>
@@ -7689,7 +7853,7 @@
           <p:cNvPr id="4" name="Zástupný symbol pro zápatí 3">
             <a:extLst>
               <a:ext uri="{FF2B5EF4-FFF2-40B4-BE49-F238E27FC236}">
-                <a16:creationId xmlns:a16="http://schemas.microsoft.com/office/drawing/2014/main" id="{38F921AE-4397-2B07-8A58-83B8165571A7}"/>
+                <a16:creationId xmlns:a16="http://schemas.microsoft.com/office/drawing/2014/main" id="{20C149E6-7A8C-2933-B5DA-5CA899FC618C}"/>
               </a:ext>
             </a:extLst>
           </p:cNvPr>
@@ -7717,7 +7881,7 @@
           <p:cNvPr id="5" name="Zástupný symbol pro číslo snímku 4">
             <a:extLst>
               <a:ext uri="{FF2B5EF4-FFF2-40B4-BE49-F238E27FC236}">
-                <a16:creationId xmlns:a16="http://schemas.microsoft.com/office/drawing/2014/main" id="{FA1DEDCA-9C6D-40C0-BE02-EE4904582E8B}"/>
+                <a16:creationId xmlns:a16="http://schemas.microsoft.com/office/drawing/2014/main" id="{C95CE0E5-1CEB-2AD8-051F-94D8FE0E4ED6}"/>
               </a:ext>
             </a:extLst>
           </p:cNvPr>
@@ -7741,10 +7905,92 @@
           </a:p>
         </p:txBody>
       </p:sp>
+      <p:pic>
+        <p:nvPicPr>
+          <p:cNvPr id="2052" name="Picture 4" descr="Blockchain : Proof-of-Work (PoW) - Analytics Vidhya">
+            <a:extLst>
+              <a:ext uri="{FF2B5EF4-FFF2-40B4-BE49-F238E27FC236}">
+                <a16:creationId xmlns:a16="http://schemas.microsoft.com/office/drawing/2014/main" id="{6256A550-E708-4536-CB16-6BD8E1C8F988}"/>
+              </a:ext>
+            </a:extLst>
+          </p:cNvPr>
+          <p:cNvPicPr>
+            <a:picLocks noChangeAspect="1" noChangeArrowheads="1"/>
+          </p:cNvPicPr>
+          <p:nvPr/>
+        </p:nvPicPr>
+        <p:blipFill>
+          <a:blip r:embed="rId2" cstate="print">
+            <a:extLst>
+              <a:ext uri="{28A0092B-C50C-407E-A947-70E740481C1C}">
+                <a14:useLocalDpi xmlns:a14="http://schemas.microsoft.com/office/drawing/2010/main" val="0"/>
+              </a:ext>
+            </a:extLst>
+          </a:blip>
+          <a:srcRect/>
+          <a:stretch>
+            <a:fillRect/>
+          </a:stretch>
+        </p:blipFill>
+        <p:spPr bwMode="auto">
+          <a:xfrm>
+            <a:off x="7610475" y="2902758"/>
+            <a:ext cx="3906636" cy="2197071"/>
+          </a:xfrm>
+          <a:prstGeom prst="rect">
+            <a:avLst/>
+          </a:prstGeom>
+          <a:noFill/>
+          <a:extLst>
+            <a:ext uri="{909E8E84-426E-40DD-AFC4-6F175D3DCCD1}">
+              <a14:hiddenFill xmlns:a14="http://schemas.microsoft.com/office/drawing/2010/main">
+                <a:solidFill>
+                  <a:srgbClr val="FFFFFF"/>
+                </a:solidFill>
+              </a14:hiddenFill>
+            </a:ext>
+          </a:extLst>
+        </p:spPr>
+      </p:pic>
+      <p:sp>
+        <p:nvSpPr>
+          <p:cNvPr id="6" name="TextovéPole 5">
+            <a:extLst>
+              <a:ext uri="{FF2B5EF4-FFF2-40B4-BE49-F238E27FC236}">
+                <a16:creationId xmlns:a16="http://schemas.microsoft.com/office/drawing/2014/main" id="{98799B96-7F4E-C73A-C21F-36967E3945F7}"/>
+              </a:ext>
+            </a:extLst>
+          </p:cNvPr>
+          <p:cNvSpPr txBox="1"/>
+          <p:nvPr/>
+        </p:nvSpPr>
+        <p:spPr>
+          <a:xfrm>
+            <a:off x="7924800" y="5497484"/>
+            <a:ext cx="801053" cy="369332"/>
+          </a:xfrm>
+          <a:prstGeom prst="rect">
+            <a:avLst/>
+          </a:prstGeom>
+          <a:noFill/>
+        </p:spPr>
+        <p:txBody>
+          <a:bodyPr wrap="none" rtlCol="0">
+            <a:spAutoFit/>
+          </a:bodyPr>
+          <a:lstStyle/>
+          <a:p>
+            <a:r>
+              <a:rPr lang="cs-CZ" dirty="0"/>
+              <a:t>Obr. 9.</a:t>
+            </a:r>
+          </a:p>
+        </p:txBody>
+      </p:sp>
     </p:spTree>
     <p:extLst>
       <p:ext uri="{BB962C8B-B14F-4D97-AF65-F5344CB8AC3E}">
-        <p14:creationId xmlns:p14="http://schemas.microsoft.com/office/powerpoint/2010/main" val="2873953969"/>
+        <p14:creationId xmlns:p14="http://schemas.microsoft.com/office/powerpoint/2010/main" val="3460751283"/>
       </p:ext>
     </p:extLst>
   </p:cSld>
@@ -7773,10 +8019,10 @@
       </p:grpSpPr>
       <p:sp>
         <p:nvSpPr>
-          <p:cNvPr id="2" name="Title 1">
+          <p:cNvPr id="2" name="Nadpis 1">
             <a:extLst>
               <a:ext uri="{FF2B5EF4-FFF2-40B4-BE49-F238E27FC236}">
-                <a16:creationId xmlns:a16="http://schemas.microsoft.com/office/drawing/2014/main" id="{69156EDE-6E1B-E91A-7F84-698AFC88BF97}"/>
+                <a16:creationId xmlns:a16="http://schemas.microsoft.com/office/drawing/2014/main" id="{B9319B59-61DE-6841-39B2-2F0341137832}"/>
               </a:ext>
             </a:extLst>
           </p:cNvPr>
@@ -7787,47 +8033,36 @@
             <p:ph type="title"/>
           </p:nvPr>
         </p:nvSpPr>
-        <p:spPr>
-          <a:xfrm>
-            <a:off x="848783" y="86836"/>
-            <a:ext cx="10509355" cy="769678"/>
-          </a:xfrm>
-        </p:spPr>
+        <p:spPr/>
         <p:txBody>
           <a:bodyPr/>
           <a:lstStyle/>
           <a:p>
             <a:r>
-              <a:rPr lang="en-US" dirty="0" err="1">
-                <a:ea typeface="Calibri Light"/>
-                <a:cs typeface="Calibri Light"/>
-              </a:rPr>
-              <a:t>Zdroje</a:t>
-            </a:r>
-            <a:r>
-              <a:rPr lang="en-US" dirty="0">
-                <a:ea typeface="Calibri Light"/>
-                <a:cs typeface="Calibri Light"/>
-              </a:rPr>
-              <a:t> </a:t>
-            </a:r>
-            <a:r>
-              <a:rPr lang="en-US" dirty="0" err="1">
-                <a:ea typeface="Calibri Light"/>
-                <a:cs typeface="Calibri Light"/>
-              </a:rPr>
-              <a:t>informací</a:t>
-            </a:r>
-            <a:endParaRPr lang="en-US" dirty="0" err="1"/>
-          </a:p>
-        </p:txBody>
-      </p:sp>
-      <p:sp>
-        <p:nvSpPr>
-          <p:cNvPr id="3" name="Content Placeholder 2">
+              <a:rPr lang="cs-CZ" dirty="0" err="1"/>
+              <a:t>Proof-of-Stake</a:t>
+            </a:r>
+            <a:r>
+              <a:rPr lang="cs-CZ" dirty="0"/>
+              <a:t> (</a:t>
+            </a:r>
+            <a:r>
+              <a:rPr lang="cs-CZ" dirty="0" err="1"/>
+              <a:t>PoS</a:t>
+            </a:r>
+            <a:r>
+              <a:rPr lang="cs-CZ" dirty="0"/>
+              <a:t>)</a:t>
+            </a:r>
+          </a:p>
+        </p:txBody>
+      </p:sp>
+      <p:sp>
+        <p:nvSpPr>
+          <p:cNvPr id="3" name="Zástupný obsah 2">
             <a:extLst>
               <a:ext uri="{FF2B5EF4-FFF2-40B4-BE49-F238E27FC236}">
-                <a16:creationId xmlns:a16="http://schemas.microsoft.com/office/drawing/2014/main" id="{DD4D2381-C78C-62CC-FB2F-17F06FD78CA2}"/>
+                <a16:creationId xmlns:a16="http://schemas.microsoft.com/office/drawing/2014/main" id="{979C06D6-C606-96A8-4F06-DCE4FAFA4CAB}"/>
               </a:ext>
             </a:extLst>
           </p:cNvPr>
@@ -7838,973 +8073,118 @@
             <p:ph idx="1"/>
           </p:nvPr>
         </p:nvSpPr>
-        <p:spPr>
-          <a:xfrm>
-            <a:off x="838200" y="822812"/>
-            <a:ext cx="10509355" cy="5235479"/>
-          </a:xfrm>
-        </p:spPr>
-        <p:txBody>
-          <a:bodyPr vert="horz" lIns="91440" tIns="45720" rIns="91440" bIns="45720" rtlCol="0" anchor="t">
-            <a:noAutofit/>
-          </a:bodyPr>
-          <a:lstStyle/>
-          <a:p>
-            <a:pPr marL="0" indent="0">
-              <a:buNone/>
-            </a:pPr>
-            <a:r>
-              <a:rPr lang="en-US" sz="850" dirty="0">
-                <a:ea typeface="Calibri"/>
-                <a:cs typeface="Calibri"/>
-              </a:rPr>
-              <a:t>Blockchain </a:t>
-            </a:r>
-            <a:r>
-              <a:rPr lang="en-US" sz="850" err="1">
-                <a:ea typeface="Calibri"/>
-                <a:cs typeface="Calibri"/>
-              </a:rPr>
-              <a:t>základy</a:t>
-            </a:r>
-            <a:r>
-              <a:rPr lang="en-US" sz="850" dirty="0">
-                <a:ea typeface="Calibri"/>
-                <a:cs typeface="Calibri"/>
-              </a:rPr>
-              <a:t>:</a:t>
-            </a:r>
-          </a:p>
-          <a:p>
-            <a:r>
-              <a:rPr lang="en-US" sz="850" dirty="0">
-                <a:ea typeface="Calibri"/>
-                <a:cs typeface="Calibri"/>
-              </a:rPr>
-              <a:t>[1] Co je blockchain, jak </a:t>
-            </a:r>
-            <a:r>
-              <a:rPr lang="en-US" sz="850" err="1">
-                <a:ea typeface="Calibri"/>
-                <a:cs typeface="Calibri"/>
-              </a:rPr>
-              <a:t>funguje</a:t>
-            </a:r>
-            <a:r>
-              <a:rPr lang="en-US" sz="850" dirty="0">
-                <a:ea typeface="Calibri"/>
-                <a:cs typeface="Calibri"/>
-              </a:rPr>
-              <a:t> a KDE </a:t>
-            </a:r>
-            <a:r>
-              <a:rPr lang="en-US" sz="850" err="1">
-                <a:ea typeface="Calibri"/>
-                <a:cs typeface="Calibri"/>
-              </a:rPr>
-              <a:t>Najde</a:t>
-            </a:r>
-            <a:r>
-              <a:rPr lang="en-US" sz="850" dirty="0">
-                <a:ea typeface="Calibri"/>
-                <a:cs typeface="Calibri"/>
-              </a:rPr>
-              <a:t> </a:t>
-            </a:r>
-            <a:r>
-              <a:rPr lang="en-US" sz="850" err="1">
-                <a:ea typeface="Calibri"/>
-                <a:cs typeface="Calibri"/>
-              </a:rPr>
-              <a:t>Využití</a:t>
-            </a:r>
-            <a:r>
-              <a:rPr lang="en-US" sz="850" dirty="0">
-                <a:ea typeface="Calibri"/>
-                <a:cs typeface="Calibri"/>
-              </a:rPr>
-              <a:t>? Available from: </a:t>
-            </a:r>
-            <a:r>
-              <a:rPr lang="en-US" sz="850" u="sng" dirty="0">
-                <a:solidFill>
-                  <a:srgbClr val="0563C1"/>
-                </a:solidFill>
-                <a:ea typeface="Calibri"/>
-                <a:cs typeface="Calibri"/>
-                <a:hlinkClick r:id="rId2"/>
-              </a:rPr>
-              <a:t>https://www.rascasone.com/cs/blog/zmeni-technologie-blockchain-cely-svet</a:t>
-            </a:r>
-            <a:r>
-              <a:rPr lang="en-US" sz="850" dirty="0">
-                <a:ea typeface="Calibri"/>
-                <a:cs typeface="Calibri"/>
-              </a:rPr>
-              <a:t> </a:t>
-            </a:r>
-            <a:endParaRPr lang="en-US" sz="850">
-              <a:ea typeface="Calibri" panose="020F0502020204030204"/>
-              <a:cs typeface="Calibri" panose="020F0502020204030204"/>
+        <p:spPr/>
+        <p:txBody>
+          <a:bodyPr/>
+          <a:lstStyle/>
+          <a:p>
+            <a:r>
+              <a:rPr lang="cs-CZ" b="0" i="0" dirty="0">
+                <a:solidFill>
+                  <a:srgbClr val="E6EDF3"/>
+                </a:solidFill>
+                <a:effectLst/>
+                <a:latin typeface="-apple-system"/>
+              </a:rPr>
+              <a:t>výběr těžařů závislý na jejich podílu na množství kryptoměny (</a:t>
+            </a:r>
+            <a:r>
+              <a:rPr lang="cs-CZ" b="0" i="0" dirty="0" err="1">
+                <a:solidFill>
+                  <a:srgbClr val="E6EDF3"/>
+                </a:solidFill>
+                <a:effectLst/>
+                <a:latin typeface="-apple-system"/>
+              </a:rPr>
+              <a:t>stake</a:t>
+            </a:r>
+            <a:r>
+              <a:rPr lang="cs-CZ" b="0" i="0" dirty="0">
+                <a:solidFill>
+                  <a:srgbClr val="E6EDF3"/>
+                </a:solidFill>
+                <a:effectLst/>
+                <a:latin typeface="-apple-system"/>
+              </a:rPr>
+              <a:t>)</a:t>
+            </a:r>
+          </a:p>
+          <a:p>
+            <a:r>
+              <a:rPr lang="cs-CZ" dirty="0">
+                <a:solidFill>
+                  <a:srgbClr val="E6EDF3"/>
+                </a:solidFill>
+                <a:latin typeface="-apple-system"/>
+              </a:rPr>
+              <a:t>větší </a:t>
+            </a:r>
+            <a:r>
+              <a:rPr lang="cs-CZ" dirty="0" err="1">
+                <a:solidFill>
+                  <a:srgbClr val="E6EDF3"/>
+                </a:solidFill>
+                <a:latin typeface="-apple-system"/>
+              </a:rPr>
+              <a:t>stake</a:t>
+            </a:r>
+            <a:r>
+              <a:rPr lang="cs-CZ" dirty="0">
+                <a:solidFill>
+                  <a:srgbClr val="E6EDF3"/>
+                </a:solidFill>
+                <a:latin typeface="-apple-system"/>
+              </a:rPr>
+              <a:t> = </a:t>
+            </a:r>
+            <a:r>
+              <a:rPr lang="cs-CZ" b="0" i="0" dirty="0">
+                <a:solidFill>
+                  <a:srgbClr val="E6EDF3"/>
+                </a:solidFill>
+                <a:effectLst/>
+                <a:latin typeface="-apple-system"/>
+              </a:rPr>
+              <a:t>větší pravděpodobnost k vybrání ověření transakce</a:t>
+            </a:r>
+          </a:p>
+          <a:p>
+            <a:r>
+              <a:rPr lang="cs-CZ" dirty="0">
+                <a:solidFill>
+                  <a:srgbClr val="E6EDF3"/>
+                </a:solidFill>
+                <a:latin typeface="-apple-system"/>
+              </a:rPr>
+              <a:t>odměna</a:t>
+            </a:r>
+          </a:p>
+          <a:p>
+            <a:r>
+              <a:rPr lang="cs-CZ" b="0" i="0" dirty="0">
+                <a:solidFill>
+                  <a:srgbClr val="E6EDF3"/>
+                </a:solidFill>
+                <a:effectLst/>
+                <a:latin typeface="-apple-system"/>
+              </a:rPr>
+              <a:t>uzly v síti ověří obsah bloku</a:t>
+            </a:r>
+            <a:endParaRPr lang="cs-CZ" dirty="0">
+              <a:solidFill>
+                <a:srgbClr val="E6EDF3"/>
+              </a:solidFill>
+              <a:latin typeface="-apple-system"/>
             </a:endParaRPr>
           </a:p>
-          <a:p>
-            <a:r>
-              <a:rPr lang="en-US" sz="850" dirty="0">
-                <a:ea typeface="Calibri"/>
-                <a:cs typeface="Calibri"/>
-              </a:rPr>
-              <a:t>[2] How does a blockchain work - simply explained.  Available from: </a:t>
-            </a:r>
-            <a:r>
-              <a:rPr lang="en-US" sz="850" u="sng" dirty="0">
-                <a:solidFill>
-                  <a:srgbClr val="0563C1"/>
-                </a:solidFill>
-                <a:ea typeface="Calibri"/>
-                <a:cs typeface="Calibri"/>
-                <a:hlinkClick r:id="rId3"/>
-              </a:rPr>
-              <a:t>https://www.youtube.com/watch?v=SSo_EIwHSd4</a:t>
-            </a:r>
-            <a:endParaRPr lang="en-US" sz="850" u="sng">
-              <a:solidFill>
-                <a:srgbClr val="0563C1"/>
-              </a:solidFill>
-              <a:ea typeface="Calibri"/>
-              <a:cs typeface="Calibri"/>
-            </a:endParaRPr>
-          </a:p>
-          <a:p>
-            <a:r>
-              <a:rPr lang="en-US" sz="850" dirty="0">
-                <a:solidFill>
-                  <a:srgbClr val="FFFFFF"/>
-                </a:solidFill>
-                <a:ea typeface="Calibri"/>
-                <a:cs typeface="Calibri"/>
-              </a:rPr>
-              <a:t>[3] Blockchain in 7 minutes | what is Blockchain | Blockchain </a:t>
-            </a:r>
-            <a:r>
-              <a:rPr lang="en-US" sz="850" err="1">
-                <a:solidFill>
-                  <a:srgbClr val="FFFFFF"/>
-                </a:solidFill>
-                <a:ea typeface="Calibri"/>
-                <a:cs typeface="Calibri"/>
-              </a:rPr>
-              <a:t>explained|How</a:t>
-            </a:r>
-            <a:r>
-              <a:rPr lang="en-US" sz="850" dirty="0">
-                <a:solidFill>
-                  <a:srgbClr val="FFFFFF"/>
-                </a:solidFill>
-                <a:ea typeface="Calibri"/>
-                <a:cs typeface="Calibri"/>
-              </a:rPr>
-              <a:t> Blockchain works|. Available from: </a:t>
-            </a:r>
-            <a:r>
-              <a:rPr lang="en-US" sz="850" u="sng" dirty="0">
-                <a:solidFill>
-                  <a:srgbClr val="0563C1"/>
-                </a:solidFill>
-                <a:ea typeface="Calibri"/>
-                <a:cs typeface="Calibri"/>
-                <a:hlinkClick r:id="rId4"/>
-              </a:rPr>
-              <a:t>https://www.youtube.com/watch?v=yubzJw0uiE4&amp;t=212s</a:t>
-            </a:r>
-            <a:endParaRPr lang="en-US" sz="850" u="sng">
-              <a:solidFill>
-                <a:srgbClr val="0563C1"/>
-              </a:solidFill>
-              <a:ea typeface="Calibri"/>
-              <a:cs typeface="Calibri"/>
-            </a:endParaRPr>
-          </a:p>
-          <a:p>
-            <a:r>
-              <a:rPr lang="en-US" sz="850" dirty="0">
-                <a:solidFill>
-                  <a:srgbClr val="FFFFFF"/>
-                </a:solidFill>
-                <a:ea typeface="Calibri"/>
-                <a:cs typeface="Calibri"/>
-              </a:rPr>
-              <a:t>[4] </a:t>
-            </a:r>
-            <a:r>
-              <a:rPr lang="en-US" sz="850" dirty="0">
-                <a:solidFill>
-                  <a:srgbClr val="FFFFFF"/>
-                </a:solidFill>
-                <a:ea typeface="+mn-lt"/>
-                <a:cs typeface="+mn-lt"/>
-              </a:rPr>
-              <a:t>Learn Blockchain Basics 101 for FREE. Available from: </a:t>
-            </a:r>
-            <a:r>
-              <a:rPr lang="en-US" sz="850" dirty="0">
-                <a:solidFill>
-                  <a:srgbClr val="FFFFFF"/>
-                </a:solidFill>
-                <a:ea typeface="+mn-lt"/>
-                <a:cs typeface="+mn-lt"/>
-                <a:hlinkClick r:id="rId5"/>
-              </a:rPr>
-              <a:t>https://www.youtube.com/watch?v=KA_wOqYc1zo&amp;list=PLG4Yor99jlgmJS7cptBvER0HKFwa9cGSG</a:t>
-            </a:r>
-            <a:endParaRPr lang="en-US" sz="850">
-              <a:ea typeface="Calibri" panose="020F0502020204030204"/>
-              <a:cs typeface="Calibri" panose="020F0502020204030204"/>
-            </a:endParaRPr>
-          </a:p>
-          <a:p>
-            <a:r>
-              <a:rPr lang="en-US" sz="850" dirty="0">
-                <a:solidFill>
-                  <a:srgbClr val="FFFFFF"/>
-                </a:solidFill>
-                <a:ea typeface="Calibri"/>
-                <a:cs typeface="Calibri"/>
-              </a:rPr>
-              <a:t>[5] </a:t>
-            </a:r>
-            <a:r>
-              <a:rPr lang="en-US" sz="850" dirty="0">
-                <a:solidFill>
-                  <a:srgbClr val="FFFFFF"/>
-                </a:solidFill>
-              </a:rPr>
-              <a:t>Learn Blockchain, Solidity, and Full Stack Web3 Development with JavaScript – 32-Hour Course. Available from: </a:t>
-            </a:r>
-            <a:r>
-              <a:rPr lang="en-US" sz="850" dirty="0">
-                <a:solidFill>
-                  <a:srgbClr val="FFFFFF"/>
-                </a:solidFill>
-                <a:ea typeface="+mn-lt"/>
-                <a:cs typeface="+mn-lt"/>
-                <a:hlinkClick r:id="rId6"/>
-              </a:rPr>
-              <a:t>https://www.youtube.com/watch?v=gyMwXuJrbJQ&amp;t=5501s</a:t>
-            </a:r>
-            <a:endParaRPr lang="en-US" sz="850" dirty="0">
-              <a:solidFill>
-                <a:srgbClr val="FFFFFF"/>
-              </a:solidFill>
-              <a:ea typeface="Calibri"/>
-              <a:cs typeface="Calibri"/>
-            </a:endParaRPr>
-          </a:p>
-          <a:p>
-            <a:r>
-              <a:rPr lang="en-US" sz="850" dirty="0">
-                <a:solidFill>
-                  <a:srgbClr val="FFFFFF"/>
-                </a:solidFill>
-                <a:ea typeface="Calibri"/>
-                <a:cs typeface="Calibri"/>
-              </a:rPr>
-              <a:t>[6] </a:t>
-            </a:r>
-            <a:r>
-              <a:rPr lang="en-US" sz="850" dirty="0"/>
-              <a:t>How does the Block in a Blockchain look like? Available from: </a:t>
-            </a:r>
-            <a:r>
-              <a:rPr lang="en-US" sz="850" dirty="0">
-                <a:ea typeface="+mn-lt"/>
-                <a:cs typeface="+mn-lt"/>
-                <a:hlinkClick r:id="rId7"/>
-              </a:rPr>
-              <a:t>https://www.linkedin.com/pulse/how-does-block-blockchain-look-like-vijay-raghunathan</a:t>
-            </a:r>
-            <a:endParaRPr lang="en-US" sz="850" dirty="0">
-              <a:solidFill>
-                <a:srgbClr val="FFFFFF"/>
-              </a:solidFill>
-              <a:ea typeface="Calibri"/>
-              <a:cs typeface="Calibri"/>
-            </a:endParaRPr>
-          </a:p>
-          <a:p>
-            <a:r>
-              <a:rPr lang="en-US" sz="850" dirty="0">
-                <a:solidFill>
-                  <a:srgbClr val="FFFFFF"/>
-                </a:solidFill>
-                <a:ea typeface="Calibri"/>
-                <a:cs typeface="Calibri"/>
-              </a:rPr>
-              <a:t>[7] Understand a Blockchain in 40 seconds. Available from: </a:t>
-            </a:r>
-            <a:r>
-              <a:rPr lang="en-US" sz="850" dirty="0">
-                <a:ea typeface="+mn-lt"/>
-                <a:cs typeface="+mn-lt"/>
-                <a:hlinkClick r:id="rId8"/>
-              </a:rPr>
-              <a:t>https://www.youtube.com/shorts/9fZwZob3lGA</a:t>
-            </a:r>
-            <a:endParaRPr lang="en-US" sz="850" dirty="0">
-              <a:solidFill>
-                <a:srgbClr val="FFFFFF"/>
-              </a:solidFill>
-              <a:ea typeface="Calibri"/>
-              <a:cs typeface="Calibri"/>
-            </a:endParaRPr>
-          </a:p>
-          <a:p>
-            <a:r>
-              <a:rPr lang="en-US" sz="850" dirty="0">
-                <a:solidFill>
-                  <a:srgbClr val="FFFFFF"/>
-                </a:solidFill>
-                <a:ea typeface="Calibri"/>
-                <a:cs typeface="Calibri"/>
-              </a:rPr>
-              <a:t>[8] </a:t>
-            </a:r>
-            <a:r>
-              <a:rPr lang="en-US" sz="850" dirty="0">
-                <a:solidFill>
-                  <a:srgbClr val="FFFFFF"/>
-                </a:solidFill>
-                <a:ea typeface="+mn-lt"/>
-                <a:cs typeface="+mn-lt"/>
-              </a:rPr>
-              <a:t>Blockchain For Beginners. </a:t>
-            </a:r>
-            <a:r>
-              <a:rPr lang="en-US" sz="850" dirty="0">
-                <a:solidFill>
-                  <a:srgbClr val="FFFFFF"/>
-                </a:solidFill>
-                <a:ea typeface="Calibri"/>
-                <a:cs typeface="Calibri"/>
-              </a:rPr>
-              <a:t>Available from: </a:t>
-            </a:r>
-            <a:r>
-              <a:rPr lang="en-US" sz="850" dirty="0">
-                <a:solidFill>
-                  <a:srgbClr val="FFFFFF"/>
-                </a:solidFill>
-                <a:ea typeface="+mn-lt"/>
-                <a:cs typeface="+mn-lt"/>
-                <a:hlinkClick r:id="rId9"/>
-              </a:rPr>
-              <a:t>https://www.youtube.com/playlist?list=PLzMcBGfZo4-msMNfRJT5cLSge23P5bqUx</a:t>
-            </a:r>
-            <a:endParaRPr lang="en-US" sz="850" dirty="0">
-              <a:solidFill>
-                <a:srgbClr val="FFFFFF"/>
-              </a:solidFill>
-              <a:ea typeface="Calibri"/>
-              <a:cs typeface="Calibri"/>
-            </a:endParaRPr>
-          </a:p>
-          <a:p>
-            <a:endParaRPr lang="en-US" sz="850" dirty="0">
-              <a:solidFill>
-                <a:srgbClr val="FFFFFF"/>
-              </a:solidFill>
-              <a:ea typeface="Calibri"/>
-              <a:cs typeface="Calibri"/>
-            </a:endParaRPr>
-          </a:p>
-          <a:p>
-            <a:pPr marL="0" indent="0">
-              <a:buNone/>
-            </a:pPr>
-            <a:r>
-              <a:rPr lang="en-US" sz="850" err="1">
-                <a:solidFill>
-                  <a:srgbClr val="FFFFFF"/>
-                </a:solidFill>
-                <a:ea typeface="Calibri"/>
-                <a:cs typeface="Calibri"/>
-              </a:rPr>
-              <a:t>Koncensus</a:t>
-            </a:r>
-            <a:r>
-              <a:rPr lang="en-US" sz="850" dirty="0">
-                <a:solidFill>
-                  <a:srgbClr val="FFFFFF"/>
-                </a:solidFill>
-                <a:ea typeface="Calibri"/>
-                <a:cs typeface="Calibri"/>
-              </a:rPr>
-              <a:t> </a:t>
-            </a:r>
-            <a:r>
-              <a:rPr lang="en-US" sz="850" err="1">
-                <a:solidFill>
-                  <a:srgbClr val="FFFFFF"/>
-                </a:solidFill>
-                <a:ea typeface="Calibri"/>
-                <a:cs typeface="Calibri"/>
-              </a:rPr>
-              <a:t>mechanismy</a:t>
-            </a:r>
-            <a:r>
-              <a:rPr lang="en-US" sz="850" dirty="0">
-                <a:solidFill>
-                  <a:srgbClr val="FFFFFF"/>
-                </a:solidFill>
-                <a:ea typeface="Calibri"/>
-                <a:cs typeface="Calibri"/>
-              </a:rPr>
-              <a:t>:</a:t>
-            </a:r>
-            <a:endParaRPr lang="en-US" sz="850" dirty="0">
-              <a:ea typeface="Calibri"/>
-              <a:cs typeface="Calibri"/>
-            </a:endParaRPr>
-          </a:p>
-          <a:p>
-            <a:pPr>
-              <a:buFont typeface="Arial"/>
-              <a:buChar char="•"/>
-            </a:pPr>
-            <a:r>
-              <a:rPr lang="en-US" sz="850" dirty="0">
-                <a:solidFill>
-                  <a:srgbClr val="FFFFFF"/>
-                </a:solidFill>
-                <a:ea typeface="Calibri"/>
-                <a:cs typeface="Calibri"/>
-              </a:rPr>
-              <a:t>[9] </a:t>
-            </a:r>
-            <a:r>
-              <a:rPr lang="en-US" sz="850" dirty="0">
-                <a:solidFill>
-                  <a:srgbClr val="FFFFFF"/>
-                </a:solidFill>
-              </a:rPr>
-              <a:t>What Is a Consensus Mechanism?</a:t>
-            </a:r>
-            <a:r>
-              <a:rPr lang="en-US" sz="850" dirty="0">
-                <a:solidFill>
-                  <a:srgbClr val="FFFFFF"/>
-                </a:solidFill>
-                <a:ea typeface="Calibri"/>
-                <a:cs typeface="Calibri"/>
-              </a:rPr>
-              <a:t> Available from: </a:t>
-            </a:r>
-            <a:r>
-              <a:rPr lang="en-US" sz="850" dirty="0">
-                <a:solidFill>
-                  <a:srgbClr val="FFFFFF"/>
-                </a:solidFill>
-                <a:ea typeface="+mn-lt"/>
-                <a:cs typeface="+mn-lt"/>
-                <a:hlinkClick r:id="rId10"/>
-              </a:rPr>
-              <a:t>https://builtin.com/blockchain/consensus-mechanism</a:t>
-            </a:r>
-            <a:endParaRPr lang="en-US" sz="850">
-              <a:ea typeface="Calibri" panose="020F0502020204030204"/>
-              <a:cs typeface="Calibri" panose="020F0502020204030204"/>
-            </a:endParaRPr>
-          </a:p>
-          <a:p>
-            <a:pPr>
-              <a:buFont typeface="Arial"/>
-              <a:buChar char="•"/>
-            </a:pPr>
-            <a:r>
-              <a:rPr lang="en-US" sz="850" dirty="0">
-                <a:solidFill>
-                  <a:srgbClr val="FFFFFF"/>
-                </a:solidFill>
-                <a:ea typeface="Calibri"/>
-                <a:cs typeface="Calibri"/>
-              </a:rPr>
-              <a:t>[10] </a:t>
-            </a:r>
-            <a:r>
-              <a:rPr lang="en-US" sz="850" dirty="0"/>
-              <a:t>Consensus Mechanisms In Blockchain: A Deep Dive Into The Different Types.</a:t>
-            </a:r>
-            <a:r>
-              <a:rPr lang="en-US" sz="850" dirty="0">
-                <a:solidFill>
-                  <a:srgbClr val="FFFFFF"/>
-                </a:solidFill>
-                <a:ea typeface="Calibri"/>
-                <a:cs typeface="Calibri"/>
-              </a:rPr>
-              <a:t> Available from: </a:t>
-            </a:r>
-            <a:r>
-              <a:rPr lang="en-US" sz="850" dirty="0">
-                <a:solidFill>
-                  <a:srgbClr val="FFFFFF"/>
-                </a:solidFill>
-                <a:ea typeface="+mn-lt"/>
-                <a:cs typeface="+mn-lt"/>
-                <a:hlinkClick r:id="rId11"/>
-              </a:rPr>
-              <a:t>https://hacken.io/discover/consensus-mechanisms/</a:t>
-            </a:r>
-            <a:endParaRPr lang="en-US" sz="850" dirty="0">
-              <a:ea typeface="Calibri"/>
-              <a:cs typeface="Calibri"/>
-            </a:endParaRPr>
-          </a:p>
-          <a:p>
-            <a:pPr>
-              <a:buFont typeface="Arial"/>
-              <a:buChar char="•"/>
-            </a:pPr>
-            <a:r>
-              <a:rPr lang="en-US" sz="850" dirty="0">
-                <a:solidFill>
-                  <a:srgbClr val="FFFFFF"/>
-                </a:solidFill>
-                <a:ea typeface="Calibri"/>
-                <a:cs typeface="Calibri"/>
-              </a:rPr>
-              <a:t>[11] </a:t>
-            </a:r>
-            <a:r>
-              <a:rPr lang="en-US" sz="850" dirty="0">
-                <a:solidFill>
-                  <a:srgbClr val="FFFFFF"/>
-                </a:solidFill>
-              </a:rPr>
-              <a:t>12 Consensus Mechanisms + How they Work (Pros/Cons).</a:t>
-            </a:r>
-            <a:r>
-              <a:rPr lang="en-US" sz="850" dirty="0">
-                <a:solidFill>
-                  <a:srgbClr val="FFFFFF"/>
-                </a:solidFill>
-                <a:ea typeface="Calibri"/>
-                <a:cs typeface="Calibri"/>
-              </a:rPr>
-              <a:t> Available from:</a:t>
-            </a:r>
-            <a:r>
-              <a:rPr lang="en-US" sz="850" dirty="0">
-                <a:solidFill>
-                  <a:srgbClr val="FFFFFF"/>
-                </a:solidFill>
-                <a:ea typeface="+mn-lt"/>
-                <a:cs typeface="+mn-lt"/>
-              </a:rPr>
-              <a:t> </a:t>
-            </a:r>
-            <a:r>
-              <a:rPr lang="en-US" sz="850" dirty="0">
-                <a:solidFill>
-                  <a:srgbClr val="FFFFFF"/>
-                </a:solidFill>
-                <a:ea typeface="+mn-lt"/>
-                <a:cs typeface="+mn-lt"/>
-                <a:hlinkClick r:id="rId12"/>
-              </a:rPr>
-              <a:t>https://www.youtube.com/watch?v=3QCykHU89To</a:t>
-            </a:r>
-            <a:endParaRPr lang="en-US" sz="850" dirty="0">
-              <a:solidFill>
-                <a:srgbClr val="FFFFFF"/>
-              </a:solidFill>
-              <a:ea typeface="Calibri"/>
-              <a:cs typeface="Calibri"/>
-            </a:endParaRPr>
-          </a:p>
-          <a:p>
-            <a:pPr>
-              <a:buFont typeface="Arial"/>
-              <a:buChar char="•"/>
-            </a:pPr>
-            <a:endParaRPr lang="en-US" sz="850" dirty="0">
-              <a:solidFill>
-                <a:srgbClr val="FFFFFF"/>
-              </a:solidFill>
-              <a:ea typeface="Calibri"/>
-              <a:cs typeface="Calibri"/>
-            </a:endParaRPr>
-          </a:p>
-          <a:p>
-            <a:pPr marL="0" indent="0">
-              <a:buNone/>
-            </a:pPr>
-            <a:r>
-              <a:rPr lang="en-US" sz="850" err="1">
-                <a:solidFill>
-                  <a:srgbClr val="FFFFFF"/>
-                </a:solidFill>
-                <a:ea typeface="Calibri"/>
-                <a:cs typeface="Calibri"/>
-              </a:rPr>
-              <a:t>Rizika</a:t>
-            </a:r>
-            <a:r>
-              <a:rPr lang="en-US" sz="850" dirty="0">
-                <a:solidFill>
-                  <a:srgbClr val="FFFFFF"/>
-                </a:solidFill>
-                <a:ea typeface="Calibri"/>
-                <a:cs typeface="Calibri"/>
-              </a:rPr>
-              <a:t>:</a:t>
-            </a:r>
-            <a:endParaRPr lang="en-US" sz="850" dirty="0">
-              <a:ea typeface="Calibri"/>
-              <a:cs typeface="Calibri"/>
-            </a:endParaRPr>
-          </a:p>
-          <a:p>
-            <a:r>
-              <a:rPr lang="en-US" sz="850" dirty="0">
-                <a:solidFill>
-                  <a:srgbClr val="FFFFFF"/>
-                </a:solidFill>
-                <a:ea typeface="Calibri"/>
-                <a:cs typeface="Calibri"/>
-              </a:rPr>
-              <a:t>[12] </a:t>
-            </a:r>
-            <a:r>
-              <a:rPr lang="en-US" sz="850" dirty="0">
-                <a:solidFill>
-                  <a:srgbClr val="FFFFFF"/>
-                </a:solidFill>
-              </a:rPr>
-              <a:t>51% Attack: Definition, Who Is At Risk, Example, and Cost</a:t>
-            </a:r>
-            <a:r>
-              <a:rPr lang="en-US" sz="850" dirty="0">
-                <a:solidFill>
-                  <a:srgbClr val="FFFFFF"/>
-                </a:solidFill>
-                <a:ea typeface="Calibri"/>
-                <a:cs typeface="Calibri"/>
-              </a:rPr>
-              <a:t>. Available from: </a:t>
-            </a:r>
-            <a:r>
-              <a:rPr lang="en-US" sz="850" dirty="0">
-                <a:solidFill>
-                  <a:srgbClr val="FFFFFF"/>
-                </a:solidFill>
-                <a:ea typeface="+mn-lt"/>
-                <a:cs typeface="+mn-lt"/>
-                <a:hlinkClick r:id="rId13"/>
-              </a:rPr>
-              <a:t>https://www.investopedia.com/terms/1/51-attack.asp</a:t>
-            </a:r>
-            <a:endParaRPr lang="en-US" sz="850">
-              <a:ea typeface="Calibri" panose="020F0502020204030204"/>
-              <a:cs typeface="Calibri" panose="020F0502020204030204"/>
-            </a:endParaRPr>
-          </a:p>
-          <a:p>
-            <a:pPr marL="0" indent="0">
-              <a:buNone/>
-            </a:pPr>
-            <a:endParaRPr lang="en-US" sz="850" dirty="0">
-              <a:solidFill>
-                <a:srgbClr val="FFFFFF"/>
-              </a:solidFill>
-              <a:ea typeface="Calibri"/>
-              <a:cs typeface="Calibri"/>
-            </a:endParaRPr>
-          </a:p>
-          <a:p>
-            <a:pPr marL="0" indent="0">
-              <a:buNone/>
-            </a:pPr>
-            <a:r>
-              <a:rPr lang="en-US" sz="850" err="1">
-                <a:solidFill>
-                  <a:srgbClr val="FFFFFF"/>
-                </a:solidFill>
-                <a:ea typeface="Calibri"/>
-                <a:cs typeface="Calibri"/>
-              </a:rPr>
-              <a:t>Využití</a:t>
-            </a:r>
-            <a:r>
-              <a:rPr lang="en-US" sz="850" dirty="0">
-                <a:solidFill>
-                  <a:srgbClr val="FFFFFF"/>
-                </a:solidFill>
-                <a:ea typeface="Calibri"/>
-                <a:cs typeface="Calibri"/>
-              </a:rPr>
-              <a:t>:</a:t>
-            </a:r>
-            <a:endParaRPr lang="en-US" sz="850" dirty="0">
-              <a:ea typeface="Calibri"/>
-              <a:cs typeface="Calibri"/>
-            </a:endParaRPr>
-          </a:p>
-          <a:p>
-            <a:pPr>
-              <a:lnSpc>
-                <a:spcPct val="70000"/>
-              </a:lnSpc>
-            </a:pPr>
-            <a:r>
-              <a:rPr lang="en-US" sz="850" dirty="0">
-                <a:solidFill>
-                  <a:srgbClr val="FFFFFF"/>
-                </a:solidFill>
-                <a:ea typeface="Calibri"/>
-                <a:cs typeface="Calibri"/>
-              </a:rPr>
-              <a:t>[13] </a:t>
-            </a:r>
-            <a:r>
-              <a:rPr lang="en-US" sz="850" dirty="0"/>
-              <a:t>What is blockchain used </a:t>
-            </a:r>
-            <a:r>
-              <a:rPr lang="en-US" sz="850" dirty="0">
-                <a:ea typeface="Calibri"/>
-                <a:cs typeface="Calibri"/>
-              </a:rPr>
-              <a:t>for?</a:t>
-            </a:r>
-            <a:r>
-              <a:rPr lang="en-US" sz="850" dirty="0">
-                <a:solidFill>
-                  <a:srgbClr val="FFFFFF"/>
-                </a:solidFill>
-                <a:ea typeface="Calibri"/>
-                <a:cs typeface="Calibri"/>
-              </a:rPr>
-              <a:t> Available from: </a:t>
-            </a:r>
-            <a:r>
-              <a:rPr lang="en-US" sz="850" dirty="0">
-                <a:solidFill>
-                  <a:srgbClr val="FFFFFF"/>
-                </a:solidFill>
-                <a:ea typeface="+mn-lt"/>
-                <a:cs typeface="+mn-lt"/>
-                <a:hlinkClick r:id="rId14"/>
-              </a:rPr>
-              <a:t>https://www.santander.com/en/stories/blockchain-used-for</a:t>
-            </a:r>
-            <a:endParaRPr lang="en-US" sz="850">
-              <a:ea typeface="Calibri" panose="020F0502020204030204"/>
-              <a:cs typeface="Calibri" panose="020F0502020204030204"/>
-            </a:endParaRPr>
-          </a:p>
-          <a:p>
-            <a:pPr marL="0" indent="0">
-              <a:lnSpc>
-                <a:spcPct val="70000"/>
-              </a:lnSpc>
-              <a:buNone/>
-            </a:pPr>
-            <a:endParaRPr lang="en-US" sz="850" dirty="0">
-              <a:solidFill>
-                <a:srgbClr val="FFFFFF"/>
-              </a:solidFill>
-              <a:ea typeface="Calibri"/>
-              <a:cs typeface="Calibri"/>
-            </a:endParaRPr>
-          </a:p>
-          <a:p>
-            <a:pPr marL="0" indent="0">
-              <a:buNone/>
-            </a:pPr>
-            <a:r>
-              <a:rPr lang="en-US" sz="850" err="1">
-                <a:solidFill>
-                  <a:srgbClr val="FFFFFF"/>
-                </a:solidFill>
-                <a:ea typeface="Calibri"/>
-                <a:cs typeface="Calibri"/>
-              </a:rPr>
-              <a:t>Kryptoměny</a:t>
-            </a:r>
-            <a:r>
-              <a:rPr lang="en-US" sz="850" dirty="0">
-                <a:solidFill>
-                  <a:srgbClr val="FFFFFF"/>
-                </a:solidFill>
-                <a:ea typeface="Calibri"/>
-                <a:cs typeface="Calibri"/>
-              </a:rPr>
-              <a:t>:</a:t>
-            </a:r>
-          </a:p>
-          <a:p>
-            <a:r>
-              <a:rPr lang="en-US" sz="850" dirty="0">
-                <a:solidFill>
-                  <a:srgbClr val="FFFFFF"/>
-                </a:solidFill>
-                <a:ea typeface="Calibri"/>
-                <a:cs typeface="Calibri"/>
-              </a:rPr>
-              <a:t>[14] </a:t>
-            </a:r>
-            <a:r>
-              <a:rPr lang="en-US" sz="850" err="1"/>
-              <a:t>Přemýšleli</a:t>
-            </a:r>
-            <a:r>
-              <a:rPr lang="en-US" sz="850" dirty="0"/>
-              <a:t> </a:t>
-            </a:r>
-            <a:r>
-              <a:rPr lang="en-US" sz="850" err="1"/>
-              <a:t>jste</a:t>
-            </a:r>
-            <a:r>
-              <a:rPr lang="en-US" sz="850" dirty="0"/>
-              <a:t> </a:t>
-            </a:r>
-            <a:r>
-              <a:rPr lang="en-US" sz="850" err="1"/>
-              <a:t>někdy</a:t>
-            </a:r>
-            <a:r>
-              <a:rPr lang="en-US" sz="850" dirty="0"/>
-              <a:t>, jak </a:t>
-            </a:r>
-            <a:r>
-              <a:rPr lang="en-US" sz="850" err="1"/>
-              <a:t>funguje</a:t>
-            </a:r>
-            <a:r>
-              <a:rPr lang="en-US" sz="850" dirty="0"/>
-              <a:t> Bitcoin (a </a:t>
-            </a:r>
-            <a:r>
-              <a:rPr lang="en-US" sz="850" err="1"/>
-              <a:t>další</a:t>
-            </a:r>
-            <a:r>
-              <a:rPr lang="en-US" sz="850" dirty="0"/>
-              <a:t> </a:t>
-            </a:r>
-            <a:r>
-              <a:rPr lang="en-US" sz="850" err="1"/>
-              <a:t>kryptoměny</a:t>
-            </a:r>
-            <a:r>
-              <a:rPr lang="en-US" sz="850" dirty="0"/>
-              <a:t>)?</a:t>
-            </a:r>
-            <a:r>
-              <a:rPr lang="en-US" sz="850" dirty="0">
-                <a:solidFill>
-                  <a:srgbClr val="FFFFFF"/>
-                </a:solidFill>
-                <a:ea typeface="Calibri"/>
-                <a:cs typeface="Calibri"/>
-              </a:rPr>
-              <a:t> Available from: </a:t>
-            </a:r>
-            <a:r>
-              <a:rPr lang="en-US" sz="850" dirty="0">
-                <a:solidFill>
-                  <a:srgbClr val="FFFFFF"/>
-                </a:solidFill>
-                <a:ea typeface="+mn-lt"/>
-                <a:cs typeface="+mn-lt"/>
-                <a:hlinkClick r:id="rId15"/>
-              </a:rPr>
-              <a:t>https://www.youtube.com/watch?v=bBC-nXj3Ng4</a:t>
-            </a:r>
-            <a:endParaRPr lang="en-US" sz="850">
-              <a:ea typeface="Calibri" panose="020F0502020204030204"/>
-              <a:cs typeface="Calibri" panose="020F0502020204030204"/>
-            </a:endParaRPr>
-          </a:p>
-          <a:p>
-            <a:endParaRPr lang="en-US" sz="800" dirty="0">
-              <a:solidFill>
-                <a:srgbClr val="FFFFFF"/>
-              </a:solidFill>
-              <a:ea typeface="Calibri"/>
-              <a:cs typeface="Calibri"/>
-            </a:endParaRPr>
-          </a:p>
-          <a:p>
-            <a:pPr marL="0" indent="0">
-              <a:buNone/>
-            </a:pPr>
-            <a:endParaRPr lang="en-US" dirty="0">
-              <a:solidFill>
-                <a:srgbClr val="FFFFFF"/>
-              </a:solidFill>
-              <a:ea typeface="Calibri"/>
-              <a:cs typeface="Calibri"/>
-            </a:endParaRPr>
-          </a:p>
-          <a:p>
-            <a:endParaRPr lang="en-US" sz="800" dirty="0">
-              <a:solidFill>
-                <a:srgbClr val="FFFFFF"/>
-              </a:solidFill>
-              <a:ea typeface="Calibri"/>
-              <a:cs typeface="Calibri"/>
-            </a:endParaRPr>
-          </a:p>
-          <a:p>
-            <a:endParaRPr lang="en-US" sz="800" dirty="0">
-              <a:solidFill>
-                <a:srgbClr val="FFFFFF"/>
-              </a:solidFill>
-              <a:ea typeface="Calibri"/>
-              <a:cs typeface="Calibri"/>
-            </a:endParaRPr>
-          </a:p>
-          <a:p>
-            <a:endParaRPr lang="en-US" sz="800" dirty="0">
-              <a:solidFill>
-                <a:srgbClr val="FFFFFF"/>
-              </a:solidFill>
-              <a:ea typeface="Calibri"/>
-              <a:cs typeface="Calibri"/>
-            </a:endParaRPr>
-          </a:p>
-          <a:p>
-            <a:endParaRPr lang="en-US" sz="800" u="sng" dirty="0">
-              <a:solidFill>
-                <a:srgbClr val="0563C1"/>
-              </a:solidFill>
-              <a:ea typeface="Calibri"/>
-              <a:cs typeface="Calibri"/>
-            </a:endParaRPr>
-          </a:p>
-          <a:p>
-            <a:endParaRPr lang="en-US" sz="800" dirty="0">
-              <a:ea typeface="Calibri"/>
-              <a:cs typeface="Calibri"/>
-            </a:endParaRPr>
-          </a:p>
-          <a:p>
-            <a:endParaRPr lang="en-US" dirty="0">
-              <a:ea typeface="Calibri"/>
-              <a:cs typeface="Calibri"/>
-            </a:endParaRPr>
-          </a:p>
-        </p:txBody>
-      </p:sp>
-      <p:sp>
-        <p:nvSpPr>
-          <p:cNvPr id="4" name="Footer Placeholder 3">
+        </p:txBody>
+      </p:sp>
+      <p:sp>
+        <p:nvSpPr>
+          <p:cNvPr id="4" name="Zástupný symbol pro zápatí 3">
             <a:extLst>
               <a:ext uri="{FF2B5EF4-FFF2-40B4-BE49-F238E27FC236}">
-                <a16:creationId xmlns:a16="http://schemas.microsoft.com/office/drawing/2014/main" id="{62C43D36-8600-5AC8-4EBB-B520B501A0BA}"/>
+                <a16:creationId xmlns:a16="http://schemas.microsoft.com/office/drawing/2014/main" id="{58A60575-640B-C82F-A7FF-BDF5A3359EC1}"/>
               </a:ext>
             </a:extLst>
           </p:cNvPr>
@@ -8829,10 +8209,10 @@
       </p:sp>
       <p:sp>
         <p:nvSpPr>
-          <p:cNvPr id="5" name="Slide Number Placeholder 4">
+          <p:cNvPr id="5" name="Zástupný symbol pro číslo snímku 4">
             <a:extLst>
               <a:ext uri="{FF2B5EF4-FFF2-40B4-BE49-F238E27FC236}">
-                <a16:creationId xmlns:a16="http://schemas.microsoft.com/office/drawing/2014/main" id="{D68437B4-111B-BC99-0134-99F997BC43ED}"/>
+                <a16:creationId xmlns:a16="http://schemas.microsoft.com/office/drawing/2014/main" id="{A1DD68E9-B049-8C14-23A1-C7F9A3A4345B}"/>
               </a:ext>
             </a:extLst>
           </p:cNvPr>
@@ -8859,7 +8239,7 @@
     </p:spTree>
     <p:extLst>
       <p:ext uri="{BB962C8B-B14F-4D97-AF65-F5344CB8AC3E}">
-        <p14:creationId xmlns:p14="http://schemas.microsoft.com/office/powerpoint/2010/main" val="2341257226"/>
+        <p14:creationId xmlns:p14="http://schemas.microsoft.com/office/powerpoint/2010/main" val="3743617239"/>
       </p:ext>
     </p:extLst>
   </p:cSld>
@@ -8888,6 +8268,2816 @@
       </p:grpSpPr>
       <p:sp>
         <p:nvSpPr>
+          <p:cNvPr id="2" name="Nadpis 1">
+            <a:extLst>
+              <a:ext uri="{FF2B5EF4-FFF2-40B4-BE49-F238E27FC236}">
+                <a16:creationId xmlns:a16="http://schemas.microsoft.com/office/drawing/2014/main" id="{A3A5C085-E58C-1C14-3613-1BA6CF8D0D00}"/>
+              </a:ext>
+            </a:extLst>
+          </p:cNvPr>
+          <p:cNvSpPr>
+            <a:spLocks noGrp="1"/>
+          </p:cNvSpPr>
+          <p:nvPr>
+            <p:ph type="title"/>
+          </p:nvPr>
+        </p:nvSpPr>
+        <p:spPr/>
+        <p:txBody>
+          <a:bodyPr/>
+          <a:lstStyle/>
+          <a:p>
+            <a:r>
+              <a:rPr lang="cs-CZ" dirty="0"/>
+              <a:t>Porovnání </a:t>
+            </a:r>
+            <a:r>
+              <a:rPr lang="cs-CZ" dirty="0" err="1"/>
+              <a:t>PoW</a:t>
+            </a:r>
+            <a:r>
+              <a:rPr lang="cs-CZ" dirty="0"/>
+              <a:t> vs </a:t>
+            </a:r>
+            <a:r>
+              <a:rPr lang="cs-CZ" dirty="0" err="1"/>
+              <a:t>PoS</a:t>
+            </a:r>
+            <a:endParaRPr lang="cs-CZ" dirty="0"/>
+          </a:p>
+        </p:txBody>
+      </p:sp>
+      <p:sp>
+        <p:nvSpPr>
+          <p:cNvPr id="4" name="Zástupný symbol pro zápatí 3">
+            <a:extLst>
+              <a:ext uri="{FF2B5EF4-FFF2-40B4-BE49-F238E27FC236}">
+                <a16:creationId xmlns:a16="http://schemas.microsoft.com/office/drawing/2014/main" id="{C144FBC9-A952-6EFC-7695-435861839732}"/>
+              </a:ext>
+            </a:extLst>
+          </p:cNvPr>
+          <p:cNvSpPr>
+            <a:spLocks noGrp="1"/>
+          </p:cNvSpPr>
+          <p:nvPr>
+            <p:ph type="ftr" sz="quarter" idx="11"/>
+          </p:nvPr>
+        </p:nvSpPr>
+        <p:spPr/>
+        <p:txBody>
+          <a:bodyPr/>
+          <a:lstStyle/>
+          <a:p>
+            <a:r>
+              <a:rPr lang="en-US"/>
+              <a:t>Pavel Olyšar 2.C</a:t>
+            </a:r>
+          </a:p>
+        </p:txBody>
+      </p:sp>
+      <p:sp>
+        <p:nvSpPr>
+          <p:cNvPr id="5" name="Zástupný symbol pro číslo snímku 4">
+            <a:extLst>
+              <a:ext uri="{FF2B5EF4-FFF2-40B4-BE49-F238E27FC236}">
+                <a16:creationId xmlns:a16="http://schemas.microsoft.com/office/drawing/2014/main" id="{0F3B7B06-0F03-EAF9-0DCD-5C620656A858}"/>
+              </a:ext>
+            </a:extLst>
+          </p:cNvPr>
+          <p:cNvSpPr>
+            <a:spLocks noGrp="1"/>
+          </p:cNvSpPr>
+          <p:nvPr>
+            <p:ph type="sldNum" sz="quarter" idx="12"/>
+          </p:nvPr>
+        </p:nvSpPr>
+        <p:spPr/>
+        <p:txBody>
+          <a:bodyPr/>
+          <a:lstStyle/>
+          <a:p>
+            <a:fld id="{330EA680-D336-4FF7-8B7A-9848BB0A1C32}" type="slidenum">
+              <a:rPr lang="en-US" smtClean="0"/>
+              <a:t>15</a:t>
+            </a:fld>
+            <a:endParaRPr lang="en-US"/>
+          </a:p>
+        </p:txBody>
+      </p:sp>
+      <p:sp>
+        <p:nvSpPr>
+          <p:cNvPr id="6" name="TextovéPole 5">
+            <a:extLst>
+              <a:ext uri="{FF2B5EF4-FFF2-40B4-BE49-F238E27FC236}">
+                <a16:creationId xmlns:a16="http://schemas.microsoft.com/office/drawing/2014/main" id="{B88A53C8-A822-3B0A-999D-41F47D3AEE95}"/>
+              </a:ext>
+            </a:extLst>
+          </p:cNvPr>
+          <p:cNvSpPr txBox="1"/>
+          <p:nvPr/>
+        </p:nvSpPr>
+        <p:spPr>
+          <a:xfrm>
+            <a:off x="4732713" y="4871258"/>
+            <a:ext cx="918072" cy="369332"/>
+          </a:xfrm>
+          <a:prstGeom prst="rect">
+            <a:avLst/>
+          </a:prstGeom>
+          <a:noFill/>
+        </p:spPr>
+        <p:txBody>
+          <a:bodyPr wrap="none" rtlCol="0">
+            <a:spAutoFit/>
+          </a:bodyPr>
+          <a:lstStyle/>
+          <a:p>
+            <a:r>
+              <a:rPr lang="cs-CZ" dirty="0"/>
+              <a:t>Obr. 10.</a:t>
+            </a:r>
+          </a:p>
+        </p:txBody>
+      </p:sp>
+      <p:pic>
+        <p:nvPicPr>
+          <p:cNvPr id="3076" name="Picture 4" descr="Proof of Work vs Proof of Stake – What's the Difference | GetBlock.io">
+            <a:extLst>
+              <a:ext uri="{FF2B5EF4-FFF2-40B4-BE49-F238E27FC236}">
+                <a16:creationId xmlns:a16="http://schemas.microsoft.com/office/drawing/2014/main" id="{31BD55E8-558A-F472-AB05-6A3DE283F84C}"/>
+              </a:ext>
+            </a:extLst>
+          </p:cNvPr>
+          <p:cNvPicPr>
+            <a:picLocks noChangeAspect="1" noChangeArrowheads="1"/>
+          </p:cNvPicPr>
+          <p:nvPr/>
+        </p:nvPicPr>
+        <p:blipFill>
+          <a:blip r:embed="rId2" cstate="print">
+            <a:extLst>
+              <a:ext uri="{28A0092B-C50C-407E-A947-70E740481C1C}">
+                <a14:useLocalDpi xmlns:a14="http://schemas.microsoft.com/office/drawing/2010/main" val="0"/>
+              </a:ext>
+            </a:extLst>
+          </a:blip>
+          <a:srcRect/>
+          <a:stretch>
+            <a:fillRect/>
+          </a:stretch>
+        </p:blipFill>
+        <p:spPr bwMode="auto">
+          <a:xfrm>
+            <a:off x="3994619" y="1790007"/>
+            <a:ext cx="3973130" cy="2798618"/>
+          </a:xfrm>
+          <a:prstGeom prst="rect">
+            <a:avLst/>
+          </a:prstGeom>
+          <a:noFill/>
+          <a:extLst>
+            <a:ext uri="{909E8E84-426E-40DD-AFC4-6F175D3DCCD1}">
+              <a14:hiddenFill xmlns:a14="http://schemas.microsoft.com/office/drawing/2010/main">
+                <a:solidFill>
+                  <a:srgbClr val="FFFFFF"/>
+                </a:solidFill>
+              </a14:hiddenFill>
+            </a:ext>
+          </a:extLst>
+        </p:spPr>
+      </p:pic>
+    </p:spTree>
+    <p:extLst>
+      <p:ext uri="{BB962C8B-B14F-4D97-AF65-F5344CB8AC3E}">
+        <p14:creationId xmlns:p14="http://schemas.microsoft.com/office/powerpoint/2010/main" val="1363297567"/>
+      </p:ext>
+    </p:extLst>
+  </p:cSld>
+  <p:clrMapOvr>
+    <a:masterClrMapping/>
+  </p:clrMapOvr>
+</p:sld>
+</file>
+
+<file path=ppt/slides/slide16.xml><?xml version="1.0" encoding="utf-8"?>
+<p:sld xmlns:a="http://schemas.openxmlformats.org/drawingml/2006/main" xmlns:r="http://schemas.openxmlformats.org/officeDocument/2006/relationships" xmlns:p="http://schemas.openxmlformats.org/presentationml/2006/main">
+  <p:cSld>
+    <p:spTree>
+      <p:nvGrpSpPr>
+        <p:cNvPr id="1" name=""/>
+        <p:cNvGrpSpPr/>
+        <p:nvPr/>
+      </p:nvGrpSpPr>
+      <p:grpSpPr>
+        <a:xfrm>
+          <a:off x="0" y="0"/>
+          <a:ext cx="0" cy="0"/>
+          <a:chOff x="0" y="0"/>
+          <a:chExt cx="0" cy="0"/>
+        </a:xfrm>
+      </p:grpSpPr>
+      <p:sp>
+        <p:nvSpPr>
+          <p:cNvPr id="2" name="Nadpis 1">
+            <a:extLst>
+              <a:ext uri="{FF2B5EF4-FFF2-40B4-BE49-F238E27FC236}">
+                <a16:creationId xmlns:a16="http://schemas.microsoft.com/office/drawing/2014/main" id="{C160FB2D-F4C3-0453-28D5-55D20CCDDB5C}"/>
+              </a:ext>
+            </a:extLst>
+          </p:cNvPr>
+          <p:cNvSpPr>
+            <a:spLocks noGrp="1"/>
+          </p:cNvSpPr>
+          <p:nvPr>
+            <p:ph type="title"/>
+          </p:nvPr>
+        </p:nvSpPr>
+        <p:spPr/>
+        <p:txBody>
+          <a:bodyPr/>
+          <a:lstStyle/>
+          <a:p>
+            <a:r>
+              <a:rPr lang="cs-CZ" dirty="0"/>
+              <a:t>Využití blockchainu</a:t>
+            </a:r>
+          </a:p>
+        </p:txBody>
+      </p:sp>
+      <p:sp>
+        <p:nvSpPr>
+          <p:cNvPr id="3" name="Zástupný obsah 2">
+            <a:extLst>
+              <a:ext uri="{FF2B5EF4-FFF2-40B4-BE49-F238E27FC236}">
+                <a16:creationId xmlns:a16="http://schemas.microsoft.com/office/drawing/2014/main" id="{2D178FB1-8E8A-2BC4-F732-68557B1FFBF1}"/>
+              </a:ext>
+            </a:extLst>
+          </p:cNvPr>
+          <p:cNvSpPr>
+            <a:spLocks noGrp="1"/>
+          </p:cNvSpPr>
+          <p:nvPr>
+            <p:ph idx="1"/>
+          </p:nvPr>
+        </p:nvSpPr>
+        <p:spPr>
+          <a:xfrm>
+            <a:off x="838200" y="1639812"/>
+            <a:ext cx="10515600" cy="4351338"/>
+          </a:xfrm>
+        </p:spPr>
+        <p:txBody>
+          <a:bodyPr>
+            <a:normAutofit lnSpcReduction="10000"/>
+          </a:bodyPr>
+          <a:lstStyle/>
+          <a:p>
+            <a:r>
+              <a:rPr lang="cs-CZ" dirty="0"/>
+              <a:t>kryptoměny</a:t>
+            </a:r>
+          </a:p>
+          <a:p>
+            <a:pPr lvl="1"/>
+            <a:r>
+              <a:rPr lang="cs-CZ" dirty="0">
+                <a:solidFill>
+                  <a:srgbClr val="E6EDF3"/>
+                </a:solidFill>
+                <a:latin typeface="-apple-system"/>
+              </a:rPr>
+              <a:t>e</a:t>
+            </a:r>
+            <a:r>
+              <a:rPr lang="cs-CZ" b="0" i="0" dirty="0">
+                <a:solidFill>
+                  <a:srgbClr val="E6EDF3"/>
+                </a:solidFill>
+                <a:effectLst/>
+                <a:latin typeface="-apple-system"/>
+              </a:rPr>
+              <a:t>lektronické formy peněz</a:t>
+            </a:r>
+          </a:p>
+          <a:p>
+            <a:pPr lvl="1"/>
+            <a:r>
+              <a:rPr lang="cs-CZ" b="0" i="0" dirty="0">
+                <a:solidFill>
+                  <a:srgbClr val="E6EDF3"/>
+                </a:solidFill>
+                <a:effectLst/>
+                <a:latin typeface="-apple-system"/>
+              </a:rPr>
+              <a:t>rychlé a bezpečné transakce online</a:t>
+            </a:r>
+            <a:endParaRPr lang="cs-CZ" dirty="0"/>
+          </a:p>
+          <a:p>
+            <a:r>
+              <a:rPr lang="cs-CZ" dirty="0" err="1"/>
+              <a:t>smart</a:t>
+            </a:r>
+            <a:r>
+              <a:rPr lang="cs-CZ" dirty="0"/>
+              <a:t> kontrakty</a:t>
+            </a:r>
+          </a:p>
+          <a:p>
+            <a:pPr lvl="1"/>
+            <a:r>
+              <a:rPr lang="cs-CZ" dirty="0">
+                <a:solidFill>
+                  <a:srgbClr val="E6EDF3"/>
+                </a:solidFill>
+                <a:latin typeface="-apple-system"/>
+              </a:rPr>
+              <a:t>a</a:t>
+            </a:r>
+            <a:r>
+              <a:rPr lang="cs-CZ" b="0" i="0" dirty="0">
+                <a:solidFill>
+                  <a:srgbClr val="E6EDF3"/>
+                </a:solidFill>
+                <a:effectLst/>
+                <a:latin typeface="-apple-system"/>
+              </a:rPr>
+              <a:t>utomatické a bezpečné provádění dohodnutých podmínek</a:t>
+            </a:r>
+            <a:endParaRPr lang="cs-CZ" dirty="0"/>
+          </a:p>
+          <a:p>
+            <a:r>
+              <a:rPr lang="cs-CZ" dirty="0"/>
+              <a:t>dodavatelský řetězec</a:t>
+            </a:r>
+          </a:p>
+          <a:p>
+            <a:pPr lvl="1"/>
+            <a:r>
+              <a:rPr lang="pl-PL" b="0" i="0" dirty="0">
+                <a:solidFill>
+                  <a:srgbClr val="E6EDF3"/>
+                </a:solidFill>
+                <a:effectLst/>
+                <a:latin typeface="-apple-system"/>
+              </a:rPr>
+              <a:t>sledování produktů od výroby po prodej</a:t>
+            </a:r>
+            <a:endParaRPr lang="cs-CZ" b="0" i="0" dirty="0">
+              <a:solidFill>
+                <a:srgbClr val="E6EDF3"/>
+              </a:solidFill>
+              <a:effectLst/>
+              <a:latin typeface="-apple-system"/>
+            </a:endParaRPr>
+          </a:p>
+          <a:p>
+            <a:pPr lvl="1"/>
+            <a:r>
+              <a:rPr lang="pl-PL" b="0" i="0" dirty="0">
+                <a:solidFill>
+                  <a:srgbClr val="E6EDF3"/>
+                </a:solidFill>
+                <a:effectLst/>
+                <a:latin typeface="-apple-system"/>
+              </a:rPr>
+              <a:t>minimalizuje rizika podvodu a zabraňuje padělání výrobků</a:t>
+            </a:r>
+            <a:endParaRPr lang="cs-CZ" dirty="0"/>
+          </a:p>
+          <a:p>
+            <a:r>
+              <a:rPr lang="cs-CZ" dirty="0"/>
+              <a:t>zdravotnictví</a:t>
+            </a:r>
+          </a:p>
+          <a:p>
+            <a:pPr lvl="1"/>
+            <a:r>
+              <a:rPr lang="cs-CZ" b="0" i="0" dirty="0">
+                <a:solidFill>
+                  <a:srgbClr val="E6EDF3"/>
+                </a:solidFill>
+                <a:effectLst/>
+                <a:latin typeface="-apple-system"/>
+              </a:rPr>
+              <a:t>správa a sdílení zdravotních dat</a:t>
+            </a:r>
+          </a:p>
+          <a:p>
+            <a:pPr lvl="1"/>
+            <a:r>
+              <a:rPr lang="cs-CZ" b="0" i="0" dirty="0">
+                <a:solidFill>
+                  <a:srgbClr val="E6EDF3"/>
+                </a:solidFill>
+                <a:effectLst/>
+                <a:latin typeface="-apple-system"/>
+              </a:rPr>
+              <a:t>bezpečnost informací</a:t>
+            </a:r>
+            <a:endParaRPr lang="cs-CZ" dirty="0"/>
+          </a:p>
+        </p:txBody>
+      </p:sp>
+      <p:sp>
+        <p:nvSpPr>
+          <p:cNvPr id="4" name="Zástupný symbol pro zápatí 3">
+            <a:extLst>
+              <a:ext uri="{FF2B5EF4-FFF2-40B4-BE49-F238E27FC236}">
+                <a16:creationId xmlns:a16="http://schemas.microsoft.com/office/drawing/2014/main" id="{839C2B4A-3A40-1E6A-1CC9-E2F1435C7199}"/>
+              </a:ext>
+            </a:extLst>
+          </p:cNvPr>
+          <p:cNvSpPr>
+            <a:spLocks noGrp="1"/>
+          </p:cNvSpPr>
+          <p:nvPr>
+            <p:ph type="ftr" sz="quarter" idx="11"/>
+          </p:nvPr>
+        </p:nvSpPr>
+        <p:spPr/>
+        <p:txBody>
+          <a:bodyPr/>
+          <a:lstStyle/>
+          <a:p>
+            <a:r>
+              <a:rPr lang="en-US"/>
+              <a:t>Pavel Olyšar 2.C</a:t>
+            </a:r>
+          </a:p>
+        </p:txBody>
+      </p:sp>
+      <p:sp>
+        <p:nvSpPr>
+          <p:cNvPr id="5" name="Zástupný symbol pro číslo snímku 4">
+            <a:extLst>
+              <a:ext uri="{FF2B5EF4-FFF2-40B4-BE49-F238E27FC236}">
+                <a16:creationId xmlns:a16="http://schemas.microsoft.com/office/drawing/2014/main" id="{CCBAF8B2-6DCE-B306-A791-7FC78A8298BA}"/>
+              </a:ext>
+            </a:extLst>
+          </p:cNvPr>
+          <p:cNvSpPr>
+            <a:spLocks noGrp="1"/>
+          </p:cNvSpPr>
+          <p:nvPr>
+            <p:ph type="sldNum" sz="quarter" idx="12"/>
+          </p:nvPr>
+        </p:nvSpPr>
+        <p:spPr/>
+        <p:txBody>
+          <a:bodyPr/>
+          <a:lstStyle/>
+          <a:p>
+            <a:fld id="{330EA680-D336-4FF7-8B7A-9848BB0A1C32}" type="slidenum">
+              <a:rPr lang="en-US" smtClean="0"/>
+              <a:t>16</a:t>
+            </a:fld>
+            <a:endParaRPr lang="en-US"/>
+          </a:p>
+        </p:txBody>
+      </p:sp>
+    </p:spTree>
+    <p:extLst>
+      <p:ext uri="{BB962C8B-B14F-4D97-AF65-F5344CB8AC3E}">
+        <p14:creationId xmlns:p14="http://schemas.microsoft.com/office/powerpoint/2010/main" val="1320703920"/>
+      </p:ext>
+    </p:extLst>
+  </p:cSld>
+  <p:clrMapOvr>
+    <a:masterClrMapping/>
+  </p:clrMapOvr>
+</p:sld>
+</file>
+
+<file path=ppt/slides/slide17.xml><?xml version="1.0" encoding="utf-8"?>
+<p:sld xmlns:a="http://schemas.openxmlformats.org/drawingml/2006/main" xmlns:r="http://schemas.openxmlformats.org/officeDocument/2006/relationships" xmlns:p="http://schemas.openxmlformats.org/presentationml/2006/main">
+  <p:cSld>
+    <p:spTree>
+      <p:nvGrpSpPr>
+        <p:cNvPr id="1" name=""/>
+        <p:cNvGrpSpPr/>
+        <p:nvPr/>
+      </p:nvGrpSpPr>
+      <p:grpSpPr>
+        <a:xfrm>
+          <a:off x="0" y="0"/>
+          <a:ext cx="0" cy="0"/>
+          <a:chOff x="0" y="0"/>
+          <a:chExt cx="0" cy="0"/>
+        </a:xfrm>
+      </p:grpSpPr>
+      <p:sp>
+        <p:nvSpPr>
+          <p:cNvPr id="2" name="Nadpis 1">
+            <a:extLst>
+              <a:ext uri="{FF2B5EF4-FFF2-40B4-BE49-F238E27FC236}">
+                <a16:creationId xmlns:a16="http://schemas.microsoft.com/office/drawing/2014/main" id="{CF71DE93-2F6D-E45C-6E45-E2A9650EEE50}"/>
+              </a:ext>
+            </a:extLst>
+          </p:cNvPr>
+          <p:cNvSpPr>
+            <a:spLocks noGrp="1"/>
+          </p:cNvSpPr>
+          <p:nvPr>
+            <p:ph type="title"/>
+          </p:nvPr>
+        </p:nvSpPr>
+        <p:spPr/>
+        <p:txBody>
+          <a:bodyPr/>
+          <a:lstStyle/>
+          <a:p>
+            <a:r>
+              <a:rPr lang="cs-CZ" dirty="0"/>
+              <a:t>Kryptoměny</a:t>
+            </a:r>
+          </a:p>
+        </p:txBody>
+      </p:sp>
+      <p:sp>
+        <p:nvSpPr>
+          <p:cNvPr id="4" name="Zástupný symbol pro zápatí 3">
+            <a:extLst>
+              <a:ext uri="{FF2B5EF4-FFF2-40B4-BE49-F238E27FC236}">
+                <a16:creationId xmlns:a16="http://schemas.microsoft.com/office/drawing/2014/main" id="{CDD22CBE-EAFC-8498-12CE-2B0C3060BDEE}"/>
+              </a:ext>
+            </a:extLst>
+          </p:cNvPr>
+          <p:cNvSpPr>
+            <a:spLocks noGrp="1"/>
+          </p:cNvSpPr>
+          <p:nvPr>
+            <p:ph type="ftr" sz="quarter" idx="11"/>
+          </p:nvPr>
+        </p:nvSpPr>
+        <p:spPr/>
+        <p:txBody>
+          <a:bodyPr/>
+          <a:lstStyle/>
+          <a:p>
+            <a:r>
+              <a:rPr lang="en-US"/>
+              <a:t>Pavel Olyšar 2.C</a:t>
+            </a:r>
+          </a:p>
+        </p:txBody>
+      </p:sp>
+      <p:sp>
+        <p:nvSpPr>
+          <p:cNvPr id="5" name="Zástupný symbol pro číslo snímku 4">
+            <a:extLst>
+              <a:ext uri="{FF2B5EF4-FFF2-40B4-BE49-F238E27FC236}">
+                <a16:creationId xmlns:a16="http://schemas.microsoft.com/office/drawing/2014/main" id="{1AAAE3EB-8020-83D0-6EEA-047547F10535}"/>
+              </a:ext>
+            </a:extLst>
+          </p:cNvPr>
+          <p:cNvSpPr>
+            <a:spLocks noGrp="1"/>
+          </p:cNvSpPr>
+          <p:nvPr>
+            <p:ph type="sldNum" sz="quarter" idx="12"/>
+          </p:nvPr>
+        </p:nvSpPr>
+        <p:spPr/>
+        <p:txBody>
+          <a:bodyPr/>
+          <a:lstStyle/>
+          <a:p>
+            <a:fld id="{330EA680-D336-4FF7-8B7A-9848BB0A1C32}" type="slidenum">
+              <a:rPr lang="en-US" smtClean="0"/>
+              <a:t>17</a:t>
+            </a:fld>
+            <a:endParaRPr lang="en-US"/>
+          </a:p>
+        </p:txBody>
+      </p:sp>
+      <p:pic>
+        <p:nvPicPr>
+          <p:cNvPr id="4098" name="Picture 2" descr="Crypto Finance: Securing trust in digital assets">
+            <a:extLst>
+              <a:ext uri="{FF2B5EF4-FFF2-40B4-BE49-F238E27FC236}">
+                <a16:creationId xmlns:a16="http://schemas.microsoft.com/office/drawing/2014/main" id="{741FF1BC-C5B6-2038-8F90-A0102EA2441D}"/>
+              </a:ext>
+            </a:extLst>
+          </p:cNvPr>
+          <p:cNvPicPr>
+            <a:picLocks noChangeAspect="1" noChangeArrowheads="1"/>
+          </p:cNvPicPr>
+          <p:nvPr/>
+        </p:nvPicPr>
+        <p:blipFill>
+          <a:blip r:embed="rId2" cstate="print">
+            <a:extLst>
+              <a:ext uri="{28A0092B-C50C-407E-A947-70E740481C1C}">
+                <a14:useLocalDpi xmlns:a14="http://schemas.microsoft.com/office/drawing/2010/main" val="0"/>
+              </a:ext>
+            </a:extLst>
+          </a:blip>
+          <a:srcRect/>
+          <a:stretch>
+            <a:fillRect/>
+          </a:stretch>
+        </p:blipFill>
+        <p:spPr bwMode="auto">
+          <a:xfrm>
+            <a:off x="4754880" y="0"/>
+            <a:ext cx="6483033" cy="4322689"/>
+          </a:xfrm>
+          <a:prstGeom prst="rect">
+            <a:avLst/>
+          </a:prstGeom>
+          <a:noFill/>
+          <a:extLst>
+            <a:ext uri="{909E8E84-426E-40DD-AFC4-6F175D3DCCD1}">
+              <a14:hiddenFill xmlns:a14="http://schemas.microsoft.com/office/drawing/2010/main">
+                <a:solidFill>
+                  <a:srgbClr val="FFFFFF"/>
+                </a:solidFill>
+              </a14:hiddenFill>
+            </a:ext>
+          </a:extLst>
+        </p:spPr>
+      </p:pic>
+      <p:sp>
+        <p:nvSpPr>
+          <p:cNvPr id="6" name="TextovéPole 5">
+            <a:extLst>
+              <a:ext uri="{FF2B5EF4-FFF2-40B4-BE49-F238E27FC236}">
+                <a16:creationId xmlns:a16="http://schemas.microsoft.com/office/drawing/2014/main" id="{6CD6A9D6-8C1E-8804-5845-3D8D82705BBE}"/>
+              </a:ext>
+            </a:extLst>
+          </p:cNvPr>
+          <p:cNvSpPr txBox="1"/>
+          <p:nvPr/>
+        </p:nvSpPr>
+        <p:spPr>
+          <a:xfrm>
+            <a:off x="5658196" y="4948844"/>
+            <a:ext cx="918072" cy="369332"/>
+          </a:xfrm>
+          <a:prstGeom prst="rect">
+            <a:avLst/>
+          </a:prstGeom>
+          <a:noFill/>
+        </p:spPr>
+        <p:txBody>
+          <a:bodyPr wrap="none" rtlCol="0">
+            <a:spAutoFit/>
+          </a:bodyPr>
+          <a:lstStyle/>
+          <a:p>
+            <a:r>
+              <a:rPr lang="cs-CZ" dirty="0"/>
+              <a:t>Obr. 11.</a:t>
+            </a:r>
+          </a:p>
+        </p:txBody>
+      </p:sp>
+    </p:spTree>
+    <p:extLst>
+      <p:ext uri="{BB962C8B-B14F-4D97-AF65-F5344CB8AC3E}">
+        <p14:creationId xmlns:p14="http://schemas.microsoft.com/office/powerpoint/2010/main" val="2685646312"/>
+      </p:ext>
+    </p:extLst>
+  </p:cSld>
+  <p:clrMapOvr>
+    <a:masterClrMapping/>
+  </p:clrMapOvr>
+</p:sld>
+</file>
+
+<file path=ppt/slides/slide18.xml><?xml version="1.0" encoding="utf-8"?>
+<p:sld xmlns:a="http://schemas.openxmlformats.org/drawingml/2006/main" xmlns:r="http://schemas.openxmlformats.org/officeDocument/2006/relationships" xmlns:p="http://schemas.openxmlformats.org/presentationml/2006/main">
+  <p:cSld>
+    <p:spTree>
+      <p:nvGrpSpPr>
+        <p:cNvPr id="1" name=""/>
+        <p:cNvGrpSpPr/>
+        <p:nvPr/>
+      </p:nvGrpSpPr>
+      <p:grpSpPr>
+        <a:xfrm>
+          <a:off x="0" y="0"/>
+          <a:ext cx="0" cy="0"/>
+          <a:chOff x="0" y="0"/>
+          <a:chExt cx="0" cy="0"/>
+        </a:xfrm>
+      </p:grpSpPr>
+      <p:sp>
+        <p:nvSpPr>
+          <p:cNvPr id="2" name="Nadpis 1">
+            <a:extLst>
+              <a:ext uri="{FF2B5EF4-FFF2-40B4-BE49-F238E27FC236}">
+                <a16:creationId xmlns:a16="http://schemas.microsoft.com/office/drawing/2014/main" id="{EA5DC46F-384B-4A74-6368-E740E2D43AD0}"/>
+              </a:ext>
+            </a:extLst>
+          </p:cNvPr>
+          <p:cNvSpPr>
+            <a:spLocks noGrp="1"/>
+          </p:cNvSpPr>
+          <p:nvPr>
+            <p:ph type="title"/>
+          </p:nvPr>
+        </p:nvSpPr>
+        <p:spPr/>
+        <p:txBody>
+          <a:bodyPr/>
+          <a:lstStyle/>
+          <a:p>
+            <a:r>
+              <a:rPr lang="cs-CZ" dirty="0"/>
+              <a:t>Bitcoin</a:t>
+            </a:r>
+          </a:p>
+        </p:txBody>
+      </p:sp>
+      <p:sp>
+        <p:nvSpPr>
+          <p:cNvPr id="3" name="Zástupný obsah 2">
+            <a:extLst>
+              <a:ext uri="{FF2B5EF4-FFF2-40B4-BE49-F238E27FC236}">
+                <a16:creationId xmlns:a16="http://schemas.microsoft.com/office/drawing/2014/main" id="{3B6BB4EB-1E0D-A9E7-CE54-20A5D672CC66}"/>
+              </a:ext>
+            </a:extLst>
+          </p:cNvPr>
+          <p:cNvSpPr>
+            <a:spLocks noGrp="1"/>
+          </p:cNvSpPr>
+          <p:nvPr>
+            <p:ph idx="1"/>
+          </p:nvPr>
+        </p:nvSpPr>
+        <p:spPr/>
+        <p:txBody>
+          <a:bodyPr/>
+          <a:lstStyle/>
+          <a:p>
+            <a:r>
+              <a:rPr lang="cs-CZ" dirty="0">
+                <a:solidFill>
+                  <a:srgbClr val="E6EDF3"/>
+                </a:solidFill>
+                <a:latin typeface="-apple-system"/>
+              </a:rPr>
+              <a:t>p</a:t>
+            </a:r>
+            <a:r>
+              <a:rPr lang="cs-CZ" b="0" i="0" dirty="0">
+                <a:solidFill>
+                  <a:srgbClr val="E6EDF3"/>
+                </a:solidFill>
+                <a:effectLst/>
+                <a:latin typeface="-apple-system"/>
+              </a:rPr>
+              <a:t>rvní a nejznámější kryptoměna</a:t>
+            </a:r>
+          </a:p>
+          <a:p>
+            <a:r>
+              <a:rPr lang="cs-CZ" b="0" i="0" dirty="0">
+                <a:solidFill>
+                  <a:srgbClr val="E6EDF3"/>
+                </a:solidFill>
+                <a:effectLst/>
+                <a:latin typeface="-apple-system"/>
+              </a:rPr>
+              <a:t>2009</a:t>
+            </a:r>
+            <a:endParaRPr lang="cs-CZ" dirty="0">
+              <a:solidFill>
+                <a:srgbClr val="E6EDF3"/>
+              </a:solidFill>
+              <a:latin typeface="-apple-system"/>
+            </a:endParaRPr>
+          </a:p>
+          <a:p>
+            <a:r>
+              <a:rPr lang="cs-CZ" b="0" i="0" dirty="0" err="1">
+                <a:solidFill>
+                  <a:srgbClr val="E6EDF3"/>
+                </a:solidFill>
+                <a:effectLst/>
+                <a:latin typeface="-apple-system"/>
+              </a:rPr>
+              <a:t>Satoshi</a:t>
+            </a:r>
+            <a:r>
+              <a:rPr lang="cs-CZ" b="0" i="0" dirty="0">
+                <a:solidFill>
+                  <a:srgbClr val="E6EDF3"/>
+                </a:solidFill>
+                <a:effectLst/>
+                <a:latin typeface="-apple-system"/>
+              </a:rPr>
+              <a:t> </a:t>
+            </a:r>
+            <a:r>
+              <a:rPr lang="cs-CZ" b="0" i="0" dirty="0" err="1">
+                <a:solidFill>
+                  <a:srgbClr val="E6EDF3"/>
+                </a:solidFill>
+                <a:effectLst/>
+                <a:latin typeface="-apple-system"/>
+              </a:rPr>
+              <a:t>Nakamoto</a:t>
+            </a:r>
+            <a:endParaRPr lang="cs-CZ" b="0" i="0" dirty="0">
+              <a:solidFill>
+                <a:srgbClr val="E6EDF3"/>
+              </a:solidFill>
+              <a:effectLst/>
+              <a:latin typeface="-apple-system"/>
+            </a:endParaRPr>
+          </a:p>
+          <a:p>
+            <a:r>
+              <a:rPr lang="cs-CZ" b="0" i="0" dirty="0" err="1">
+                <a:solidFill>
+                  <a:srgbClr val="E6EDF3"/>
+                </a:solidFill>
+                <a:effectLst/>
+                <a:latin typeface="-apple-system"/>
+              </a:rPr>
+              <a:t>Proof-of-Work</a:t>
+            </a:r>
+            <a:endParaRPr lang="cs-CZ" dirty="0"/>
+          </a:p>
+        </p:txBody>
+      </p:sp>
+      <p:sp>
+        <p:nvSpPr>
+          <p:cNvPr id="4" name="Zástupný symbol pro zápatí 3">
+            <a:extLst>
+              <a:ext uri="{FF2B5EF4-FFF2-40B4-BE49-F238E27FC236}">
+                <a16:creationId xmlns:a16="http://schemas.microsoft.com/office/drawing/2014/main" id="{B8A3A8BD-B9AB-8651-562B-120A52922D4A}"/>
+              </a:ext>
+            </a:extLst>
+          </p:cNvPr>
+          <p:cNvSpPr>
+            <a:spLocks noGrp="1"/>
+          </p:cNvSpPr>
+          <p:nvPr>
+            <p:ph type="ftr" sz="quarter" idx="11"/>
+          </p:nvPr>
+        </p:nvSpPr>
+        <p:spPr/>
+        <p:txBody>
+          <a:bodyPr/>
+          <a:lstStyle/>
+          <a:p>
+            <a:r>
+              <a:rPr lang="en-US"/>
+              <a:t>Pavel Olyšar 2.C</a:t>
+            </a:r>
+          </a:p>
+        </p:txBody>
+      </p:sp>
+      <p:sp>
+        <p:nvSpPr>
+          <p:cNvPr id="5" name="Zástupný symbol pro číslo snímku 4">
+            <a:extLst>
+              <a:ext uri="{FF2B5EF4-FFF2-40B4-BE49-F238E27FC236}">
+                <a16:creationId xmlns:a16="http://schemas.microsoft.com/office/drawing/2014/main" id="{44C1057D-1CDE-21CD-3310-C555E8971908}"/>
+              </a:ext>
+            </a:extLst>
+          </p:cNvPr>
+          <p:cNvSpPr>
+            <a:spLocks noGrp="1"/>
+          </p:cNvSpPr>
+          <p:nvPr>
+            <p:ph type="sldNum" sz="quarter" idx="12"/>
+          </p:nvPr>
+        </p:nvSpPr>
+        <p:spPr/>
+        <p:txBody>
+          <a:bodyPr/>
+          <a:lstStyle/>
+          <a:p>
+            <a:fld id="{330EA680-D336-4FF7-8B7A-9848BB0A1C32}" type="slidenum">
+              <a:rPr lang="en-US" smtClean="0"/>
+              <a:t>18</a:t>
+            </a:fld>
+            <a:endParaRPr lang="en-US"/>
+          </a:p>
+        </p:txBody>
+      </p:sp>
+      <p:pic>
+        <p:nvPicPr>
+          <p:cNvPr id="5122" name="Picture 2" descr="SEC Crypto Regulations: What Financial Advisors Need to Know">
+            <a:extLst>
+              <a:ext uri="{FF2B5EF4-FFF2-40B4-BE49-F238E27FC236}">
+                <a16:creationId xmlns:a16="http://schemas.microsoft.com/office/drawing/2014/main" id="{E351162C-7F27-02FB-5C83-E652DAA0B7AB}"/>
+              </a:ext>
+            </a:extLst>
+          </p:cNvPr>
+          <p:cNvPicPr>
+            <a:picLocks noChangeAspect="1" noChangeArrowheads="1"/>
+          </p:cNvPicPr>
+          <p:nvPr/>
+        </p:nvPicPr>
+        <p:blipFill>
+          <a:blip r:embed="rId2" cstate="print">
+            <a:extLst>
+              <a:ext uri="{28A0092B-C50C-407E-A947-70E740481C1C}">
+                <a14:useLocalDpi xmlns:a14="http://schemas.microsoft.com/office/drawing/2010/main" val="0"/>
+              </a:ext>
+            </a:extLst>
+          </a:blip>
+          <a:srcRect/>
+          <a:stretch>
+            <a:fillRect/>
+          </a:stretch>
+        </p:blipFill>
+        <p:spPr bwMode="auto">
+          <a:xfrm>
+            <a:off x="6367548" y="1413163"/>
+            <a:ext cx="4384271" cy="2922847"/>
+          </a:xfrm>
+          <a:prstGeom prst="rect">
+            <a:avLst/>
+          </a:prstGeom>
+          <a:noFill/>
+          <a:extLst>
+            <a:ext uri="{909E8E84-426E-40DD-AFC4-6F175D3DCCD1}">
+              <a14:hiddenFill xmlns:a14="http://schemas.microsoft.com/office/drawing/2010/main">
+                <a:solidFill>
+                  <a:srgbClr val="FFFFFF"/>
+                </a:solidFill>
+              </a14:hiddenFill>
+            </a:ext>
+          </a:extLst>
+        </p:spPr>
+      </p:pic>
+      <p:sp>
+        <p:nvSpPr>
+          <p:cNvPr id="6" name="TextovéPole 5">
+            <a:extLst>
+              <a:ext uri="{FF2B5EF4-FFF2-40B4-BE49-F238E27FC236}">
+                <a16:creationId xmlns:a16="http://schemas.microsoft.com/office/drawing/2014/main" id="{355766D8-1EE0-7410-16F2-0FB678D12E2E}"/>
+              </a:ext>
+            </a:extLst>
+          </p:cNvPr>
+          <p:cNvSpPr txBox="1"/>
+          <p:nvPr/>
+        </p:nvSpPr>
+        <p:spPr>
+          <a:xfrm>
+            <a:off x="6633556" y="4522124"/>
+            <a:ext cx="918072" cy="369332"/>
+          </a:xfrm>
+          <a:prstGeom prst="rect">
+            <a:avLst/>
+          </a:prstGeom>
+          <a:noFill/>
+        </p:spPr>
+        <p:txBody>
+          <a:bodyPr wrap="none" rtlCol="0">
+            <a:spAutoFit/>
+          </a:bodyPr>
+          <a:lstStyle/>
+          <a:p>
+            <a:r>
+              <a:rPr lang="cs-CZ" dirty="0"/>
+              <a:t>Obr. 12.</a:t>
+            </a:r>
+          </a:p>
+        </p:txBody>
+      </p:sp>
+    </p:spTree>
+    <p:extLst>
+      <p:ext uri="{BB962C8B-B14F-4D97-AF65-F5344CB8AC3E}">
+        <p14:creationId xmlns:p14="http://schemas.microsoft.com/office/powerpoint/2010/main" val="1635674173"/>
+      </p:ext>
+    </p:extLst>
+  </p:cSld>
+  <p:clrMapOvr>
+    <a:masterClrMapping/>
+  </p:clrMapOvr>
+</p:sld>
+</file>
+
+<file path=ppt/slides/slide19.xml><?xml version="1.0" encoding="utf-8"?>
+<p:sld xmlns:a="http://schemas.openxmlformats.org/drawingml/2006/main" xmlns:r="http://schemas.openxmlformats.org/officeDocument/2006/relationships" xmlns:p="http://schemas.openxmlformats.org/presentationml/2006/main">
+  <p:cSld>
+    <p:spTree>
+      <p:nvGrpSpPr>
+        <p:cNvPr id="1" name=""/>
+        <p:cNvGrpSpPr/>
+        <p:nvPr/>
+      </p:nvGrpSpPr>
+      <p:grpSpPr>
+        <a:xfrm>
+          <a:off x="0" y="0"/>
+          <a:ext cx="0" cy="0"/>
+          <a:chOff x="0" y="0"/>
+          <a:chExt cx="0" cy="0"/>
+        </a:xfrm>
+      </p:grpSpPr>
+      <p:sp>
+        <p:nvSpPr>
+          <p:cNvPr id="2" name="Nadpis 1">
+            <a:extLst>
+              <a:ext uri="{FF2B5EF4-FFF2-40B4-BE49-F238E27FC236}">
+                <a16:creationId xmlns:a16="http://schemas.microsoft.com/office/drawing/2014/main" id="{E1BAC418-1F90-C195-B1AE-98F04A4CECBE}"/>
+              </a:ext>
+            </a:extLst>
+          </p:cNvPr>
+          <p:cNvSpPr>
+            <a:spLocks noGrp="1"/>
+          </p:cNvSpPr>
+          <p:nvPr>
+            <p:ph type="title"/>
+          </p:nvPr>
+        </p:nvSpPr>
+        <p:spPr/>
+        <p:txBody>
+          <a:bodyPr/>
+          <a:lstStyle/>
+          <a:p>
+            <a:r>
+              <a:rPr lang="cs-CZ" dirty="0" err="1"/>
+              <a:t>Ethereum</a:t>
+            </a:r>
+            <a:endParaRPr lang="cs-CZ" dirty="0"/>
+          </a:p>
+        </p:txBody>
+      </p:sp>
+      <p:sp>
+        <p:nvSpPr>
+          <p:cNvPr id="3" name="Zástupný obsah 2">
+            <a:extLst>
+              <a:ext uri="{FF2B5EF4-FFF2-40B4-BE49-F238E27FC236}">
+                <a16:creationId xmlns:a16="http://schemas.microsoft.com/office/drawing/2014/main" id="{4E5EC330-E0D5-CA33-252F-A9267A4A6386}"/>
+              </a:ext>
+            </a:extLst>
+          </p:cNvPr>
+          <p:cNvSpPr>
+            <a:spLocks noGrp="1"/>
+          </p:cNvSpPr>
+          <p:nvPr>
+            <p:ph idx="1"/>
+          </p:nvPr>
+        </p:nvSpPr>
+        <p:spPr/>
+        <p:txBody>
+          <a:bodyPr/>
+          <a:lstStyle/>
+          <a:p>
+            <a:r>
+              <a:rPr lang="cs-CZ" b="0" i="0" dirty="0">
+                <a:solidFill>
+                  <a:srgbClr val="E6EDF3"/>
+                </a:solidFill>
+                <a:effectLst/>
+                <a:latin typeface="-apple-system"/>
+              </a:rPr>
+              <a:t>provádění </a:t>
+            </a:r>
+            <a:r>
+              <a:rPr lang="cs-CZ" b="0" i="0" dirty="0" err="1">
+                <a:solidFill>
+                  <a:srgbClr val="E6EDF3"/>
+                </a:solidFill>
+                <a:effectLst/>
+                <a:latin typeface="-apple-system"/>
+              </a:rPr>
+              <a:t>smart</a:t>
+            </a:r>
+            <a:r>
+              <a:rPr lang="cs-CZ" b="0" i="0" dirty="0">
+                <a:solidFill>
+                  <a:srgbClr val="E6EDF3"/>
+                </a:solidFill>
+                <a:effectLst/>
+                <a:latin typeface="-apple-system"/>
+              </a:rPr>
+              <a:t> kontraktů</a:t>
+            </a:r>
+          </a:p>
+          <a:p>
+            <a:r>
+              <a:rPr lang="cs-CZ" dirty="0">
+                <a:solidFill>
+                  <a:srgbClr val="E6EDF3"/>
+                </a:solidFill>
+                <a:latin typeface="-apple-system"/>
+              </a:rPr>
+              <a:t>m</a:t>
+            </a:r>
+            <a:r>
+              <a:rPr lang="cs-CZ" b="0" i="0" dirty="0">
+                <a:solidFill>
+                  <a:srgbClr val="E6EDF3"/>
+                </a:solidFill>
+                <a:effectLst/>
+                <a:latin typeface="-apple-system"/>
+              </a:rPr>
+              <a:t>ožnost vytvářet decentralizované aplikace (</a:t>
+            </a:r>
+            <a:r>
+              <a:rPr lang="cs-CZ" b="0" i="0" dirty="0" err="1">
+                <a:solidFill>
+                  <a:srgbClr val="E6EDF3"/>
+                </a:solidFill>
+                <a:effectLst/>
+                <a:latin typeface="-apple-system"/>
+              </a:rPr>
+              <a:t>DApps</a:t>
+            </a:r>
+            <a:r>
+              <a:rPr lang="cs-CZ" b="0" i="0" dirty="0">
+                <a:solidFill>
+                  <a:srgbClr val="E6EDF3"/>
+                </a:solidFill>
+                <a:effectLst/>
+                <a:latin typeface="-apple-system"/>
+              </a:rPr>
+              <a:t>)</a:t>
+            </a:r>
+          </a:p>
+          <a:p>
+            <a:r>
+              <a:rPr lang="cs-CZ" dirty="0">
+                <a:solidFill>
+                  <a:srgbClr val="E6EDF3"/>
+                </a:solidFill>
+                <a:latin typeface="-apple-system"/>
+              </a:rPr>
+              <a:t>p</a:t>
+            </a:r>
+            <a:r>
+              <a:rPr lang="cs-CZ" b="0" i="0" dirty="0">
+                <a:solidFill>
+                  <a:srgbClr val="E6EDF3"/>
+                </a:solidFill>
+                <a:effectLst/>
+                <a:latin typeface="-apple-system"/>
+              </a:rPr>
+              <a:t>řešlo na </a:t>
+            </a:r>
+            <a:r>
+              <a:rPr lang="cs-CZ" b="0" i="0" dirty="0" err="1">
+                <a:solidFill>
+                  <a:srgbClr val="E6EDF3"/>
+                </a:solidFill>
+                <a:effectLst/>
+                <a:latin typeface="-apple-system"/>
+              </a:rPr>
+              <a:t>Proof-of-Stake</a:t>
+            </a:r>
+            <a:endParaRPr lang="cs-CZ" dirty="0"/>
+          </a:p>
+        </p:txBody>
+      </p:sp>
+      <p:sp>
+        <p:nvSpPr>
+          <p:cNvPr id="4" name="Zástupný symbol pro zápatí 3">
+            <a:extLst>
+              <a:ext uri="{FF2B5EF4-FFF2-40B4-BE49-F238E27FC236}">
+                <a16:creationId xmlns:a16="http://schemas.microsoft.com/office/drawing/2014/main" id="{6142BA5C-560A-B791-AAEE-4F670C9CD6D5}"/>
+              </a:ext>
+            </a:extLst>
+          </p:cNvPr>
+          <p:cNvSpPr>
+            <a:spLocks noGrp="1"/>
+          </p:cNvSpPr>
+          <p:nvPr>
+            <p:ph type="ftr" sz="quarter" idx="11"/>
+          </p:nvPr>
+        </p:nvSpPr>
+        <p:spPr/>
+        <p:txBody>
+          <a:bodyPr/>
+          <a:lstStyle/>
+          <a:p>
+            <a:r>
+              <a:rPr lang="en-US"/>
+              <a:t>Pavel Olyšar 2.C</a:t>
+            </a:r>
+          </a:p>
+        </p:txBody>
+      </p:sp>
+      <p:sp>
+        <p:nvSpPr>
+          <p:cNvPr id="5" name="Zástupný symbol pro číslo snímku 4">
+            <a:extLst>
+              <a:ext uri="{FF2B5EF4-FFF2-40B4-BE49-F238E27FC236}">
+                <a16:creationId xmlns:a16="http://schemas.microsoft.com/office/drawing/2014/main" id="{B7269E09-CA29-3E01-817C-563FF6C663A7}"/>
+              </a:ext>
+            </a:extLst>
+          </p:cNvPr>
+          <p:cNvSpPr>
+            <a:spLocks noGrp="1"/>
+          </p:cNvSpPr>
+          <p:nvPr>
+            <p:ph type="sldNum" sz="quarter" idx="12"/>
+          </p:nvPr>
+        </p:nvSpPr>
+        <p:spPr/>
+        <p:txBody>
+          <a:bodyPr/>
+          <a:lstStyle/>
+          <a:p>
+            <a:fld id="{330EA680-D336-4FF7-8B7A-9848BB0A1C32}" type="slidenum">
+              <a:rPr lang="en-US" smtClean="0"/>
+              <a:t>19</a:t>
+            </a:fld>
+            <a:endParaRPr lang="en-US"/>
+          </a:p>
+        </p:txBody>
+      </p:sp>
+      <p:pic>
+        <p:nvPicPr>
+          <p:cNvPr id="6146" name="Picture 2" descr="10 Surprising Facts About Ethereum - Techopedia">
+            <a:extLst>
+              <a:ext uri="{FF2B5EF4-FFF2-40B4-BE49-F238E27FC236}">
+                <a16:creationId xmlns:a16="http://schemas.microsoft.com/office/drawing/2014/main" id="{3067ADD6-CDC4-1DA6-8167-CE5D807C18E7}"/>
+              </a:ext>
+            </a:extLst>
+          </p:cNvPr>
+          <p:cNvPicPr>
+            <a:picLocks noChangeAspect="1" noChangeArrowheads="1"/>
+          </p:cNvPicPr>
+          <p:nvPr/>
+        </p:nvPicPr>
+        <p:blipFill>
+          <a:blip r:embed="rId2" cstate="print">
+            <a:extLst>
+              <a:ext uri="{28A0092B-C50C-407E-A947-70E740481C1C}">
+                <a14:useLocalDpi xmlns:a14="http://schemas.microsoft.com/office/drawing/2010/main" val="0"/>
+              </a:ext>
+            </a:extLst>
+          </a:blip>
+          <a:srcRect/>
+          <a:stretch>
+            <a:fillRect/>
+          </a:stretch>
+        </p:blipFill>
+        <p:spPr bwMode="auto">
+          <a:xfrm>
+            <a:off x="6988232" y="2983159"/>
+            <a:ext cx="4365568" cy="2182784"/>
+          </a:xfrm>
+          <a:prstGeom prst="rect">
+            <a:avLst/>
+          </a:prstGeom>
+          <a:noFill/>
+          <a:extLst>
+            <a:ext uri="{909E8E84-426E-40DD-AFC4-6F175D3DCCD1}">
+              <a14:hiddenFill xmlns:a14="http://schemas.microsoft.com/office/drawing/2010/main">
+                <a:solidFill>
+                  <a:srgbClr val="FFFFFF"/>
+                </a:solidFill>
+              </a14:hiddenFill>
+            </a:ext>
+          </a:extLst>
+        </p:spPr>
+      </p:pic>
+      <p:sp>
+        <p:nvSpPr>
+          <p:cNvPr id="6" name="TextovéPole 5">
+            <a:extLst>
+              <a:ext uri="{FF2B5EF4-FFF2-40B4-BE49-F238E27FC236}">
+                <a16:creationId xmlns:a16="http://schemas.microsoft.com/office/drawing/2014/main" id="{E3BB36F2-B9B1-F4A1-7933-0C44373ED8DA}"/>
+              </a:ext>
+            </a:extLst>
+          </p:cNvPr>
+          <p:cNvSpPr txBox="1"/>
+          <p:nvPr/>
+        </p:nvSpPr>
+        <p:spPr>
+          <a:xfrm>
+            <a:off x="7359535" y="5547360"/>
+            <a:ext cx="918072" cy="369332"/>
+          </a:xfrm>
+          <a:prstGeom prst="rect">
+            <a:avLst/>
+          </a:prstGeom>
+          <a:noFill/>
+        </p:spPr>
+        <p:txBody>
+          <a:bodyPr wrap="none" rtlCol="0">
+            <a:spAutoFit/>
+          </a:bodyPr>
+          <a:lstStyle/>
+          <a:p>
+            <a:r>
+              <a:rPr lang="cs-CZ" dirty="0"/>
+              <a:t>Obr. 13.</a:t>
+            </a:r>
+          </a:p>
+        </p:txBody>
+      </p:sp>
+    </p:spTree>
+    <p:extLst>
+      <p:ext uri="{BB962C8B-B14F-4D97-AF65-F5344CB8AC3E}">
+        <p14:creationId xmlns:p14="http://schemas.microsoft.com/office/powerpoint/2010/main" val="3172926828"/>
+      </p:ext>
+    </p:extLst>
+  </p:cSld>
+  <p:clrMapOvr>
+    <a:masterClrMapping/>
+  </p:clrMapOvr>
+</p:sld>
+</file>
+
+<file path=ppt/slides/slide2.xml><?xml version="1.0" encoding="utf-8"?>
+<p:sld xmlns:a="http://schemas.openxmlformats.org/drawingml/2006/main" xmlns:r="http://schemas.openxmlformats.org/officeDocument/2006/relationships" xmlns:p="http://schemas.openxmlformats.org/presentationml/2006/main">
+  <p:cSld>
+    <p:spTree>
+      <p:nvGrpSpPr>
+        <p:cNvPr id="1" name=""/>
+        <p:cNvGrpSpPr/>
+        <p:nvPr/>
+      </p:nvGrpSpPr>
+      <p:grpSpPr>
+        <a:xfrm>
+          <a:off x="0" y="0"/>
+          <a:ext cx="0" cy="0"/>
+          <a:chOff x="0" y="0"/>
+          <a:chExt cx="0" cy="0"/>
+        </a:xfrm>
+      </p:grpSpPr>
+      <p:sp>
+        <p:nvSpPr>
+          <p:cNvPr id="2" name="Nadpis 1">
+            <a:extLst>
+              <a:ext uri="{FF2B5EF4-FFF2-40B4-BE49-F238E27FC236}">
+                <a16:creationId xmlns:a16="http://schemas.microsoft.com/office/drawing/2014/main" id="{BC6C27A5-A41C-0653-B3A3-9C801535052A}"/>
+              </a:ext>
+            </a:extLst>
+          </p:cNvPr>
+          <p:cNvSpPr>
+            <a:spLocks noGrp="1"/>
+          </p:cNvSpPr>
+          <p:nvPr>
+            <p:ph type="title"/>
+          </p:nvPr>
+        </p:nvSpPr>
+        <p:spPr/>
+        <p:txBody>
+          <a:bodyPr/>
+          <a:lstStyle/>
+          <a:p>
+            <a:r>
+              <a:rPr lang="cs-CZ" dirty="0"/>
+              <a:t>Obsah:</a:t>
+            </a:r>
+          </a:p>
+        </p:txBody>
+      </p:sp>
+      <p:sp>
+        <p:nvSpPr>
+          <p:cNvPr id="4" name="Zástupný symbol pro zápatí 3">
+            <a:extLst>
+              <a:ext uri="{FF2B5EF4-FFF2-40B4-BE49-F238E27FC236}">
+                <a16:creationId xmlns:a16="http://schemas.microsoft.com/office/drawing/2014/main" id="{4C88F81D-9691-ECD9-64AB-4719567D88CC}"/>
+              </a:ext>
+            </a:extLst>
+          </p:cNvPr>
+          <p:cNvSpPr>
+            <a:spLocks noGrp="1"/>
+          </p:cNvSpPr>
+          <p:nvPr>
+            <p:ph type="ftr" sz="quarter" idx="11"/>
+          </p:nvPr>
+        </p:nvSpPr>
+        <p:spPr/>
+        <p:txBody>
+          <a:bodyPr/>
+          <a:lstStyle/>
+          <a:p>
+            <a:r>
+              <a:rPr lang="en-US"/>
+              <a:t>Pavel Olyšar 2.C</a:t>
+            </a:r>
+          </a:p>
+        </p:txBody>
+      </p:sp>
+      <p:sp>
+        <p:nvSpPr>
+          <p:cNvPr id="5" name="Zástupný symbol pro číslo snímku 4">
+            <a:extLst>
+              <a:ext uri="{FF2B5EF4-FFF2-40B4-BE49-F238E27FC236}">
+                <a16:creationId xmlns:a16="http://schemas.microsoft.com/office/drawing/2014/main" id="{02E63AAE-EA55-26FB-E69D-99BDA2C7CC5C}"/>
+              </a:ext>
+            </a:extLst>
+          </p:cNvPr>
+          <p:cNvSpPr>
+            <a:spLocks noGrp="1"/>
+          </p:cNvSpPr>
+          <p:nvPr>
+            <p:ph type="sldNum" sz="quarter" idx="12"/>
+          </p:nvPr>
+        </p:nvSpPr>
+        <p:spPr/>
+        <p:txBody>
+          <a:bodyPr/>
+          <a:lstStyle/>
+          <a:p>
+            <a:fld id="{330EA680-D336-4FF7-8B7A-9848BB0A1C32}" type="slidenum">
+              <a:rPr lang="en-US" smtClean="0"/>
+              <a:t>2</a:t>
+            </a:fld>
+            <a:endParaRPr lang="en-US"/>
+          </a:p>
+        </p:txBody>
+      </p:sp>
+      <p:sp>
+        <p:nvSpPr>
+          <p:cNvPr id="3" name="TextovéPole 2">
+            <a:extLst>
+              <a:ext uri="{FF2B5EF4-FFF2-40B4-BE49-F238E27FC236}">
+                <a16:creationId xmlns:a16="http://schemas.microsoft.com/office/drawing/2014/main" id="{A7ACE1C9-B949-F765-5C7A-C9F5EF1002B9}"/>
+              </a:ext>
+            </a:extLst>
+          </p:cNvPr>
+          <p:cNvSpPr txBox="1"/>
+          <p:nvPr/>
+        </p:nvSpPr>
+        <p:spPr>
+          <a:xfrm>
+            <a:off x="958409" y="1955935"/>
+            <a:ext cx="9857916" cy="2308324"/>
+          </a:xfrm>
+          <a:prstGeom prst="rect">
+            <a:avLst/>
+          </a:prstGeom>
+          <a:noFill/>
+        </p:spPr>
+        <p:txBody>
+          <a:bodyPr wrap="square" rtlCol="0">
+            <a:spAutoFit/>
+          </a:bodyPr>
+          <a:lstStyle/>
+          <a:p>
+            <a:pPr marL="285750" indent="-285750">
+              <a:buFont typeface="Arial" panose="020B0604020202020204" pitchFamily="34" charset="0"/>
+              <a:buChar char="•"/>
+            </a:pPr>
+            <a:r>
+              <a:rPr lang="cs-CZ" dirty="0"/>
+              <a:t>Co je to blockchain?</a:t>
+            </a:r>
+          </a:p>
+          <a:p>
+            <a:pPr marL="285750" indent="-285750">
+              <a:buFont typeface="Arial" panose="020B0604020202020204" pitchFamily="34" charset="0"/>
+              <a:buChar char="•"/>
+            </a:pPr>
+            <a:r>
+              <a:rPr lang="cs-CZ" dirty="0"/>
+              <a:t>Jak blockchain funguje?</a:t>
+            </a:r>
+          </a:p>
+          <a:p>
+            <a:pPr marL="285750" indent="-285750">
+              <a:buFont typeface="Arial" panose="020B0604020202020204" pitchFamily="34" charset="0"/>
+              <a:buChar char="•"/>
+            </a:pPr>
+            <a:r>
+              <a:rPr lang="cs-CZ" dirty="0"/>
+              <a:t>Jak vypadají jednotlivé bloky a celý blockchain?</a:t>
+            </a:r>
+          </a:p>
+          <a:p>
+            <a:pPr marL="285750" indent="-285750">
+              <a:buFont typeface="Arial" panose="020B0604020202020204" pitchFamily="34" charset="0"/>
+              <a:buChar char="•"/>
+            </a:pPr>
+            <a:r>
+              <a:rPr lang="cs-CZ" dirty="0"/>
+              <a:t>Konsenzus</a:t>
+            </a:r>
+          </a:p>
+          <a:p>
+            <a:pPr marL="285750" indent="-285750">
+              <a:buFont typeface="Arial" panose="020B0604020202020204" pitchFamily="34" charset="0"/>
+              <a:buChar char="•"/>
+            </a:pPr>
+            <a:r>
+              <a:rPr lang="cs-CZ" dirty="0"/>
+              <a:t>Využití blockchainu</a:t>
+            </a:r>
+          </a:p>
+          <a:p>
+            <a:pPr marL="285750" indent="-285750">
+              <a:buFont typeface="Arial" panose="020B0604020202020204" pitchFamily="34" charset="0"/>
+              <a:buChar char="•"/>
+            </a:pPr>
+            <a:r>
+              <a:rPr lang="cs-CZ" dirty="0"/>
+              <a:t>Kryptoměny</a:t>
+            </a:r>
+          </a:p>
+          <a:p>
+            <a:pPr marL="285750" indent="-285750">
+              <a:buFont typeface="Arial" panose="020B0604020202020204" pitchFamily="34" charset="0"/>
+              <a:buChar char="•"/>
+            </a:pPr>
+            <a:r>
+              <a:rPr lang="cs-CZ" dirty="0"/>
+              <a:t>Ukázka mého projektu</a:t>
+            </a:r>
+          </a:p>
+          <a:p>
+            <a:pPr marL="285750" indent="-285750">
+              <a:buFont typeface="Arial" panose="020B0604020202020204" pitchFamily="34" charset="0"/>
+              <a:buChar char="•"/>
+            </a:pPr>
+            <a:endParaRPr lang="cs-CZ" dirty="0"/>
+          </a:p>
+        </p:txBody>
+      </p:sp>
+    </p:spTree>
+    <p:extLst>
+      <p:ext uri="{BB962C8B-B14F-4D97-AF65-F5344CB8AC3E}">
+        <p14:creationId xmlns:p14="http://schemas.microsoft.com/office/powerpoint/2010/main" val="298577922"/>
+      </p:ext>
+    </p:extLst>
+  </p:cSld>
+  <p:clrMapOvr>
+    <a:masterClrMapping/>
+  </p:clrMapOvr>
+</p:sld>
+</file>
+
+<file path=ppt/slides/slide20.xml><?xml version="1.0" encoding="utf-8"?>
+<p:sld xmlns:a="http://schemas.openxmlformats.org/drawingml/2006/main" xmlns:r="http://schemas.openxmlformats.org/officeDocument/2006/relationships" xmlns:p="http://schemas.openxmlformats.org/presentationml/2006/main">
+  <p:cSld>
+    <p:spTree>
+      <p:nvGrpSpPr>
+        <p:cNvPr id="1" name=""/>
+        <p:cNvGrpSpPr/>
+        <p:nvPr/>
+      </p:nvGrpSpPr>
+      <p:grpSpPr>
+        <a:xfrm>
+          <a:off x="0" y="0"/>
+          <a:ext cx="0" cy="0"/>
+          <a:chOff x="0" y="0"/>
+          <a:chExt cx="0" cy="0"/>
+        </a:xfrm>
+      </p:grpSpPr>
+      <p:sp>
+        <p:nvSpPr>
+          <p:cNvPr id="2" name="Nadpis 1">
+            <a:extLst>
+              <a:ext uri="{FF2B5EF4-FFF2-40B4-BE49-F238E27FC236}">
+                <a16:creationId xmlns:a16="http://schemas.microsoft.com/office/drawing/2014/main" id="{448CA0E3-17C8-E612-3028-D78ABFB1157B}"/>
+              </a:ext>
+            </a:extLst>
+          </p:cNvPr>
+          <p:cNvSpPr>
+            <a:spLocks noGrp="1"/>
+          </p:cNvSpPr>
+          <p:nvPr>
+            <p:ph type="title"/>
+          </p:nvPr>
+        </p:nvSpPr>
+        <p:spPr/>
+        <p:txBody>
+          <a:bodyPr/>
+          <a:lstStyle/>
+          <a:p>
+            <a:r>
+              <a:rPr lang="cs-CZ" dirty="0"/>
+              <a:t>Ukázka</a:t>
+            </a:r>
+          </a:p>
+        </p:txBody>
+      </p:sp>
+      <p:sp>
+        <p:nvSpPr>
+          <p:cNvPr id="3" name="Zástupný obsah 2">
+            <a:extLst>
+              <a:ext uri="{FF2B5EF4-FFF2-40B4-BE49-F238E27FC236}">
+                <a16:creationId xmlns:a16="http://schemas.microsoft.com/office/drawing/2014/main" id="{C66DFA3D-9F3C-F79A-FF92-0B7A0661E36C}"/>
+              </a:ext>
+            </a:extLst>
+          </p:cNvPr>
+          <p:cNvSpPr>
+            <a:spLocks noGrp="1"/>
+          </p:cNvSpPr>
+          <p:nvPr>
+            <p:ph idx="1"/>
+          </p:nvPr>
+        </p:nvSpPr>
+        <p:spPr/>
+        <p:txBody>
+          <a:bodyPr/>
+          <a:lstStyle/>
+          <a:p>
+            <a:endParaRPr lang="cs-CZ"/>
+          </a:p>
+        </p:txBody>
+      </p:sp>
+      <p:sp>
+        <p:nvSpPr>
+          <p:cNvPr id="4" name="Zástupný symbol pro zápatí 3">
+            <a:extLst>
+              <a:ext uri="{FF2B5EF4-FFF2-40B4-BE49-F238E27FC236}">
+                <a16:creationId xmlns:a16="http://schemas.microsoft.com/office/drawing/2014/main" id="{41AD863C-74BA-56DB-6F95-D6E0D5FD7CF0}"/>
+              </a:ext>
+            </a:extLst>
+          </p:cNvPr>
+          <p:cNvSpPr>
+            <a:spLocks noGrp="1"/>
+          </p:cNvSpPr>
+          <p:nvPr>
+            <p:ph type="ftr" sz="quarter" idx="11"/>
+          </p:nvPr>
+        </p:nvSpPr>
+        <p:spPr/>
+        <p:txBody>
+          <a:bodyPr/>
+          <a:lstStyle/>
+          <a:p>
+            <a:r>
+              <a:rPr lang="en-US"/>
+              <a:t>Pavel Olyšar 2.C</a:t>
+            </a:r>
+          </a:p>
+        </p:txBody>
+      </p:sp>
+      <p:sp>
+        <p:nvSpPr>
+          <p:cNvPr id="5" name="Zástupný symbol pro číslo snímku 4">
+            <a:extLst>
+              <a:ext uri="{FF2B5EF4-FFF2-40B4-BE49-F238E27FC236}">
+                <a16:creationId xmlns:a16="http://schemas.microsoft.com/office/drawing/2014/main" id="{5B4EFA85-87FA-60A1-94FE-DAAA8136058B}"/>
+              </a:ext>
+            </a:extLst>
+          </p:cNvPr>
+          <p:cNvSpPr>
+            <a:spLocks noGrp="1"/>
+          </p:cNvSpPr>
+          <p:nvPr>
+            <p:ph type="sldNum" sz="quarter" idx="12"/>
+          </p:nvPr>
+        </p:nvSpPr>
+        <p:spPr/>
+        <p:txBody>
+          <a:bodyPr/>
+          <a:lstStyle/>
+          <a:p>
+            <a:fld id="{330EA680-D336-4FF7-8B7A-9848BB0A1C32}" type="slidenum">
+              <a:rPr lang="en-US" smtClean="0"/>
+              <a:t>20</a:t>
+            </a:fld>
+            <a:endParaRPr lang="en-US"/>
+          </a:p>
+        </p:txBody>
+      </p:sp>
+    </p:spTree>
+    <p:extLst>
+      <p:ext uri="{BB962C8B-B14F-4D97-AF65-F5344CB8AC3E}">
+        <p14:creationId xmlns:p14="http://schemas.microsoft.com/office/powerpoint/2010/main" val="1091821799"/>
+      </p:ext>
+    </p:extLst>
+  </p:cSld>
+  <p:clrMapOvr>
+    <a:masterClrMapping/>
+  </p:clrMapOvr>
+</p:sld>
+</file>
+
+<file path=ppt/slides/slide21.xml><?xml version="1.0" encoding="utf-8"?>
+<p:sld xmlns:a="http://schemas.openxmlformats.org/drawingml/2006/main" xmlns:r="http://schemas.openxmlformats.org/officeDocument/2006/relationships" xmlns:p="http://schemas.openxmlformats.org/presentationml/2006/main">
+  <p:cSld>
+    <p:spTree>
+      <p:nvGrpSpPr>
+        <p:cNvPr id="1" name=""/>
+        <p:cNvGrpSpPr/>
+        <p:nvPr/>
+      </p:nvGrpSpPr>
+      <p:grpSpPr>
+        <a:xfrm>
+          <a:off x="0" y="0"/>
+          <a:ext cx="0" cy="0"/>
+          <a:chOff x="0" y="0"/>
+          <a:chExt cx="0" cy="0"/>
+        </a:xfrm>
+      </p:grpSpPr>
+      <p:sp>
+        <p:nvSpPr>
+          <p:cNvPr id="2" name="Title 1">
+            <a:extLst>
+              <a:ext uri="{FF2B5EF4-FFF2-40B4-BE49-F238E27FC236}">
+                <a16:creationId xmlns:a16="http://schemas.microsoft.com/office/drawing/2014/main" id="{69156EDE-6E1B-E91A-7F84-698AFC88BF97}"/>
+              </a:ext>
+            </a:extLst>
+          </p:cNvPr>
+          <p:cNvSpPr>
+            <a:spLocks noGrp="1"/>
+          </p:cNvSpPr>
+          <p:nvPr>
+            <p:ph type="title"/>
+          </p:nvPr>
+        </p:nvSpPr>
+        <p:spPr>
+          <a:xfrm>
+            <a:off x="848783" y="86836"/>
+            <a:ext cx="10509355" cy="769678"/>
+          </a:xfrm>
+        </p:spPr>
+        <p:txBody>
+          <a:bodyPr/>
+          <a:lstStyle/>
+          <a:p>
+            <a:r>
+              <a:rPr lang="en-US" dirty="0" err="1">
+                <a:ea typeface="Calibri Light"/>
+                <a:cs typeface="Calibri Light"/>
+              </a:rPr>
+              <a:t>Zdroje</a:t>
+            </a:r>
+            <a:r>
+              <a:rPr lang="en-US" dirty="0">
+                <a:ea typeface="Calibri Light"/>
+                <a:cs typeface="Calibri Light"/>
+              </a:rPr>
+              <a:t> </a:t>
+            </a:r>
+            <a:r>
+              <a:rPr lang="en-US" dirty="0" err="1">
+                <a:ea typeface="Calibri Light"/>
+                <a:cs typeface="Calibri Light"/>
+              </a:rPr>
+              <a:t>informací</a:t>
+            </a:r>
+            <a:endParaRPr lang="en-US" dirty="0" err="1"/>
+          </a:p>
+        </p:txBody>
+      </p:sp>
+      <p:sp>
+        <p:nvSpPr>
+          <p:cNvPr id="3" name="Content Placeholder 2">
+            <a:extLst>
+              <a:ext uri="{FF2B5EF4-FFF2-40B4-BE49-F238E27FC236}">
+                <a16:creationId xmlns:a16="http://schemas.microsoft.com/office/drawing/2014/main" id="{DD4D2381-C78C-62CC-FB2F-17F06FD78CA2}"/>
+              </a:ext>
+            </a:extLst>
+          </p:cNvPr>
+          <p:cNvSpPr>
+            <a:spLocks noGrp="1"/>
+          </p:cNvSpPr>
+          <p:nvPr>
+            <p:ph idx="1"/>
+          </p:nvPr>
+        </p:nvSpPr>
+        <p:spPr>
+          <a:xfrm>
+            <a:off x="838200" y="822812"/>
+            <a:ext cx="10509355" cy="5235479"/>
+          </a:xfrm>
+        </p:spPr>
+        <p:txBody>
+          <a:bodyPr vert="horz" lIns="91440" tIns="45720" rIns="91440" bIns="45720" rtlCol="0" anchor="t">
+            <a:noAutofit/>
+          </a:bodyPr>
+          <a:lstStyle/>
+          <a:p>
+            <a:pPr marL="0" indent="0">
+              <a:buNone/>
+            </a:pPr>
+            <a:r>
+              <a:rPr lang="en-US" sz="850" dirty="0">
+                <a:ea typeface="Calibri"/>
+                <a:cs typeface="Calibri"/>
+              </a:rPr>
+              <a:t>Blockchain </a:t>
+            </a:r>
+            <a:r>
+              <a:rPr lang="en-US" sz="850" err="1">
+                <a:ea typeface="Calibri"/>
+                <a:cs typeface="Calibri"/>
+              </a:rPr>
+              <a:t>základy</a:t>
+            </a:r>
+            <a:r>
+              <a:rPr lang="en-US" sz="850" dirty="0">
+                <a:ea typeface="Calibri"/>
+                <a:cs typeface="Calibri"/>
+              </a:rPr>
+              <a:t>:</a:t>
+            </a:r>
+          </a:p>
+          <a:p>
+            <a:r>
+              <a:rPr lang="en-US" sz="850" dirty="0">
+                <a:ea typeface="Calibri"/>
+                <a:cs typeface="Calibri"/>
+              </a:rPr>
+              <a:t>[1] Co je blockchain, jak </a:t>
+            </a:r>
+            <a:r>
+              <a:rPr lang="en-US" sz="850" err="1">
+                <a:ea typeface="Calibri"/>
+                <a:cs typeface="Calibri"/>
+              </a:rPr>
+              <a:t>funguje</a:t>
+            </a:r>
+            <a:r>
+              <a:rPr lang="en-US" sz="850" dirty="0">
+                <a:ea typeface="Calibri"/>
+                <a:cs typeface="Calibri"/>
+              </a:rPr>
+              <a:t> a KDE </a:t>
+            </a:r>
+            <a:r>
+              <a:rPr lang="en-US" sz="850" err="1">
+                <a:ea typeface="Calibri"/>
+                <a:cs typeface="Calibri"/>
+              </a:rPr>
+              <a:t>Najde</a:t>
+            </a:r>
+            <a:r>
+              <a:rPr lang="en-US" sz="850" dirty="0">
+                <a:ea typeface="Calibri"/>
+                <a:cs typeface="Calibri"/>
+              </a:rPr>
+              <a:t> </a:t>
+            </a:r>
+            <a:r>
+              <a:rPr lang="en-US" sz="850" err="1">
+                <a:ea typeface="Calibri"/>
+                <a:cs typeface="Calibri"/>
+              </a:rPr>
+              <a:t>Využití</a:t>
+            </a:r>
+            <a:r>
+              <a:rPr lang="en-US" sz="850" dirty="0">
+                <a:ea typeface="Calibri"/>
+                <a:cs typeface="Calibri"/>
+              </a:rPr>
+              <a:t>? Available from: </a:t>
+            </a:r>
+            <a:r>
+              <a:rPr lang="en-US" sz="850" u="sng" dirty="0">
+                <a:solidFill>
+                  <a:srgbClr val="0563C1"/>
+                </a:solidFill>
+                <a:ea typeface="Calibri"/>
+                <a:cs typeface="Calibri"/>
+                <a:hlinkClick r:id="rId2"/>
+              </a:rPr>
+              <a:t>https://www.rascasone.com/cs/blog/zmeni-technologie-blockchain-cely-svet</a:t>
+            </a:r>
+            <a:r>
+              <a:rPr lang="en-US" sz="850" dirty="0">
+                <a:ea typeface="Calibri"/>
+                <a:cs typeface="Calibri"/>
+              </a:rPr>
+              <a:t> </a:t>
+            </a:r>
+            <a:endParaRPr lang="en-US" sz="850">
+              <a:ea typeface="Calibri" panose="020F0502020204030204"/>
+              <a:cs typeface="Calibri" panose="020F0502020204030204"/>
+            </a:endParaRPr>
+          </a:p>
+          <a:p>
+            <a:r>
+              <a:rPr lang="en-US" sz="850" dirty="0">
+                <a:ea typeface="Calibri"/>
+                <a:cs typeface="Calibri"/>
+              </a:rPr>
+              <a:t>[2] How does a blockchain work - simply explained.  Available from: </a:t>
+            </a:r>
+            <a:r>
+              <a:rPr lang="en-US" sz="850" u="sng" dirty="0">
+                <a:solidFill>
+                  <a:srgbClr val="0563C1"/>
+                </a:solidFill>
+                <a:ea typeface="Calibri"/>
+                <a:cs typeface="Calibri"/>
+                <a:hlinkClick r:id="rId3"/>
+              </a:rPr>
+              <a:t>https://www.youtube.com/watch?v=SSo_EIwHSd4</a:t>
+            </a:r>
+            <a:endParaRPr lang="en-US" sz="850" u="sng">
+              <a:solidFill>
+                <a:srgbClr val="0563C1"/>
+              </a:solidFill>
+              <a:ea typeface="Calibri"/>
+              <a:cs typeface="Calibri"/>
+            </a:endParaRPr>
+          </a:p>
+          <a:p>
+            <a:r>
+              <a:rPr lang="en-US" sz="850" dirty="0">
+                <a:solidFill>
+                  <a:srgbClr val="FFFFFF"/>
+                </a:solidFill>
+                <a:ea typeface="Calibri"/>
+                <a:cs typeface="Calibri"/>
+              </a:rPr>
+              <a:t>[3] Blockchain in 7 minutes | what is Blockchain | Blockchain </a:t>
+            </a:r>
+            <a:r>
+              <a:rPr lang="en-US" sz="850" err="1">
+                <a:solidFill>
+                  <a:srgbClr val="FFFFFF"/>
+                </a:solidFill>
+                <a:ea typeface="Calibri"/>
+                <a:cs typeface="Calibri"/>
+              </a:rPr>
+              <a:t>explained|How</a:t>
+            </a:r>
+            <a:r>
+              <a:rPr lang="en-US" sz="850" dirty="0">
+                <a:solidFill>
+                  <a:srgbClr val="FFFFFF"/>
+                </a:solidFill>
+                <a:ea typeface="Calibri"/>
+                <a:cs typeface="Calibri"/>
+              </a:rPr>
+              <a:t> Blockchain works|. Available from: </a:t>
+            </a:r>
+            <a:r>
+              <a:rPr lang="en-US" sz="850" u="sng" dirty="0">
+                <a:solidFill>
+                  <a:srgbClr val="0563C1"/>
+                </a:solidFill>
+                <a:ea typeface="Calibri"/>
+                <a:cs typeface="Calibri"/>
+                <a:hlinkClick r:id="rId4"/>
+              </a:rPr>
+              <a:t>https://www.youtube.com/watch?v=yubzJw0uiE4&amp;t=212s</a:t>
+            </a:r>
+            <a:endParaRPr lang="en-US" sz="850" u="sng">
+              <a:solidFill>
+                <a:srgbClr val="0563C1"/>
+              </a:solidFill>
+              <a:ea typeface="Calibri"/>
+              <a:cs typeface="Calibri"/>
+            </a:endParaRPr>
+          </a:p>
+          <a:p>
+            <a:r>
+              <a:rPr lang="en-US" sz="850" dirty="0">
+                <a:solidFill>
+                  <a:srgbClr val="FFFFFF"/>
+                </a:solidFill>
+                <a:ea typeface="Calibri"/>
+                <a:cs typeface="Calibri"/>
+              </a:rPr>
+              <a:t>[4] </a:t>
+            </a:r>
+            <a:r>
+              <a:rPr lang="en-US" sz="850" dirty="0">
+                <a:solidFill>
+                  <a:srgbClr val="FFFFFF"/>
+                </a:solidFill>
+                <a:ea typeface="+mn-lt"/>
+                <a:cs typeface="+mn-lt"/>
+              </a:rPr>
+              <a:t>Learn Blockchain Basics 101 for FREE. Available from: </a:t>
+            </a:r>
+            <a:r>
+              <a:rPr lang="en-US" sz="850" dirty="0">
+                <a:solidFill>
+                  <a:srgbClr val="FFFFFF"/>
+                </a:solidFill>
+                <a:ea typeface="+mn-lt"/>
+                <a:cs typeface="+mn-lt"/>
+                <a:hlinkClick r:id="rId5"/>
+              </a:rPr>
+              <a:t>https://www.youtube.com/watch?v=KA_wOqYc1zo&amp;list=PLG4Yor99jlgmJS7cptBvER0HKFwa9cGSG</a:t>
+            </a:r>
+            <a:endParaRPr lang="en-US" sz="850">
+              <a:ea typeface="Calibri" panose="020F0502020204030204"/>
+              <a:cs typeface="Calibri" panose="020F0502020204030204"/>
+            </a:endParaRPr>
+          </a:p>
+          <a:p>
+            <a:r>
+              <a:rPr lang="en-US" sz="850" dirty="0">
+                <a:solidFill>
+                  <a:srgbClr val="FFFFFF"/>
+                </a:solidFill>
+                <a:ea typeface="Calibri"/>
+                <a:cs typeface="Calibri"/>
+              </a:rPr>
+              <a:t>[5] </a:t>
+            </a:r>
+            <a:r>
+              <a:rPr lang="en-US" sz="850" dirty="0">
+                <a:solidFill>
+                  <a:srgbClr val="FFFFFF"/>
+                </a:solidFill>
+              </a:rPr>
+              <a:t>Learn Blockchain, Solidity, and Full Stack Web3 Development with JavaScript – 32-Hour Course. Available from: </a:t>
+            </a:r>
+            <a:r>
+              <a:rPr lang="en-US" sz="850" dirty="0">
+                <a:solidFill>
+                  <a:srgbClr val="FFFFFF"/>
+                </a:solidFill>
+                <a:ea typeface="+mn-lt"/>
+                <a:cs typeface="+mn-lt"/>
+                <a:hlinkClick r:id="rId6"/>
+              </a:rPr>
+              <a:t>https://www.youtube.com/watch?v=gyMwXuJrbJQ&amp;t=5501s</a:t>
+            </a:r>
+            <a:endParaRPr lang="en-US" sz="850" dirty="0">
+              <a:solidFill>
+                <a:srgbClr val="FFFFFF"/>
+              </a:solidFill>
+              <a:ea typeface="Calibri"/>
+              <a:cs typeface="Calibri"/>
+            </a:endParaRPr>
+          </a:p>
+          <a:p>
+            <a:r>
+              <a:rPr lang="en-US" sz="850" dirty="0">
+                <a:solidFill>
+                  <a:srgbClr val="FFFFFF"/>
+                </a:solidFill>
+                <a:ea typeface="Calibri"/>
+                <a:cs typeface="Calibri"/>
+              </a:rPr>
+              <a:t>[6] </a:t>
+            </a:r>
+            <a:r>
+              <a:rPr lang="en-US" sz="850" dirty="0"/>
+              <a:t>How does the Block in a Blockchain look like? Available from: </a:t>
+            </a:r>
+            <a:r>
+              <a:rPr lang="en-US" sz="850" dirty="0">
+                <a:ea typeface="+mn-lt"/>
+                <a:cs typeface="+mn-lt"/>
+                <a:hlinkClick r:id="rId7"/>
+              </a:rPr>
+              <a:t>https://www.linkedin.com/pulse/how-does-block-blockchain-look-like-vijay-raghunathan</a:t>
+            </a:r>
+            <a:endParaRPr lang="en-US" sz="850" dirty="0">
+              <a:solidFill>
+                <a:srgbClr val="FFFFFF"/>
+              </a:solidFill>
+              <a:ea typeface="Calibri"/>
+              <a:cs typeface="Calibri"/>
+            </a:endParaRPr>
+          </a:p>
+          <a:p>
+            <a:r>
+              <a:rPr lang="en-US" sz="850" dirty="0">
+                <a:solidFill>
+                  <a:srgbClr val="FFFFFF"/>
+                </a:solidFill>
+                <a:ea typeface="Calibri"/>
+                <a:cs typeface="Calibri"/>
+              </a:rPr>
+              <a:t>[7] Understand a Blockchain in 40 seconds. Available from: </a:t>
+            </a:r>
+            <a:r>
+              <a:rPr lang="en-US" sz="850" dirty="0">
+                <a:ea typeface="+mn-lt"/>
+                <a:cs typeface="+mn-lt"/>
+                <a:hlinkClick r:id="rId8"/>
+              </a:rPr>
+              <a:t>https://www.youtube.com/shorts/9fZwZob3lGA</a:t>
+            </a:r>
+            <a:endParaRPr lang="en-US" sz="850" dirty="0">
+              <a:solidFill>
+                <a:srgbClr val="FFFFFF"/>
+              </a:solidFill>
+              <a:ea typeface="Calibri"/>
+              <a:cs typeface="Calibri"/>
+            </a:endParaRPr>
+          </a:p>
+          <a:p>
+            <a:r>
+              <a:rPr lang="en-US" sz="850" dirty="0">
+                <a:solidFill>
+                  <a:srgbClr val="FFFFFF"/>
+                </a:solidFill>
+                <a:ea typeface="Calibri"/>
+                <a:cs typeface="Calibri"/>
+              </a:rPr>
+              <a:t>[8] </a:t>
+            </a:r>
+            <a:r>
+              <a:rPr lang="en-US" sz="850" dirty="0">
+                <a:solidFill>
+                  <a:srgbClr val="FFFFFF"/>
+                </a:solidFill>
+                <a:ea typeface="+mn-lt"/>
+                <a:cs typeface="+mn-lt"/>
+              </a:rPr>
+              <a:t>Blockchain For Beginners. </a:t>
+            </a:r>
+            <a:r>
+              <a:rPr lang="en-US" sz="850" dirty="0">
+                <a:solidFill>
+                  <a:srgbClr val="FFFFFF"/>
+                </a:solidFill>
+                <a:ea typeface="Calibri"/>
+                <a:cs typeface="Calibri"/>
+              </a:rPr>
+              <a:t>Available from: </a:t>
+            </a:r>
+            <a:r>
+              <a:rPr lang="en-US" sz="850" dirty="0">
+                <a:solidFill>
+                  <a:srgbClr val="FFFFFF"/>
+                </a:solidFill>
+                <a:ea typeface="+mn-lt"/>
+                <a:cs typeface="+mn-lt"/>
+                <a:hlinkClick r:id="rId9"/>
+              </a:rPr>
+              <a:t>https://www.youtube.com/playlist?list=PLzMcBGfZo4-msMNfRJT5cLSge23P5bqUx</a:t>
+            </a:r>
+            <a:endParaRPr lang="en-US" sz="850" dirty="0">
+              <a:solidFill>
+                <a:srgbClr val="FFFFFF"/>
+              </a:solidFill>
+              <a:ea typeface="Calibri"/>
+              <a:cs typeface="Calibri"/>
+            </a:endParaRPr>
+          </a:p>
+          <a:p>
+            <a:endParaRPr lang="en-US" sz="850" dirty="0">
+              <a:solidFill>
+                <a:srgbClr val="FFFFFF"/>
+              </a:solidFill>
+              <a:ea typeface="Calibri"/>
+              <a:cs typeface="Calibri"/>
+            </a:endParaRPr>
+          </a:p>
+          <a:p>
+            <a:pPr marL="0" indent="0">
+              <a:buNone/>
+            </a:pPr>
+            <a:r>
+              <a:rPr lang="en-US" sz="850" err="1">
+                <a:solidFill>
+                  <a:srgbClr val="FFFFFF"/>
+                </a:solidFill>
+                <a:ea typeface="Calibri"/>
+                <a:cs typeface="Calibri"/>
+              </a:rPr>
+              <a:t>Koncensus</a:t>
+            </a:r>
+            <a:r>
+              <a:rPr lang="en-US" sz="850" dirty="0">
+                <a:solidFill>
+                  <a:srgbClr val="FFFFFF"/>
+                </a:solidFill>
+                <a:ea typeface="Calibri"/>
+                <a:cs typeface="Calibri"/>
+              </a:rPr>
+              <a:t> </a:t>
+            </a:r>
+            <a:r>
+              <a:rPr lang="en-US" sz="850" err="1">
+                <a:solidFill>
+                  <a:srgbClr val="FFFFFF"/>
+                </a:solidFill>
+                <a:ea typeface="Calibri"/>
+                <a:cs typeface="Calibri"/>
+              </a:rPr>
+              <a:t>mechanismy</a:t>
+            </a:r>
+            <a:r>
+              <a:rPr lang="en-US" sz="850" dirty="0">
+                <a:solidFill>
+                  <a:srgbClr val="FFFFFF"/>
+                </a:solidFill>
+                <a:ea typeface="Calibri"/>
+                <a:cs typeface="Calibri"/>
+              </a:rPr>
+              <a:t>:</a:t>
+            </a:r>
+            <a:endParaRPr lang="en-US" sz="850" dirty="0">
+              <a:ea typeface="Calibri"/>
+              <a:cs typeface="Calibri"/>
+            </a:endParaRPr>
+          </a:p>
+          <a:p>
+            <a:pPr>
+              <a:buFont typeface="Arial"/>
+              <a:buChar char="•"/>
+            </a:pPr>
+            <a:r>
+              <a:rPr lang="en-US" sz="850" dirty="0">
+                <a:solidFill>
+                  <a:srgbClr val="FFFFFF"/>
+                </a:solidFill>
+                <a:ea typeface="Calibri"/>
+                <a:cs typeface="Calibri"/>
+              </a:rPr>
+              <a:t>[9] </a:t>
+            </a:r>
+            <a:r>
+              <a:rPr lang="en-US" sz="850" dirty="0">
+                <a:solidFill>
+                  <a:srgbClr val="FFFFFF"/>
+                </a:solidFill>
+              </a:rPr>
+              <a:t>What Is a Consensus Mechanism?</a:t>
+            </a:r>
+            <a:r>
+              <a:rPr lang="en-US" sz="850" dirty="0">
+                <a:solidFill>
+                  <a:srgbClr val="FFFFFF"/>
+                </a:solidFill>
+                <a:ea typeface="Calibri"/>
+                <a:cs typeface="Calibri"/>
+              </a:rPr>
+              <a:t> Available from: </a:t>
+            </a:r>
+            <a:r>
+              <a:rPr lang="en-US" sz="850" dirty="0">
+                <a:solidFill>
+                  <a:srgbClr val="FFFFFF"/>
+                </a:solidFill>
+                <a:ea typeface="+mn-lt"/>
+                <a:cs typeface="+mn-lt"/>
+                <a:hlinkClick r:id="rId10"/>
+              </a:rPr>
+              <a:t>https://builtin.com/blockchain/consensus-mechanism</a:t>
+            </a:r>
+            <a:endParaRPr lang="en-US" sz="850">
+              <a:ea typeface="Calibri" panose="020F0502020204030204"/>
+              <a:cs typeface="Calibri" panose="020F0502020204030204"/>
+            </a:endParaRPr>
+          </a:p>
+          <a:p>
+            <a:pPr>
+              <a:buFont typeface="Arial"/>
+              <a:buChar char="•"/>
+            </a:pPr>
+            <a:r>
+              <a:rPr lang="en-US" sz="850" dirty="0">
+                <a:solidFill>
+                  <a:srgbClr val="FFFFFF"/>
+                </a:solidFill>
+                <a:ea typeface="Calibri"/>
+                <a:cs typeface="Calibri"/>
+              </a:rPr>
+              <a:t>[10] </a:t>
+            </a:r>
+            <a:r>
+              <a:rPr lang="en-US" sz="850" dirty="0"/>
+              <a:t>Consensus Mechanisms In Blockchain: A Deep Dive Into The Different Types.</a:t>
+            </a:r>
+            <a:r>
+              <a:rPr lang="en-US" sz="850" dirty="0">
+                <a:solidFill>
+                  <a:srgbClr val="FFFFFF"/>
+                </a:solidFill>
+                <a:ea typeface="Calibri"/>
+                <a:cs typeface="Calibri"/>
+              </a:rPr>
+              <a:t> Available from: </a:t>
+            </a:r>
+            <a:r>
+              <a:rPr lang="en-US" sz="850" dirty="0">
+                <a:solidFill>
+                  <a:srgbClr val="FFFFFF"/>
+                </a:solidFill>
+                <a:ea typeface="+mn-lt"/>
+                <a:cs typeface="+mn-lt"/>
+                <a:hlinkClick r:id="rId11"/>
+              </a:rPr>
+              <a:t>https://hacken.io/discover/consensus-mechanisms/</a:t>
+            </a:r>
+            <a:endParaRPr lang="en-US" sz="850" dirty="0">
+              <a:ea typeface="Calibri"/>
+              <a:cs typeface="Calibri"/>
+            </a:endParaRPr>
+          </a:p>
+          <a:p>
+            <a:pPr>
+              <a:buFont typeface="Arial"/>
+              <a:buChar char="•"/>
+            </a:pPr>
+            <a:r>
+              <a:rPr lang="en-US" sz="850" dirty="0">
+                <a:solidFill>
+                  <a:srgbClr val="FFFFFF"/>
+                </a:solidFill>
+                <a:ea typeface="Calibri"/>
+                <a:cs typeface="Calibri"/>
+              </a:rPr>
+              <a:t>[11] </a:t>
+            </a:r>
+            <a:r>
+              <a:rPr lang="en-US" sz="850" dirty="0">
+                <a:solidFill>
+                  <a:srgbClr val="FFFFFF"/>
+                </a:solidFill>
+              </a:rPr>
+              <a:t>12 Consensus Mechanisms + How they Work (Pros/Cons).</a:t>
+            </a:r>
+            <a:r>
+              <a:rPr lang="en-US" sz="850" dirty="0">
+                <a:solidFill>
+                  <a:srgbClr val="FFFFFF"/>
+                </a:solidFill>
+                <a:ea typeface="Calibri"/>
+                <a:cs typeface="Calibri"/>
+              </a:rPr>
+              <a:t> Available from:</a:t>
+            </a:r>
+            <a:r>
+              <a:rPr lang="en-US" sz="850" dirty="0">
+                <a:solidFill>
+                  <a:srgbClr val="FFFFFF"/>
+                </a:solidFill>
+                <a:ea typeface="+mn-lt"/>
+                <a:cs typeface="+mn-lt"/>
+              </a:rPr>
+              <a:t> </a:t>
+            </a:r>
+            <a:r>
+              <a:rPr lang="en-US" sz="850" dirty="0">
+                <a:solidFill>
+                  <a:srgbClr val="FFFFFF"/>
+                </a:solidFill>
+                <a:ea typeface="+mn-lt"/>
+                <a:cs typeface="+mn-lt"/>
+                <a:hlinkClick r:id="rId12"/>
+              </a:rPr>
+              <a:t>https://www.youtube.com/watch?v=3QCykHU89To</a:t>
+            </a:r>
+            <a:endParaRPr lang="en-US" sz="850" dirty="0">
+              <a:solidFill>
+                <a:srgbClr val="FFFFFF"/>
+              </a:solidFill>
+              <a:ea typeface="Calibri"/>
+              <a:cs typeface="Calibri"/>
+            </a:endParaRPr>
+          </a:p>
+          <a:p>
+            <a:pPr>
+              <a:buFont typeface="Arial"/>
+              <a:buChar char="•"/>
+            </a:pPr>
+            <a:endParaRPr lang="en-US" sz="850" dirty="0">
+              <a:solidFill>
+                <a:srgbClr val="FFFFFF"/>
+              </a:solidFill>
+              <a:ea typeface="Calibri"/>
+              <a:cs typeface="Calibri"/>
+            </a:endParaRPr>
+          </a:p>
+          <a:p>
+            <a:pPr marL="0" indent="0">
+              <a:buNone/>
+            </a:pPr>
+            <a:r>
+              <a:rPr lang="en-US" sz="850" err="1">
+                <a:solidFill>
+                  <a:srgbClr val="FFFFFF"/>
+                </a:solidFill>
+                <a:ea typeface="Calibri"/>
+                <a:cs typeface="Calibri"/>
+              </a:rPr>
+              <a:t>Rizika</a:t>
+            </a:r>
+            <a:r>
+              <a:rPr lang="en-US" sz="850" dirty="0">
+                <a:solidFill>
+                  <a:srgbClr val="FFFFFF"/>
+                </a:solidFill>
+                <a:ea typeface="Calibri"/>
+                <a:cs typeface="Calibri"/>
+              </a:rPr>
+              <a:t>:</a:t>
+            </a:r>
+            <a:endParaRPr lang="en-US" sz="850" dirty="0">
+              <a:ea typeface="Calibri"/>
+              <a:cs typeface="Calibri"/>
+            </a:endParaRPr>
+          </a:p>
+          <a:p>
+            <a:r>
+              <a:rPr lang="en-US" sz="850" dirty="0">
+                <a:solidFill>
+                  <a:srgbClr val="FFFFFF"/>
+                </a:solidFill>
+                <a:ea typeface="Calibri"/>
+                <a:cs typeface="Calibri"/>
+              </a:rPr>
+              <a:t>[12] </a:t>
+            </a:r>
+            <a:r>
+              <a:rPr lang="en-US" sz="850" dirty="0">
+                <a:solidFill>
+                  <a:srgbClr val="FFFFFF"/>
+                </a:solidFill>
+              </a:rPr>
+              <a:t>51% Attack: Definition, Who Is At Risk, Example, and Cost</a:t>
+            </a:r>
+            <a:r>
+              <a:rPr lang="en-US" sz="850" dirty="0">
+                <a:solidFill>
+                  <a:srgbClr val="FFFFFF"/>
+                </a:solidFill>
+                <a:ea typeface="Calibri"/>
+                <a:cs typeface="Calibri"/>
+              </a:rPr>
+              <a:t>. Available from: </a:t>
+            </a:r>
+            <a:r>
+              <a:rPr lang="en-US" sz="850" dirty="0">
+                <a:solidFill>
+                  <a:srgbClr val="FFFFFF"/>
+                </a:solidFill>
+                <a:ea typeface="+mn-lt"/>
+                <a:cs typeface="+mn-lt"/>
+                <a:hlinkClick r:id="rId13"/>
+              </a:rPr>
+              <a:t>https://www.investopedia.com/terms/1/51-attack.asp</a:t>
+            </a:r>
+            <a:endParaRPr lang="en-US" sz="850">
+              <a:ea typeface="Calibri" panose="020F0502020204030204"/>
+              <a:cs typeface="Calibri" panose="020F0502020204030204"/>
+            </a:endParaRPr>
+          </a:p>
+          <a:p>
+            <a:pPr marL="0" indent="0">
+              <a:buNone/>
+            </a:pPr>
+            <a:endParaRPr lang="en-US" sz="850" dirty="0">
+              <a:solidFill>
+                <a:srgbClr val="FFFFFF"/>
+              </a:solidFill>
+              <a:ea typeface="Calibri"/>
+              <a:cs typeface="Calibri"/>
+            </a:endParaRPr>
+          </a:p>
+          <a:p>
+            <a:pPr marL="0" indent="0">
+              <a:buNone/>
+            </a:pPr>
+            <a:r>
+              <a:rPr lang="en-US" sz="850" err="1">
+                <a:solidFill>
+                  <a:srgbClr val="FFFFFF"/>
+                </a:solidFill>
+                <a:ea typeface="Calibri"/>
+                <a:cs typeface="Calibri"/>
+              </a:rPr>
+              <a:t>Využití</a:t>
+            </a:r>
+            <a:r>
+              <a:rPr lang="en-US" sz="850" dirty="0">
+                <a:solidFill>
+                  <a:srgbClr val="FFFFFF"/>
+                </a:solidFill>
+                <a:ea typeface="Calibri"/>
+                <a:cs typeface="Calibri"/>
+              </a:rPr>
+              <a:t>:</a:t>
+            </a:r>
+            <a:endParaRPr lang="en-US" sz="850" dirty="0">
+              <a:ea typeface="Calibri"/>
+              <a:cs typeface="Calibri"/>
+            </a:endParaRPr>
+          </a:p>
+          <a:p>
+            <a:pPr>
+              <a:lnSpc>
+                <a:spcPct val="70000"/>
+              </a:lnSpc>
+            </a:pPr>
+            <a:r>
+              <a:rPr lang="en-US" sz="850" dirty="0">
+                <a:solidFill>
+                  <a:srgbClr val="FFFFFF"/>
+                </a:solidFill>
+                <a:ea typeface="Calibri"/>
+                <a:cs typeface="Calibri"/>
+              </a:rPr>
+              <a:t>[13] </a:t>
+            </a:r>
+            <a:r>
+              <a:rPr lang="en-US" sz="850" dirty="0"/>
+              <a:t>What is blockchain used </a:t>
+            </a:r>
+            <a:r>
+              <a:rPr lang="en-US" sz="850" dirty="0">
+                <a:ea typeface="Calibri"/>
+                <a:cs typeface="Calibri"/>
+              </a:rPr>
+              <a:t>for?</a:t>
+            </a:r>
+            <a:r>
+              <a:rPr lang="en-US" sz="850" dirty="0">
+                <a:solidFill>
+                  <a:srgbClr val="FFFFFF"/>
+                </a:solidFill>
+                <a:ea typeface="Calibri"/>
+                <a:cs typeface="Calibri"/>
+              </a:rPr>
+              <a:t> Available from: </a:t>
+            </a:r>
+            <a:r>
+              <a:rPr lang="en-US" sz="850" dirty="0">
+                <a:solidFill>
+                  <a:srgbClr val="FFFFFF"/>
+                </a:solidFill>
+                <a:ea typeface="+mn-lt"/>
+                <a:cs typeface="+mn-lt"/>
+                <a:hlinkClick r:id="rId14"/>
+              </a:rPr>
+              <a:t>https://www.santander.com/en/stories/blockchain-used-for</a:t>
+            </a:r>
+            <a:endParaRPr lang="en-US" sz="850">
+              <a:ea typeface="Calibri" panose="020F0502020204030204"/>
+              <a:cs typeface="Calibri" panose="020F0502020204030204"/>
+            </a:endParaRPr>
+          </a:p>
+          <a:p>
+            <a:pPr marL="0" indent="0">
+              <a:lnSpc>
+                <a:spcPct val="70000"/>
+              </a:lnSpc>
+              <a:buNone/>
+            </a:pPr>
+            <a:endParaRPr lang="en-US" sz="850" dirty="0">
+              <a:solidFill>
+                <a:srgbClr val="FFFFFF"/>
+              </a:solidFill>
+              <a:ea typeface="Calibri"/>
+              <a:cs typeface="Calibri"/>
+            </a:endParaRPr>
+          </a:p>
+          <a:p>
+            <a:pPr marL="0" indent="0">
+              <a:buNone/>
+            </a:pPr>
+            <a:r>
+              <a:rPr lang="en-US" sz="850" err="1">
+                <a:solidFill>
+                  <a:srgbClr val="FFFFFF"/>
+                </a:solidFill>
+                <a:ea typeface="Calibri"/>
+                <a:cs typeface="Calibri"/>
+              </a:rPr>
+              <a:t>Kryptoměny</a:t>
+            </a:r>
+            <a:r>
+              <a:rPr lang="en-US" sz="850" dirty="0">
+                <a:solidFill>
+                  <a:srgbClr val="FFFFFF"/>
+                </a:solidFill>
+                <a:ea typeface="Calibri"/>
+                <a:cs typeface="Calibri"/>
+              </a:rPr>
+              <a:t>:</a:t>
+            </a:r>
+          </a:p>
+          <a:p>
+            <a:r>
+              <a:rPr lang="en-US" sz="850" dirty="0">
+                <a:solidFill>
+                  <a:srgbClr val="FFFFFF"/>
+                </a:solidFill>
+                <a:ea typeface="Calibri"/>
+                <a:cs typeface="Calibri"/>
+              </a:rPr>
+              <a:t>[14] </a:t>
+            </a:r>
+            <a:r>
+              <a:rPr lang="en-US" sz="850" err="1"/>
+              <a:t>Přemýšleli</a:t>
+            </a:r>
+            <a:r>
+              <a:rPr lang="en-US" sz="850" dirty="0"/>
+              <a:t> </a:t>
+            </a:r>
+            <a:r>
+              <a:rPr lang="en-US" sz="850" err="1"/>
+              <a:t>jste</a:t>
+            </a:r>
+            <a:r>
+              <a:rPr lang="en-US" sz="850" dirty="0"/>
+              <a:t> </a:t>
+            </a:r>
+            <a:r>
+              <a:rPr lang="en-US" sz="850" err="1"/>
+              <a:t>někdy</a:t>
+            </a:r>
+            <a:r>
+              <a:rPr lang="en-US" sz="850" dirty="0"/>
+              <a:t>, jak </a:t>
+            </a:r>
+            <a:r>
+              <a:rPr lang="en-US" sz="850" err="1"/>
+              <a:t>funguje</a:t>
+            </a:r>
+            <a:r>
+              <a:rPr lang="en-US" sz="850" dirty="0"/>
+              <a:t> Bitcoin (a </a:t>
+            </a:r>
+            <a:r>
+              <a:rPr lang="en-US" sz="850" err="1"/>
+              <a:t>další</a:t>
+            </a:r>
+            <a:r>
+              <a:rPr lang="en-US" sz="850" dirty="0"/>
+              <a:t> </a:t>
+            </a:r>
+            <a:r>
+              <a:rPr lang="en-US" sz="850" err="1"/>
+              <a:t>kryptoměny</a:t>
+            </a:r>
+            <a:r>
+              <a:rPr lang="en-US" sz="850" dirty="0"/>
+              <a:t>)?</a:t>
+            </a:r>
+            <a:r>
+              <a:rPr lang="en-US" sz="850" dirty="0">
+                <a:solidFill>
+                  <a:srgbClr val="FFFFFF"/>
+                </a:solidFill>
+                <a:ea typeface="Calibri"/>
+                <a:cs typeface="Calibri"/>
+              </a:rPr>
+              <a:t> Available from: </a:t>
+            </a:r>
+            <a:r>
+              <a:rPr lang="en-US" sz="850" dirty="0">
+                <a:solidFill>
+                  <a:srgbClr val="FFFFFF"/>
+                </a:solidFill>
+                <a:ea typeface="+mn-lt"/>
+                <a:cs typeface="+mn-lt"/>
+                <a:hlinkClick r:id="rId15"/>
+              </a:rPr>
+              <a:t>https://www.youtube.com/watch?v=bBC-nXj3Ng4</a:t>
+            </a:r>
+            <a:endParaRPr lang="en-US" sz="850">
+              <a:ea typeface="Calibri" panose="020F0502020204030204"/>
+              <a:cs typeface="Calibri" panose="020F0502020204030204"/>
+            </a:endParaRPr>
+          </a:p>
+          <a:p>
+            <a:endParaRPr lang="en-US" sz="800" dirty="0">
+              <a:solidFill>
+                <a:srgbClr val="FFFFFF"/>
+              </a:solidFill>
+              <a:ea typeface="Calibri"/>
+              <a:cs typeface="Calibri"/>
+            </a:endParaRPr>
+          </a:p>
+          <a:p>
+            <a:pPr marL="0" indent="0">
+              <a:buNone/>
+            </a:pPr>
+            <a:endParaRPr lang="en-US" dirty="0">
+              <a:solidFill>
+                <a:srgbClr val="FFFFFF"/>
+              </a:solidFill>
+              <a:ea typeface="Calibri"/>
+              <a:cs typeface="Calibri"/>
+            </a:endParaRPr>
+          </a:p>
+          <a:p>
+            <a:endParaRPr lang="en-US" sz="800" dirty="0">
+              <a:solidFill>
+                <a:srgbClr val="FFFFFF"/>
+              </a:solidFill>
+              <a:ea typeface="Calibri"/>
+              <a:cs typeface="Calibri"/>
+            </a:endParaRPr>
+          </a:p>
+          <a:p>
+            <a:endParaRPr lang="en-US" sz="800" dirty="0">
+              <a:solidFill>
+                <a:srgbClr val="FFFFFF"/>
+              </a:solidFill>
+              <a:ea typeface="Calibri"/>
+              <a:cs typeface="Calibri"/>
+            </a:endParaRPr>
+          </a:p>
+          <a:p>
+            <a:endParaRPr lang="en-US" sz="800" dirty="0">
+              <a:solidFill>
+                <a:srgbClr val="FFFFFF"/>
+              </a:solidFill>
+              <a:ea typeface="Calibri"/>
+              <a:cs typeface="Calibri"/>
+            </a:endParaRPr>
+          </a:p>
+          <a:p>
+            <a:endParaRPr lang="en-US" sz="800" u="sng" dirty="0">
+              <a:solidFill>
+                <a:srgbClr val="0563C1"/>
+              </a:solidFill>
+              <a:ea typeface="Calibri"/>
+              <a:cs typeface="Calibri"/>
+            </a:endParaRPr>
+          </a:p>
+          <a:p>
+            <a:endParaRPr lang="en-US" sz="800" dirty="0">
+              <a:ea typeface="Calibri"/>
+              <a:cs typeface="Calibri"/>
+            </a:endParaRPr>
+          </a:p>
+          <a:p>
+            <a:endParaRPr lang="en-US" dirty="0">
+              <a:ea typeface="Calibri"/>
+              <a:cs typeface="Calibri"/>
+            </a:endParaRPr>
+          </a:p>
+        </p:txBody>
+      </p:sp>
+      <p:sp>
+        <p:nvSpPr>
+          <p:cNvPr id="4" name="Footer Placeholder 3">
+            <a:extLst>
+              <a:ext uri="{FF2B5EF4-FFF2-40B4-BE49-F238E27FC236}">
+                <a16:creationId xmlns:a16="http://schemas.microsoft.com/office/drawing/2014/main" id="{62C43D36-8600-5AC8-4EBB-B520B501A0BA}"/>
+              </a:ext>
+            </a:extLst>
+          </p:cNvPr>
+          <p:cNvSpPr>
+            <a:spLocks noGrp="1"/>
+          </p:cNvSpPr>
+          <p:nvPr>
+            <p:ph type="ftr" sz="quarter" idx="11"/>
+          </p:nvPr>
+        </p:nvSpPr>
+        <p:spPr/>
+        <p:txBody>
+          <a:bodyPr/>
+          <a:lstStyle/>
+          <a:p>
+            <a:r>
+              <a:rPr lang="en-US"/>
+              <a:t>Pavel Olyšar 2.C</a:t>
+            </a:r>
+          </a:p>
+        </p:txBody>
+      </p:sp>
+      <p:sp>
+        <p:nvSpPr>
+          <p:cNvPr id="5" name="Slide Number Placeholder 4">
+            <a:extLst>
+              <a:ext uri="{FF2B5EF4-FFF2-40B4-BE49-F238E27FC236}">
+                <a16:creationId xmlns:a16="http://schemas.microsoft.com/office/drawing/2014/main" id="{D68437B4-111B-BC99-0134-99F997BC43ED}"/>
+              </a:ext>
+            </a:extLst>
+          </p:cNvPr>
+          <p:cNvSpPr>
+            <a:spLocks noGrp="1"/>
+          </p:cNvSpPr>
+          <p:nvPr>
+            <p:ph type="sldNum" sz="quarter" idx="12"/>
+          </p:nvPr>
+        </p:nvSpPr>
+        <p:spPr/>
+        <p:txBody>
+          <a:bodyPr/>
+          <a:lstStyle/>
+          <a:p>
+            <a:fld id="{330EA680-D336-4FF7-8B7A-9848BB0A1C32}" type="slidenum">
+              <a:rPr lang="en-US" smtClean="0"/>
+              <a:t>21</a:t>
+            </a:fld>
+            <a:endParaRPr lang="en-US"/>
+          </a:p>
+        </p:txBody>
+      </p:sp>
+    </p:spTree>
+    <p:extLst>
+      <p:ext uri="{BB962C8B-B14F-4D97-AF65-F5344CB8AC3E}">
+        <p14:creationId xmlns:p14="http://schemas.microsoft.com/office/powerpoint/2010/main" val="2341257226"/>
+      </p:ext>
+    </p:extLst>
+  </p:cSld>
+  <p:clrMapOvr>
+    <a:masterClrMapping/>
+  </p:clrMapOvr>
+</p:sld>
+</file>
+
+<file path=ppt/slides/slide22.xml><?xml version="1.0" encoding="utf-8"?>
+<p:sld xmlns:a="http://schemas.openxmlformats.org/drawingml/2006/main" xmlns:r="http://schemas.openxmlformats.org/officeDocument/2006/relationships" xmlns:p="http://schemas.openxmlformats.org/presentationml/2006/main">
+  <p:cSld>
+    <p:spTree>
+      <p:nvGrpSpPr>
+        <p:cNvPr id="1" name=""/>
+        <p:cNvGrpSpPr/>
+        <p:nvPr/>
+      </p:nvGrpSpPr>
+      <p:grpSpPr>
+        <a:xfrm>
+          <a:off x="0" y="0"/>
+          <a:ext cx="0" cy="0"/>
+          <a:chOff x="0" y="0"/>
+          <a:chExt cx="0" cy="0"/>
+        </a:xfrm>
+      </p:grpSpPr>
+      <p:sp>
+        <p:nvSpPr>
           <p:cNvPr id="2" name="Title 1">
             <a:extLst>
               <a:ext uri="{FF2B5EF4-FFF2-40B4-BE49-F238E27FC236}">
@@ -9021,7 +11211,7 @@
           <a:p>
             <a:fld id="{330EA680-D336-4FF7-8B7A-9848BB0A1C32}" type="slidenum">
               <a:rPr lang="en-US" smtClean="0"/>
-              <a:t>15</a:t>
+              <a:t>22</a:t>
             </a:fld>
             <a:endParaRPr lang="en-US"/>
           </a:p>
@@ -9040,7 +11230,7 @@
 </p:sld>
 </file>
 
-<file path=ppt/slides/slide16.xml><?xml version="1.0" encoding="utf-8"?>
+<file path=ppt/slides/slide23.xml><?xml version="1.0" encoding="utf-8"?>
 <p:sld xmlns:a="http://schemas.openxmlformats.org/drawingml/2006/main" xmlns:r="http://schemas.openxmlformats.org/officeDocument/2006/relationships" xmlns:p="http://schemas.openxmlformats.org/presentationml/2006/main">
   <p:cSld>
     <p:bg>
@@ -9261,7 +11451,7 @@
                   <a:spcPts val="600"/>
                 </a:spcAft>
               </a:pPr>
-              <a:t>16</a:t>
+              <a:t>23</a:t>
             </a:fld>
             <a:endParaRPr lang="en-US"/>
           </a:p>
@@ -9282,7 +11472,7 @@
         <p:spPr>
           <a:xfrm>
             <a:off x="4754879" y="591344"/>
-            <a:ext cx="7038109" cy="4524315"/>
+            <a:ext cx="7038109" cy="7294305"/>
           </a:xfrm>
           <a:prstGeom prst="rect">
             <a:avLst/>
@@ -9438,6 +11628,101 @@
               <a:buFont typeface="Arial" panose="020B0604020202020204" pitchFamily="34" charset="0"/>
               <a:buChar char="•"/>
             </a:pPr>
+            <a:r>
+              <a:rPr lang="cs-CZ" sz="1200" dirty="0"/>
+              <a:t>Obr. 8. - </a:t>
+            </a:r>
+            <a:r>
+              <a:rPr lang="cs-CZ" sz="1200" dirty="0">
+                <a:hlinkClick r:id="rId10"/>
+              </a:rPr>
+              <a:t>https://t3.ftcdn.net/jpg/02/16/09/44/360_F_216094400_ei2J3zhzm5nBMbatE2lGW8aIjJc62hqW.jpg</a:t>
+            </a:r>
+            <a:endParaRPr lang="cs-CZ" sz="1200" dirty="0"/>
+          </a:p>
+          <a:p>
+            <a:pPr marL="285750" indent="-285750">
+              <a:buFont typeface="Arial" panose="020B0604020202020204" pitchFamily="34" charset="0"/>
+              <a:buChar char="•"/>
+            </a:pPr>
+            <a:r>
+              <a:rPr lang="cs-CZ" sz="1200" dirty="0"/>
+              <a:t>Obr. 9. - </a:t>
+            </a:r>
+            <a:r>
+              <a:rPr lang="cs-CZ" sz="1200" dirty="0">
+                <a:hlinkClick r:id="rId11"/>
+              </a:rPr>
+              <a:t>https://editor.analyticsvidhya.com/uploads/45830Webp.net-resizeimage.jpg</a:t>
+            </a:r>
+            <a:endParaRPr lang="cs-CZ" sz="1200" dirty="0"/>
+          </a:p>
+          <a:p>
+            <a:pPr marL="285750" indent="-285750">
+              <a:buFont typeface="Arial" panose="020B0604020202020204" pitchFamily="34" charset="0"/>
+              <a:buChar char="•"/>
+            </a:pPr>
+            <a:r>
+              <a:rPr lang="cs-CZ" sz="1200" dirty="0"/>
+              <a:t>Obr. 10. - </a:t>
+            </a:r>
+            <a:r>
+              <a:rPr lang="cs-CZ" sz="1200" dirty="0">
+                <a:hlinkClick r:id="rId12"/>
+              </a:rPr>
+              <a:t>https://storage.getblock.io/web/blog/twitter-covers/cover_image_8.png</a:t>
+            </a:r>
+            <a:endParaRPr lang="cs-CZ" sz="1200" dirty="0"/>
+          </a:p>
+          <a:p>
+            <a:pPr marL="285750" indent="-285750">
+              <a:buFont typeface="Arial" panose="020B0604020202020204" pitchFamily="34" charset="0"/>
+              <a:buChar char="•"/>
+            </a:pPr>
+            <a:r>
+              <a:rPr lang="cs-CZ" sz="1200" dirty="0"/>
+              <a:t>Obr. 11. - </a:t>
+            </a:r>
+            <a:r>
+              <a:rPr lang="cs-CZ" sz="1200" dirty="0">
+                <a:hlinkClick r:id="rId13"/>
+              </a:rPr>
+              <a:t>https://www.crypto-finance.com/wp-content/uploads/iStock-1215603381-scaled.jpg</a:t>
+            </a:r>
+            <a:endParaRPr lang="cs-CZ" sz="1200" dirty="0"/>
+          </a:p>
+          <a:p>
+            <a:pPr marL="285750" indent="-285750">
+              <a:buFont typeface="Arial" panose="020B0604020202020204" pitchFamily="34" charset="0"/>
+              <a:buChar char="•"/>
+            </a:pPr>
+            <a:r>
+              <a:rPr lang="cs-CZ" sz="1200" dirty="0"/>
+              <a:t>Obr. 12. - </a:t>
+            </a:r>
+            <a:r>
+              <a:rPr lang="cs-CZ" sz="1200" dirty="0">
+                <a:hlinkClick r:id="rId14"/>
+              </a:rPr>
+              <a:t>https://www.investopedia.com/thmb/pevv6dw9Hn-DK8L2tUmmyLXvcpw=/1500x0/filters:no_upscale():max_bytes(150000):strip_icc()/CryptoSpotlight-Recirc2-52a72e7b82124c83b1818c6f4fa14344.jpg</a:t>
+            </a:r>
+            <a:endParaRPr lang="cs-CZ" sz="1200" dirty="0"/>
+          </a:p>
+          <a:p>
+            <a:pPr marL="285750" indent="-285750">
+              <a:buFont typeface="Arial" panose="020B0604020202020204" pitchFamily="34" charset="0"/>
+              <a:buChar char="•"/>
+            </a:pPr>
+            <a:r>
+              <a:rPr lang="cs-CZ" sz="1200" dirty="0"/>
+              <a:t>Obr. 13. - </a:t>
+            </a:r>
+            <a:r>
+              <a:rPr lang="cs-CZ" sz="1200" dirty="0">
+                <a:hlinkClick r:id="rId15"/>
+              </a:rPr>
+              <a:t>https://www.techopedia.com/wp-content/uploads/2023/11/Ethereum_03.jpg</a:t>
+            </a:r>
             <a:endParaRPr lang="cs-CZ" sz="1200" dirty="0"/>
           </a:p>
           <a:p>
@@ -9459,7 +11744,49 @@
               <a:buFont typeface="Arial" panose="020B0604020202020204" pitchFamily="34" charset="0"/>
               <a:buChar char="•"/>
             </a:pPr>
-            <a:endParaRPr lang="cs-CZ" dirty="0"/>
+            <a:endParaRPr lang="cs-CZ" sz="1200" dirty="0"/>
+          </a:p>
+          <a:p>
+            <a:pPr marL="285750" indent="-285750">
+              <a:buFont typeface="Arial" panose="020B0604020202020204" pitchFamily="34" charset="0"/>
+              <a:buChar char="•"/>
+            </a:pPr>
+            <a:endParaRPr lang="cs-CZ" sz="1200" dirty="0"/>
+          </a:p>
+          <a:p>
+            <a:pPr marL="285750" indent="-285750">
+              <a:buFont typeface="Arial" panose="020B0604020202020204" pitchFamily="34" charset="0"/>
+              <a:buChar char="•"/>
+            </a:pPr>
+            <a:endParaRPr lang="cs-CZ" sz="1200" dirty="0"/>
+          </a:p>
+          <a:p>
+            <a:pPr marL="285750" indent="-285750">
+              <a:buFont typeface="Arial" panose="020B0604020202020204" pitchFamily="34" charset="0"/>
+              <a:buChar char="•"/>
+            </a:pPr>
+            <a:endParaRPr lang="cs-CZ" sz="1200" dirty="0"/>
+          </a:p>
+          <a:p>
+            <a:pPr marL="285750" indent="-285750">
+              <a:buFont typeface="Arial" panose="020B0604020202020204" pitchFamily="34" charset="0"/>
+              <a:buChar char="•"/>
+            </a:pPr>
+            <a:endParaRPr lang="cs-CZ" sz="1200" dirty="0"/>
+          </a:p>
+          <a:p>
+            <a:pPr marL="285750" indent="-285750">
+              <a:buFont typeface="Arial" panose="020B0604020202020204" pitchFamily="34" charset="0"/>
+              <a:buChar char="•"/>
+            </a:pPr>
+            <a:endParaRPr lang="cs-CZ" sz="1200" dirty="0"/>
+          </a:p>
+          <a:p>
+            <a:pPr marL="285750" indent="-285750">
+              <a:buFont typeface="Arial" panose="020B0604020202020204" pitchFamily="34" charset="0"/>
+              <a:buChar char="•"/>
+            </a:pPr>
+            <a:endParaRPr lang="cs-CZ" sz="1200" dirty="0"/>
           </a:p>
           <a:p>
             <a:pPr marL="285750" indent="-285750">
@@ -9482,149 +11809,19 @@
             </a:pPr>
             <a:endParaRPr lang="cs-CZ" dirty="0"/>
           </a:p>
+          <a:p>
+            <a:pPr marL="285750" indent="-285750">
+              <a:buFont typeface="Arial" panose="020B0604020202020204" pitchFamily="34" charset="0"/>
+              <a:buChar char="•"/>
+            </a:pPr>
+            <a:endParaRPr lang="cs-CZ" dirty="0"/>
+          </a:p>
         </p:txBody>
       </p:sp>
     </p:spTree>
     <p:extLst>
       <p:ext uri="{BB962C8B-B14F-4D97-AF65-F5344CB8AC3E}">
         <p14:creationId xmlns:p14="http://schemas.microsoft.com/office/powerpoint/2010/main" val="3257961576"/>
-      </p:ext>
-    </p:extLst>
-  </p:cSld>
-  <p:clrMapOvr>
-    <a:masterClrMapping/>
-  </p:clrMapOvr>
-</p:sld>
-</file>
-
-<file path=ppt/slides/slide2.xml><?xml version="1.0" encoding="utf-8"?>
-<p:sld xmlns:a="http://schemas.openxmlformats.org/drawingml/2006/main" xmlns:r="http://schemas.openxmlformats.org/officeDocument/2006/relationships" xmlns:p="http://schemas.openxmlformats.org/presentationml/2006/main">
-  <p:cSld>
-    <p:bg>
-      <p:bgPr>
-        <a:solidFill>
-          <a:schemeClr val="bg1"/>
-        </a:solidFill>
-        <a:effectLst/>
-      </p:bgPr>
-    </p:bg>
-    <p:spTree>
-      <p:nvGrpSpPr>
-        <p:cNvPr id="1" name=""/>
-        <p:cNvGrpSpPr/>
-        <p:nvPr/>
-      </p:nvGrpSpPr>
-      <p:grpSpPr>
-        <a:xfrm>
-          <a:off x="0" y="0"/>
-          <a:ext cx="0" cy="0"/>
-          <a:chOff x="0" y="0"/>
-          <a:chExt cx="0" cy="0"/>
-        </a:xfrm>
-      </p:grpSpPr>
-      <p:sp>
-        <p:nvSpPr>
-          <p:cNvPr id="2" name="Title 1"/>
-          <p:cNvSpPr>
-            <a:spLocks noGrp="1"/>
-          </p:cNvSpPr>
-          <p:nvPr>
-            <p:ph type="ctrTitle"/>
-          </p:nvPr>
-        </p:nvSpPr>
-        <p:spPr/>
-        <p:txBody>
-          <a:bodyPr/>
-          <a:lstStyle/>
-          <a:p>
-            <a:r>
-              <a:rPr lang="en-US" dirty="0">
-                <a:cs typeface="Calibri Light"/>
-              </a:rPr>
-              <a:t>Blockchain a kryptoměny</a:t>
-            </a:r>
-            <a:endParaRPr lang="en-US" dirty="0"/>
-          </a:p>
-        </p:txBody>
-      </p:sp>
-      <p:sp>
-        <p:nvSpPr>
-          <p:cNvPr id="3" name="Subtitle 2"/>
-          <p:cNvSpPr>
-            <a:spLocks noGrp="1"/>
-          </p:cNvSpPr>
-          <p:nvPr>
-            <p:ph type="subTitle" idx="1"/>
-          </p:nvPr>
-        </p:nvSpPr>
-        <p:spPr/>
-        <p:txBody>
-          <a:bodyPr vert="horz" lIns="91440" tIns="45720" rIns="91440" bIns="45720" rtlCol="0" anchor="t">
-            <a:normAutofit/>
-          </a:bodyPr>
-          <a:lstStyle/>
-          <a:p>
-            <a:r>
-              <a:rPr lang="en-US" dirty="0">
-                <a:cs typeface="Calibri"/>
-              </a:rPr>
-              <a:t>Pavel Olyšar 2.C</a:t>
-            </a:r>
-            <a:endParaRPr lang="en-US" dirty="0"/>
-          </a:p>
-        </p:txBody>
-      </p:sp>
-      <p:pic>
-        <p:nvPicPr>
-          <p:cNvPr id="3074" name="Picture 2" descr="Blockchain is useful for a lot more than just Bitcoin">
-            <a:extLst>
-              <a:ext uri="{FF2B5EF4-FFF2-40B4-BE49-F238E27FC236}">
-                <a16:creationId xmlns:a16="http://schemas.microsoft.com/office/drawing/2014/main" id="{AF48BA92-D78D-D7EF-318F-69E49C3A8347}"/>
-              </a:ext>
-            </a:extLst>
-          </p:cNvPr>
-          <p:cNvPicPr>
-            <a:picLocks noChangeAspect="1" noChangeArrowheads="1"/>
-          </p:cNvPicPr>
-          <p:nvPr/>
-        </p:nvPicPr>
-        <p:blipFill>
-          <a:blip r:embed="rId3" cstate="print">
-            <a:extLst>
-              <a:ext uri="{28A0092B-C50C-407E-A947-70E740481C1C}">
-                <a14:useLocalDpi xmlns:a14="http://schemas.microsoft.com/office/drawing/2010/main" val="0"/>
-              </a:ext>
-            </a:extLst>
-          </a:blip>
-          <a:srcRect/>
-          <a:stretch>
-            <a:fillRect/>
-          </a:stretch>
-        </p:blipFill>
-        <p:spPr bwMode="auto">
-          <a:xfrm>
-            <a:off x="6882937" y="198235"/>
-            <a:ext cx="4982095" cy="2454071"/>
-          </a:xfrm>
-          <a:prstGeom prst="rect">
-            <a:avLst/>
-          </a:prstGeom>
-          <a:noFill/>
-          <a:extLst>
-            <a:ext uri="{909E8E84-426E-40DD-AFC4-6F175D3DCCD1}">
-              <a14:hiddenFill xmlns:a14="http://schemas.microsoft.com/office/drawing/2010/main">
-                <a:solidFill>
-                  <a:srgbClr val="FFFFFF"/>
-                </a:solidFill>
-              </a14:hiddenFill>
-            </a:ext>
-          </a:extLst>
-        </p:spPr>
-      </p:pic>
-    </p:spTree>
-    <p:extLst>
-      <p:ext uri="{BB962C8B-B14F-4D97-AF65-F5344CB8AC3E}">
-        <p14:creationId xmlns:p14="http://schemas.microsoft.com/office/powerpoint/2010/main" val="109857222"/>
       </p:ext>
     </p:extLst>
   </p:cSld>
@@ -9656,237 +11853,6 @@
           <p:cNvPr id="2" name="Nadpis 1">
             <a:extLst>
               <a:ext uri="{FF2B5EF4-FFF2-40B4-BE49-F238E27FC236}">
-                <a16:creationId xmlns:a16="http://schemas.microsoft.com/office/drawing/2014/main" id="{BC6C27A5-A41C-0653-B3A3-9C801535052A}"/>
-              </a:ext>
-            </a:extLst>
-          </p:cNvPr>
-          <p:cNvSpPr>
-            <a:spLocks noGrp="1"/>
-          </p:cNvSpPr>
-          <p:nvPr>
-            <p:ph type="title"/>
-          </p:nvPr>
-        </p:nvSpPr>
-        <p:spPr/>
-        <p:txBody>
-          <a:bodyPr/>
-          <a:lstStyle/>
-          <a:p>
-            <a:r>
-              <a:rPr lang="cs-CZ" dirty="0"/>
-              <a:t>Obsah:</a:t>
-            </a:r>
-          </a:p>
-        </p:txBody>
-      </p:sp>
-      <p:sp>
-        <p:nvSpPr>
-          <p:cNvPr id="4" name="Zástupný symbol pro zápatí 3">
-            <a:extLst>
-              <a:ext uri="{FF2B5EF4-FFF2-40B4-BE49-F238E27FC236}">
-                <a16:creationId xmlns:a16="http://schemas.microsoft.com/office/drawing/2014/main" id="{4C88F81D-9691-ECD9-64AB-4719567D88CC}"/>
-              </a:ext>
-            </a:extLst>
-          </p:cNvPr>
-          <p:cNvSpPr>
-            <a:spLocks noGrp="1"/>
-          </p:cNvSpPr>
-          <p:nvPr>
-            <p:ph type="ftr" sz="quarter" idx="11"/>
-          </p:nvPr>
-        </p:nvSpPr>
-        <p:spPr/>
-        <p:txBody>
-          <a:bodyPr/>
-          <a:lstStyle/>
-          <a:p>
-            <a:r>
-              <a:rPr lang="en-US"/>
-              <a:t>Pavel Olyšar 2.C</a:t>
-            </a:r>
-          </a:p>
-        </p:txBody>
-      </p:sp>
-      <p:sp>
-        <p:nvSpPr>
-          <p:cNvPr id="5" name="Zástupný symbol pro číslo snímku 4">
-            <a:extLst>
-              <a:ext uri="{FF2B5EF4-FFF2-40B4-BE49-F238E27FC236}">
-                <a16:creationId xmlns:a16="http://schemas.microsoft.com/office/drawing/2014/main" id="{02E63AAE-EA55-26FB-E69D-99BDA2C7CC5C}"/>
-              </a:ext>
-            </a:extLst>
-          </p:cNvPr>
-          <p:cNvSpPr>
-            <a:spLocks noGrp="1"/>
-          </p:cNvSpPr>
-          <p:nvPr>
-            <p:ph type="sldNum" sz="quarter" idx="12"/>
-          </p:nvPr>
-        </p:nvSpPr>
-        <p:spPr/>
-        <p:txBody>
-          <a:bodyPr/>
-          <a:lstStyle/>
-          <a:p>
-            <a:fld id="{330EA680-D336-4FF7-8B7A-9848BB0A1C32}" type="slidenum">
-              <a:rPr lang="en-US" smtClean="0"/>
-              <a:t>3</a:t>
-            </a:fld>
-            <a:endParaRPr lang="en-US"/>
-          </a:p>
-        </p:txBody>
-      </p:sp>
-      <p:sp>
-        <p:nvSpPr>
-          <p:cNvPr id="3" name="TextovéPole 2">
-            <a:extLst>
-              <a:ext uri="{FF2B5EF4-FFF2-40B4-BE49-F238E27FC236}">
-                <a16:creationId xmlns:a16="http://schemas.microsoft.com/office/drawing/2014/main" id="{A7ACE1C9-B949-F765-5C7A-C9F5EF1002B9}"/>
-              </a:ext>
-            </a:extLst>
-          </p:cNvPr>
-          <p:cNvSpPr txBox="1"/>
-          <p:nvPr/>
-        </p:nvSpPr>
-        <p:spPr>
-          <a:xfrm>
-            <a:off x="958409" y="1955935"/>
-            <a:ext cx="9857916" cy="2585323"/>
-          </a:xfrm>
-          <a:prstGeom prst="rect">
-            <a:avLst/>
-          </a:prstGeom>
-          <a:noFill/>
-        </p:spPr>
-        <p:txBody>
-          <a:bodyPr wrap="square" rtlCol="0">
-            <a:spAutoFit/>
-          </a:bodyPr>
-          <a:lstStyle/>
-          <a:p>
-            <a:pPr marL="285750" indent="-285750">
-              <a:buFont typeface="Arial" panose="020B0604020202020204" pitchFamily="34" charset="0"/>
-              <a:buChar char="•"/>
-            </a:pPr>
-            <a:r>
-              <a:rPr lang="cs-CZ" dirty="0"/>
-              <a:t>Co je to blockchain?</a:t>
-            </a:r>
-          </a:p>
-          <a:p>
-            <a:pPr marL="285750" indent="-285750">
-              <a:buFont typeface="Arial" panose="020B0604020202020204" pitchFamily="34" charset="0"/>
-              <a:buChar char="•"/>
-            </a:pPr>
-            <a:r>
-              <a:rPr lang="cs-CZ" dirty="0"/>
-              <a:t>Jak blockchain funguje?</a:t>
-            </a:r>
-          </a:p>
-          <a:p>
-            <a:pPr marL="285750" indent="-285750">
-              <a:buFont typeface="Arial" panose="020B0604020202020204" pitchFamily="34" charset="0"/>
-              <a:buChar char="•"/>
-            </a:pPr>
-            <a:r>
-              <a:rPr lang="cs-CZ" dirty="0"/>
-              <a:t>Jak vypadají jednotlivé bloky a celý blockchain?</a:t>
-            </a:r>
-          </a:p>
-          <a:p>
-            <a:pPr marL="285750" indent="-285750">
-              <a:buFont typeface="Arial" panose="020B0604020202020204" pitchFamily="34" charset="0"/>
-              <a:buChar char="•"/>
-            </a:pPr>
-            <a:r>
-              <a:rPr lang="cs-CZ" dirty="0"/>
-              <a:t>Konsenzus</a:t>
-            </a:r>
-          </a:p>
-          <a:p>
-            <a:pPr marL="285750" indent="-285750">
-              <a:buFont typeface="Arial" panose="020B0604020202020204" pitchFamily="34" charset="0"/>
-              <a:buChar char="•"/>
-            </a:pPr>
-            <a:r>
-              <a:rPr lang="cs-CZ" dirty="0"/>
-              <a:t>Využití blockchainu</a:t>
-            </a:r>
-          </a:p>
-          <a:p>
-            <a:pPr marL="285750" indent="-285750">
-              <a:buFont typeface="Arial" panose="020B0604020202020204" pitchFamily="34" charset="0"/>
-              <a:buChar char="•"/>
-            </a:pPr>
-            <a:r>
-              <a:rPr lang="cs-CZ" dirty="0"/>
-              <a:t>Kryptoměny</a:t>
-            </a:r>
-          </a:p>
-          <a:p>
-            <a:pPr marL="285750" indent="-285750">
-              <a:buFont typeface="Arial" panose="020B0604020202020204" pitchFamily="34" charset="0"/>
-              <a:buChar char="•"/>
-            </a:pPr>
-            <a:r>
-              <a:rPr lang="cs-CZ" dirty="0"/>
-              <a:t>Shrnutí</a:t>
-            </a:r>
-          </a:p>
-          <a:p>
-            <a:pPr marL="285750" indent="-285750">
-              <a:buFont typeface="Arial" panose="020B0604020202020204" pitchFamily="34" charset="0"/>
-              <a:buChar char="•"/>
-            </a:pPr>
-            <a:r>
-              <a:rPr lang="cs-CZ" dirty="0"/>
-              <a:t>Ukázka mého projektu</a:t>
-            </a:r>
-          </a:p>
-          <a:p>
-            <a:pPr marL="285750" indent="-285750">
-              <a:buFont typeface="Arial" panose="020B0604020202020204" pitchFamily="34" charset="0"/>
-              <a:buChar char="•"/>
-            </a:pPr>
-            <a:endParaRPr lang="cs-CZ" dirty="0"/>
-          </a:p>
-        </p:txBody>
-      </p:sp>
-    </p:spTree>
-    <p:extLst>
-      <p:ext uri="{BB962C8B-B14F-4D97-AF65-F5344CB8AC3E}">
-        <p14:creationId xmlns:p14="http://schemas.microsoft.com/office/powerpoint/2010/main" val="298577922"/>
-      </p:ext>
-    </p:extLst>
-  </p:cSld>
-  <p:clrMapOvr>
-    <a:masterClrMapping/>
-  </p:clrMapOvr>
-</p:sld>
-</file>
-
-<file path=ppt/slides/slide4.xml><?xml version="1.0" encoding="utf-8"?>
-<p:sld xmlns:a="http://schemas.openxmlformats.org/drawingml/2006/main" xmlns:r="http://schemas.openxmlformats.org/officeDocument/2006/relationships" xmlns:p="http://schemas.openxmlformats.org/presentationml/2006/main">
-  <p:cSld>
-    <p:spTree>
-      <p:nvGrpSpPr>
-        <p:cNvPr id="1" name=""/>
-        <p:cNvGrpSpPr/>
-        <p:nvPr/>
-      </p:nvGrpSpPr>
-      <p:grpSpPr>
-        <a:xfrm>
-          <a:off x="0" y="0"/>
-          <a:ext cx="0" cy="0"/>
-          <a:chOff x="0" y="0"/>
-          <a:chExt cx="0" cy="0"/>
-        </a:xfrm>
-      </p:grpSpPr>
-      <p:sp>
-        <p:nvSpPr>
-          <p:cNvPr id="2" name="Nadpis 1">
-            <a:extLst>
-              <a:ext uri="{FF2B5EF4-FFF2-40B4-BE49-F238E27FC236}">
                 <a16:creationId xmlns:a16="http://schemas.microsoft.com/office/drawing/2014/main" id="{E1559173-7DE5-F78A-BC2C-F5B7BF2B58C1}"/>
               </a:ext>
             </a:extLst>
@@ -10016,7 +11982,7 @@
           <a:p>
             <a:fld id="{330EA680-D336-4FF7-8B7A-9848BB0A1C32}" type="slidenum">
               <a:rPr lang="en-US" smtClean="0"/>
-              <a:t>4</a:t>
+              <a:t>3</a:t>
             </a:fld>
             <a:endParaRPr lang="en-US"/>
           </a:p>
@@ -10117,7 +12083,7 @@
 </p:sld>
 </file>
 
-<file path=ppt/slides/slide5.xml><?xml version="1.0" encoding="utf-8"?>
+<file path=ppt/slides/slide4.xml><?xml version="1.0" encoding="utf-8"?>
 <p:sld xmlns:a="http://schemas.openxmlformats.org/drawingml/2006/main" xmlns:r="http://schemas.openxmlformats.org/officeDocument/2006/relationships" xmlns:p="http://schemas.openxmlformats.org/presentationml/2006/main">
   <p:cSld>
     <p:spTree>
@@ -10261,7 +12227,7 @@
           <a:p>
             <a:fld id="{330EA680-D336-4FF7-8B7A-9848BB0A1C32}" type="slidenum">
               <a:rPr lang="en-US" smtClean="0"/>
-              <a:t>5</a:t>
+              <a:t>4</a:t>
             </a:fld>
             <a:endParaRPr lang="en-US"/>
           </a:p>
@@ -10362,6 +12328,189 @@
 </p:sld>
 </file>
 
+<file path=ppt/slides/slide5.xml><?xml version="1.0" encoding="utf-8"?>
+<p:sld xmlns:a="http://schemas.openxmlformats.org/drawingml/2006/main" xmlns:r="http://schemas.openxmlformats.org/officeDocument/2006/relationships" xmlns:p="http://schemas.openxmlformats.org/presentationml/2006/main">
+  <p:cSld>
+    <p:spTree>
+      <p:nvGrpSpPr>
+        <p:cNvPr id="1" name=""/>
+        <p:cNvGrpSpPr/>
+        <p:nvPr/>
+      </p:nvGrpSpPr>
+      <p:grpSpPr>
+        <a:xfrm>
+          <a:off x="0" y="0"/>
+          <a:ext cx="0" cy="0"/>
+          <a:chOff x="0" y="0"/>
+          <a:chExt cx="0" cy="0"/>
+        </a:xfrm>
+      </p:grpSpPr>
+      <p:sp>
+        <p:nvSpPr>
+          <p:cNvPr id="2" name="Nadpis 1">
+            <a:extLst>
+              <a:ext uri="{FF2B5EF4-FFF2-40B4-BE49-F238E27FC236}">
+                <a16:creationId xmlns:a16="http://schemas.microsoft.com/office/drawing/2014/main" id="{FB5B6854-C66E-569D-5D26-92245964EA45}"/>
+              </a:ext>
+            </a:extLst>
+          </p:cNvPr>
+          <p:cNvSpPr>
+            <a:spLocks noGrp="1"/>
+          </p:cNvSpPr>
+          <p:nvPr>
+            <p:ph type="title"/>
+          </p:nvPr>
+        </p:nvSpPr>
+        <p:spPr/>
+        <p:txBody>
+          <a:bodyPr/>
+          <a:lstStyle/>
+          <a:p>
+            <a:r>
+              <a:rPr lang="cs-CZ" dirty="0"/>
+              <a:t>Decentralizovaná</a:t>
+            </a:r>
+          </a:p>
+        </p:txBody>
+      </p:sp>
+      <p:sp>
+        <p:nvSpPr>
+          <p:cNvPr id="3" name="Zástupný obsah 2">
+            <a:extLst>
+              <a:ext uri="{FF2B5EF4-FFF2-40B4-BE49-F238E27FC236}">
+                <a16:creationId xmlns:a16="http://schemas.microsoft.com/office/drawing/2014/main" id="{C9924FDA-46E6-CC1D-1307-74ACAD501965}"/>
+              </a:ext>
+            </a:extLst>
+          </p:cNvPr>
+          <p:cNvSpPr>
+            <a:spLocks noGrp="1"/>
+          </p:cNvSpPr>
+          <p:nvPr>
+            <p:ph idx="1"/>
+          </p:nvPr>
+        </p:nvSpPr>
+        <p:spPr/>
+        <p:txBody>
+          <a:bodyPr/>
+          <a:lstStyle/>
+          <a:p>
+            <a:r>
+              <a:rPr lang="cs-CZ" b="0" i="0" dirty="0">
+                <a:solidFill>
+                  <a:srgbClr val="E6EDF3"/>
+                </a:solidFill>
+                <a:effectLst/>
+                <a:latin typeface="-apple-system"/>
+              </a:rPr>
+              <a:t>nikdo nekontroluje nebo vlastní celý blockchain</a:t>
+            </a:r>
+          </a:p>
+          <a:p>
+            <a:pPr marL="0" indent="0">
+              <a:buNone/>
+            </a:pPr>
+            <a:endParaRPr lang="cs-CZ" b="0" i="0" dirty="0">
+              <a:solidFill>
+                <a:srgbClr val="E6EDF3"/>
+              </a:solidFill>
+              <a:effectLst/>
+              <a:latin typeface="-apple-system"/>
+            </a:endParaRPr>
+          </a:p>
+          <a:p>
+            <a:r>
+              <a:rPr lang="cs-CZ" dirty="0">
+                <a:solidFill>
+                  <a:srgbClr val="E6EDF3"/>
+                </a:solidFill>
+                <a:latin typeface="-apple-system"/>
+              </a:rPr>
+              <a:t>b</a:t>
+            </a:r>
+            <a:r>
+              <a:rPr lang="cs-CZ" b="0" i="0" dirty="0">
+                <a:solidFill>
+                  <a:srgbClr val="E6EDF3"/>
+                </a:solidFill>
+                <a:effectLst/>
+                <a:latin typeface="-apple-system"/>
+              </a:rPr>
+              <a:t>lockchain - všichni jsou si rovni</a:t>
+            </a:r>
+            <a:endParaRPr lang="cs-CZ" dirty="0"/>
+          </a:p>
+        </p:txBody>
+      </p:sp>
+      <p:sp>
+        <p:nvSpPr>
+          <p:cNvPr id="4" name="Zástupný symbol pro zápatí 3">
+            <a:extLst>
+              <a:ext uri="{FF2B5EF4-FFF2-40B4-BE49-F238E27FC236}">
+                <a16:creationId xmlns:a16="http://schemas.microsoft.com/office/drawing/2014/main" id="{8D515651-DCB4-54E5-4EC7-995D5B979223}"/>
+              </a:ext>
+            </a:extLst>
+          </p:cNvPr>
+          <p:cNvSpPr>
+            <a:spLocks noGrp="1"/>
+          </p:cNvSpPr>
+          <p:nvPr>
+            <p:ph type="ftr" sz="quarter" idx="11"/>
+          </p:nvPr>
+        </p:nvSpPr>
+        <p:spPr/>
+        <p:txBody>
+          <a:bodyPr/>
+          <a:lstStyle/>
+          <a:p>
+            <a:r>
+              <a:rPr lang="en-US"/>
+              <a:t>Pavel Olyšar 2.C</a:t>
+            </a:r>
+          </a:p>
+        </p:txBody>
+      </p:sp>
+      <p:sp>
+        <p:nvSpPr>
+          <p:cNvPr id="5" name="Zástupný symbol pro číslo snímku 4">
+            <a:extLst>
+              <a:ext uri="{FF2B5EF4-FFF2-40B4-BE49-F238E27FC236}">
+                <a16:creationId xmlns:a16="http://schemas.microsoft.com/office/drawing/2014/main" id="{215815D8-528F-B2E6-ACBC-C5AC22B2C8ED}"/>
+              </a:ext>
+            </a:extLst>
+          </p:cNvPr>
+          <p:cNvSpPr>
+            <a:spLocks noGrp="1"/>
+          </p:cNvSpPr>
+          <p:nvPr>
+            <p:ph type="sldNum" sz="quarter" idx="12"/>
+          </p:nvPr>
+        </p:nvSpPr>
+        <p:spPr/>
+        <p:txBody>
+          <a:bodyPr/>
+          <a:lstStyle/>
+          <a:p>
+            <a:fld id="{330EA680-D336-4FF7-8B7A-9848BB0A1C32}" type="slidenum">
+              <a:rPr lang="en-US" smtClean="0"/>
+              <a:t>5</a:t>
+            </a:fld>
+            <a:endParaRPr lang="en-US"/>
+          </a:p>
+        </p:txBody>
+      </p:sp>
+    </p:spTree>
+    <p:extLst>
+      <p:ext uri="{BB962C8B-B14F-4D97-AF65-F5344CB8AC3E}">
+        <p14:creationId xmlns:p14="http://schemas.microsoft.com/office/powerpoint/2010/main" val="1189056070"/>
+      </p:ext>
+    </p:extLst>
+  </p:cSld>
+  <p:clrMapOvr>
+    <a:masterClrMapping/>
+  </p:clrMapOvr>
+</p:sld>
+</file>
+
 <file path=ppt/slides/slide6.xml><?xml version="1.0" encoding="utf-8"?>
 <p:sld xmlns:a="http://schemas.openxmlformats.org/drawingml/2006/main" xmlns:r="http://schemas.openxmlformats.org/officeDocument/2006/relationships" xmlns:p="http://schemas.openxmlformats.org/presentationml/2006/main">
   <p:cSld>
@@ -10384,7 +12533,7 @@
           <p:cNvPr id="2" name="Nadpis 1">
             <a:extLst>
               <a:ext uri="{FF2B5EF4-FFF2-40B4-BE49-F238E27FC236}">
-                <a16:creationId xmlns:a16="http://schemas.microsoft.com/office/drawing/2014/main" id="{FB5B6854-C66E-569D-5D26-92245964EA45}"/>
+                <a16:creationId xmlns:a16="http://schemas.microsoft.com/office/drawing/2014/main" id="{0423AC08-4435-C55E-3BE6-BA41992B41A6}"/>
               </a:ext>
             </a:extLst>
           </p:cNvPr>
@@ -10402,7 +12551,7 @@
           <a:p>
             <a:r>
               <a:rPr lang="cs-CZ" dirty="0"/>
-              <a:t>Decentralizovaná</a:t>
+              <a:t>Distribuovaná</a:t>
             </a:r>
           </a:p>
         </p:txBody>
@@ -10412,7 +12561,7 @@
           <p:cNvPr id="3" name="Zástupný obsah 2">
             <a:extLst>
               <a:ext uri="{FF2B5EF4-FFF2-40B4-BE49-F238E27FC236}">
-                <a16:creationId xmlns:a16="http://schemas.microsoft.com/office/drawing/2014/main" id="{C9924FDA-46E6-CC1D-1307-74ACAD501965}"/>
+                <a16:creationId xmlns:a16="http://schemas.microsoft.com/office/drawing/2014/main" id="{8F9C59E7-9ACB-01E9-8128-F73A19E04C69}"/>
               </a:ext>
             </a:extLst>
           </p:cNvPr>
@@ -10429,6 +12578,15 @@
           <a:lstStyle/>
           <a:p>
             <a:r>
+              <a:rPr lang="cs-CZ" dirty="0">
+                <a:solidFill>
+                  <a:srgbClr val="E6EDF3"/>
+                </a:solidFill>
+                <a:latin typeface="-apple-system"/>
+              </a:rPr>
+              <a:t>z</a:t>
+            </a:r>
+            <a:r>
               <a:rPr lang="cs-CZ" b="0" i="0" dirty="0">
                 <a:solidFill>
                   <a:srgbClr val="E6EDF3"/>
@@ -10436,7 +12594,7 @@
                 <a:effectLst/>
                 <a:latin typeface="-apple-system"/>
               </a:rPr>
-              <a:t>nikdo nekontroluje nebo vlastní celý blockchain</a:t>
+              <a:t>pracování úkolů je rozprostřeno mezi několik počítačů či uzlů</a:t>
             </a:r>
           </a:p>
           <a:p>
@@ -10459,7 +12617,7 @@
                 </a:solidFill>
                 <a:latin typeface="-apple-system"/>
               </a:rPr>
-              <a:t>b</a:t>
+              <a:t>blockchain - </a:t>
             </a:r>
             <a:r>
               <a:rPr lang="cs-CZ" b="0" i="0" dirty="0">
@@ -10469,7 +12627,7 @@
                 <a:effectLst/>
                 <a:latin typeface="-apple-system"/>
               </a:rPr>
-              <a:t>lockchain - všichni jsou si rovni</a:t>
+              <a:t>každý počítač v síti má vlastní kopii celého řetězce</a:t>
             </a:r>
             <a:endParaRPr lang="cs-CZ" dirty="0"/>
           </a:p>
@@ -10480,7 +12638,7 @@
           <p:cNvPr id="4" name="Zástupný symbol pro zápatí 3">
             <a:extLst>
               <a:ext uri="{FF2B5EF4-FFF2-40B4-BE49-F238E27FC236}">
-                <a16:creationId xmlns:a16="http://schemas.microsoft.com/office/drawing/2014/main" id="{8D515651-DCB4-54E5-4EC7-995D5B979223}"/>
+                <a16:creationId xmlns:a16="http://schemas.microsoft.com/office/drawing/2014/main" id="{3F3A0D00-3D5D-2BD3-E10D-97BD64A38661}"/>
               </a:ext>
             </a:extLst>
           </p:cNvPr>
@@ -10508,7 +12666,7 @@
           <p:cNvPr id="5" name="Zástupný symbol pro číslo snímku 4">
             <a:extLst>
               <a:ext uri="{FF2B5EF4-FFF2-40B4-BE49-F238E27FC236}">
-                <a16:creationId xmlns:a16="http://schemas.microsoft.com/office/drawing/2014/main" id="{215815D8-528F-B2E6-ACBC-C5AC22B2C8ED}"/>
+                <a16:creationId xmlns:a16="http://schemas.microsoft.com/office/drawing/2014/main" id="{57C7D956-3998-8107-CC43-193855B50F09}"/>
               </a:ext>
             </a:extLst>
           </p:cNvPr>
@@ -10535,7 +12693,7 @@
     </p:spTree>
     <p:extLst>
       <p:ext uri="{BB962C8B-B14F-4D97-AF65-F5344CB8AC3E}">
-        <p14:creationId xmlns:p14="http://schemas.microsoft.com/office/powerpoint/2010/main" val="1189056070"/>
+        <p14:creationId xmlns:p14="http://schemas.microsoft.com/office/powerpoint/2010/main" val="2862847144"/>
       </p:ext>
     </p:extLst>
   </p:cSld>
@@ -10564,198 +12722,6 @@
       </p:grpSpPr>
       <p:sp>
         <p:nvSpPr>
-          <p:cNvPr id="2" name="Nadpis 1">
-            <a:extLst>
-              <a:ext uri="{FF2B5EF4-FFF2-40B4-BE49-F238E27FC236}">
-                <a16:creationId xmlns:a16="http://schemas.microsoft.com/office/drawing/2014/main" id="{0423AC08-4435-C55E-3BE6-BA41992B41A6}"/>
-              </a:ext>
-            </a:extLst>
-          </p:cNvPr>
-          <p:cNvSpPr>
-            <a:spLocks noGrp="1"/>
-          </p:cNvSpPr>
-          <p:nvPr>
-            <p:ph type="title"/>
-          </p:nvPr>
-        </p:nvSpPr>
-        <p:spPr/>
-        <p:txBody>
-          <a:bodyPr/>
-          <a:lstStyle/>
-          <a:p>
-            <a:r>
-              <a:rPr lang="cs-CZ" dirty="0"/>
-              <a:t>Distribuovaná</a:t>
-            </a:r>
-          </a:p>
-        </p:txBody>
-      </p:sp>
-      <p:sp>
-        <p:nvSpPr>
-          <p:cNvPr id="3" name="Zástupný obsah 2">
-            <a:extLst>
-              <a:ext uri="{FF2B5EF4-FFF2-40B4-BE49-F238E27FC236}">
-                <a16:creationId xmlns:a16="http://schemas.microsoft.com/office/drawing/2014/main" id="{8F9C59E7-9ACB-01E9-8128-F73A19E04C69}"/>
-              </a:ext>
-            </a:extLst>
-          </p:cNvPr>
-          <p:cNvSpPr>
-            <a:spLocks noGrp="1"/>
-          </p:cNvSpPr>
-          <p:nvPr>
-            <p:ph idx="1"/>
-          </p:nvPr>
-        </p:nvSpPr>
-        <p:spPr/>
-        <p:txBody>
-          <a:bodyPr/>
-          <a:lstStyle/>
-          <a:p>
-            <a:r>
-              <a:rPr lang="cs-CZ" dirty="0">
-                <a:solidFill>
-                  <a:srgbClr val="E6EDF3"/>
-                </a:solidFill>
-                <a:latin typeface="-apple-system"/>
-              </a:rPr>
-              <a:t>z</a:t>
-            </a:r>
-            <a:r>
-              <a:rPr lang="cs-CZ" b="0" i="0" dirty="0">
-                <a:solidFill>
-                  <a:srgbClr val="E6EDF3"/>
-                </a:solidFill>
-                <a:effectLst/>
-                <a:latin typeface="-apple-system"/>
-              </a:rPr>
-              <a:t>pracování úkolů je rozprostřeno mezi několik počítačů či uzlů</a:t>
-            </a:r>
-          </a:p>
-          <a:p>
-            <a:pPr marL="0" indent="0">
-              <a:buNone/>
-            </a:pPr>
-            <a:endParaRPr lang="cs-CZ" b="0" i="0" dirty="0">
-              <a:solidFill>
-                <a:srgbClr val="E6EDF3"/>
-              </a:solidFill>
-              <a:effectLst/>
-              <a:latin typeface="-apple-system"/>
-            </a:endParaRPr>
-          </a:p>
-          <a:p>
-            <a:r>
-              <a:rPr lang="cs-CZ" dirty="0">
-                <a:solidFill>
-                  <a:srgbClr val="E6EDF3"/>
-                </a:solidFill>
-                <a:latin typeface="-apple-system"/>
-              </a:rPr>
-              <a:t>blockchain - </a:t>
-            </a:r>
-            <a:r>
-              <a:rPr lang="cs-CZ" b="0" i="0" dirty="0">
-                <a:solidFill>
-                  <a:srgbClr val="E6EDF3"/>
-                </a:solidFill>
-                <a:effectLst/>
-                <a:latin typeface="-apple-system"/>
-              </a:rPr>
-              <a:t>každý počítač v síti má vlastní kopii celého řetězce</a:t>
-            </a:r>
-            <a:endParaRPr lang="cs-CZ" dirty="0"/>
-          </a:p>
-        </p:txBody>
-      </p:sp>
-      <p:sp>
-        <p:nvSpPr>
-          <p:cNvPr id="4" name="Zástupný symbol pro zápatí 3">
-            <a:extLst>
-              <a:ext uri="{FF2B5EF4-FFF2-40B4-BE49-F238E27FC236}">
-                <a16:creationId xmlns:a16="http://schemas.microsoft.com/office/drawing/2014/main" id="{3F3A0D00-3D5D-2BD3-E10D-97BD64A38661}"/>
-              </a:ext>
-            </a:extLst>
-          </p:cNvPr>
-          <p:cNvSpPr>
-            <a:spLocks noGrp="1"/>
-          </p:cNvSpPr>
-          <p:nvPr>
-            <p:ph type="ftr" sz="quarter" idx="11"/>
-          </p:nvPr>
-        </p:nvSpPr>
-        <p:spPr/>
-        <p:txBody>
-          <a:bodyPr/>
-          <a:lstStyle/>
-          <a:p>
-            <a:r>
-              <a:rPr lang="en-US"/>
-              <a:t>Pavel Olyšar 2.C</a:t>
-            </a:r>
-          </a:p>
-        </p:txBody>
-      </p:sp>
-      <p:sp>
-        <p:nvSpPr>
-          <p:cNvPr id="5" name="Zástupný symbol pro číslo snímku 4">
-            <a:extLst>
-              <a:ext uri="{FF2B5EF4-FFF2-40B4-BE49-F238E27FC236}">
-                <a16:creationId xmlns:a16="http://schemas.microsoft.com/office/drawing/2014/main" id="{57C7D956-3998-8107-CC43-193855B50F09}"/>
-              </a:ext>
-            </a:extLst>
-          </p:cNvPr>
-          <p:cNvSpPr>
-            <a:spLocks noGrp="1"/>
-          </p:cNvSpPr>
-          <p:nvPr>
-            <p:ph type="sldNum" sz="quarter" idx="12"/>
-          </p:nvPr>
-        </p:nvSpPr>
-        <p:spPr/>
-        <p:txBody>
-          <a:bodyPr/>
-          <a:lstStyle/>
-          <a:p>
-            <a:fld id="{330EA680-D336-4FF7-8B7A-9848BB0A1C32}" type="slidenum">
-              <a:rPr lang="en-US" smtClean="0"/>
-              <a:t>7</a:t>
-            </a:fld>
-            <a:endParaRPr lang="en-US"/>
-          </a:p>
-        </p:txBody>
-      </p:sp>
-    </p:spTree>
-    <p:extLst>
-      <p:ext uri="{BB962C8B-B14F-4D97-AF65-F5344CB8AC3E}">
-        <p14:creationId xmlns:p14="http://schemas.microsoft.com/office/powerpoint/2010/main" val="2862847144"/>
-      </p:ext>
-    </p:extLst>
-  </p:cSld>
-  <p:clrMapOvr>
-    <a:masterClrMapping/>
-  </p:clrMapOvr>
-</p:sld>
-</file>
-
-<file path=ppt/slides/slide8.xml><?xml version="1.0" encoding="utf-8"?>
-<p:sld xmlns:a="http://schemas.openxmlformats.org/drawingml/2006/main" xmlns:r="http://schemas.openxmlformats.org/officeDocument/2006/relationships" xmlns:p="http://schemas.openxmlformats.org/presentationml/2006/main">
-  <p:cSld>
-    <p:spTree>
-      <p:nvGrpSpPr>
-        <p:cNvPr id="1" name=""/>
-        <p:cNvGrpSpPr/>
-        <p:nvPr/>
-      </p:nvGrpSpPr>
-      <p:grpSpPr>
-        <a:xfrm>
-          <a:off x="0" y="0"/>
-          <a:ext cx="0" cy="0"/>
-          <a:chOff x="0" y="0"/>
-          <a:chExt cx="0" cy="0"/>
-        </a:xfrm>
-      </p:grpSpPr>
-      <p:sp>
-        <p:nvSpPr>
           <p:cNvPr id="4" name="Zástupný symbol pro zápatí 3">
             <a:extLst>
               <a:ext uri="{FF2B5EF4-FFF2-40B4-BE49-F238E27FC236}">
@@ -10805,7 +12771,7 @@
           <a:p>
             <a:fld id="{330EA680-D336-4FF7-8B7A-9848BB0A1C32}" type="slidenum">
               <a:rPr lang="en-US" smtClean="0"/>
-              <a:t>8</a:t>
+              <a:t>7</a:t>
             </a:fld>
             <a:endParaRPr lang="en-US"/>
           </a:p>
@@ -10906,7 +12872,7 @@
 </p:sld>
 </file>
 
-<file path=ppt/slides/slide9.xml><?xml version="1.0" encoding="utf-8"?>
+<file path=ppt/slides/slide8.xml><?xml version="1.0" encoding="utf-8"?>
 <p:sld xmlns:a="http://schemas.openxmlformats.org/drawingml/2006/main" xmlns:r="http://schemas.openxmlformats.org/officeDocument/2006/relationships" xmlns:p="http://schemas.openxmlformats.org/presentationml/2006/main">
   <p:cSld>
     <p:spTree>
@@ -11116,7 +13082,7 @@
           <a:p>
             <a:fld id="{330EA680-D336-4FF7-8B7A-9848BB0A1C32}" type="slidenum">
               <a:rPr lang="en-US" smtClean="0"/>
-              <a:t>9</a:t>
+              <a:t>8</a:t>
             </a:fld>
             <a:endParaRPr lang="en-US"/>
           </a:p>
@@ -11191,6 +13157,221 @@
     <p:extLst>
       <p:ext uri="{BB962C8B-B14F-4D97-AF65-F5344CB8AC3E}">
         <p14:creationId xmlns:p14="http://schemas.microsoft.com/office/powerpoint/2010/main" val="4269140126"/>
+      </p:ext>
+    </p:extLst>
+  </p:cSld>
+  <p:clrMapOvr>
+    <a:masterClrMapping/>
+  </p:clrMapOvr>
+</p:sld>
+</file>
+
+<file path=ppt/slides/slide9.xml><?xml version="1.0" encoding="utf-8"?>
+<p:sld xmlns:a="http://schemas.openxmlformats.org/drawingml/2006/main" xmlns:r="http://schemas.openxmlformats.org/officeDocument/2006/relationships" xmlns:p="http://schemas.openxmlformats.org/presentationml/2006/main">
+  <p:cSld>
+    <p:spTree>
+      <p:nvGrpSpPr>
+        <p:cNvPr id="1" name=""/>
+        <p:cNvGrpSpPr/>
+        <p:nvPr/>
+      </p:nvGrpSpPr>
+      <p:grpSpPr>
+        <a:xfrm>
+          <a:off x="0" y="0"/>
+          <a:ext cx="0" cy="0"/>
+          <a:chOff x="0" y="0"/>
+          <a:chExt cx="0" cy="0"/>
+        </a:xfrm>
+      </p:grpSpPr>
+      <p:sp>
+        <p:nvSpPr>
+          <p:cNvPr id="2" name="Title 1">
+            <a:extLst>
+              <a:ext uri="{FF2B5EF4-FFF2-40B4-BE49-F238E27FC236}">
+                <a16:creationId xmlns:a16="http://schemas.microsoft.com/office/drawing/2014/main" id="{CFCF29C3-412C-1819-A4D5-40133CBAB972}"/>
+              </a:ext>
+            </a:extLst>
+          </p:cNvPr>
+          <p:cNvSpPr>
+            <a:spLocks noGrp="1"/>
+          </p:cNvSpPr>
+          <p:nvPr>
+            <p:ph type="title"/>
+          </p:nvPr>
+        </p:nvSpPr>
+        <p:spPr/>
+        <p:txBody>
+          <a:bodyPr/>
+          <a:lstStyle/>
+          <a:p>
+            <a:r>
+              <a:rPr lang="cs-CZ" dirty="0">
+                <a:ea typeface="Calibri Light"/>
+                <a:cs typeface="Calibri Light"/>
+              </a:rPr>
+              <a:t>Jak b</a:t>
+            </a:r>
+            <a:r>
+              <a:rPr lang="en-US" dirty="0" err="1">
+                <a:ea typeface="Calibri Light"/>
+                <a:cs typeface="Calibri Light"/>
+              </a:rPr>
+              <a:t>lockchain</a:t>
+            </a:r>
+            <a:r>
+              <a:rPr lang="cs-CZ" dirty="0">
+                <a:ea typeface="Calibri Light"/>
+                <a:cs typeface="Calibri Light"/>
+              </a:rPr>
+              <a:t> funguje?</a:t>
+            </a:r>
+            <a:endParaRPr lang="en-US" dirty="0"/>
+          </a:p>
+        </p:txBody>
+      </p:sp>
+      <p:sp>
+        <p:nvSpPr>
+          <p:cNvPr id="4" name="Footer Placeholder 3">
+            <a:extLst>
+              <a:ext uri="{FF2B5EF4-FFF2-40B4-BE49-F238E27FC236}">
+                <a16:creationId xmlns:a16="http://schemas.microsoft.com/office/drawing/2014/main" id="{953EACA2-4839-C260-7F2B-7122C47A63AF}"/>
+              </a:ext>
+            </a:extLst>
+          </p:cNvPr>
+          <p:cNvSpPr>
+            <a:spLocks noGrp="1"/>
+          </p:cNvSpPr>
+          <p:nvPr>
+            <p:ph type="ftr" sz="quarter" idx="11"/>
+          </p:nvPr>
+        </p:nvSpPr>
+        <p:spPr/>
+        <p:txBody>
+          <a:bodyPr/>
+          <a:lstStyle/>
+          <a:p>
+            <a:r>
+              <a:rPr lang="en-US"/>
+              <a:t>Pavel Olyšar 2.C</a:t>
+            </a:r>
+          </a:p>
+        </p:txBody>
+      </p:sp>
+      <p:sp>
+        <p:nvSpPr>
+          <p:cNvPr id="5" name="Slide Number Placeholder 4">
+            <a:extLst>
+              <a:ext uri="{FF2B5EF4-FFF2-40B4-BE49-F238E27FC236}">
+                <a16:creationId xmlns:a16="http://schemas.microsoft.com/office/drawing/2014/main" id="{AA562570-A189-2F0B-DFD3-CE7F1386A15B}"/>
+              </a:ext>
+            </a:extLst>
+          </p:cNvPr>
+          <p:cNvSpPr>
+            <a:spLocks noGrp="1"/>
+          </p:cNvSpPr>
+          <p:nvPr>
+            <p:ph type="sldNum" sz="quarter" idx="12"/>
+          </p:nvPr>
+        </p:nvSpPr>
+        <p:spPr/>
+        <p:txBody>
+          <a:bodyPr/>
+          <a:lstStyle/>
+          <a:p>
+            <a:fld id="{330EA680-D336-4FF7-8B7A-9848BB0A1C32}" type="slidenum">
+              <a:rPr lang="en-US" smtClean="0"/>
+              <a:t>9</a:t>
+            </a:fld>
+            <a:endParaRPr lang="en-US"/>
+          </a:p>
+        </p:txBody>
+      </p:sp>
+      <p:pic>
+        <p:nvPicPr>
+          <p:cNvPr id="7172" name="Picture 4" descr="Beginner's Guide: Simplifying Blockchain Technology&quot;">
+            <a:extLst>
+              <a:ext uri="{FF2B5EF4-FFF2-40B4-BE49-F238E27FC236}">
+                <a16:creationId xmlns:a16="http://schemas.microsoft.com/office/drawing/2014/main" id="{19A8FB63-5CCF-55FC-D48B-93A291CCC6E4}"/>
+              </a:ext>
+            </a:extLst>
+          </p:cNvPr>
+          <p:cNvPicPr>
+            <a:picLocks noChangeAspect="1" noChangeArrowheads="1"/>
+          </p:cNvPicPr>
+          <p:nvPr/>
+        </p:nvPicPr>
+        <p:blipFill>
+          <a:blip r:embed="rId2">
+            <a:extLst>
+              <a:ext uri="{28A0092B-C50C-407E-A947-70E740481C1C}">
+                <a14:useLocalDpi xmlns:a14="http://schemas.microsoft.com/office/drawing/2010/main" val="0"/>
+              </a:ext>
+            </a:extLst>
+          </a:blip>
+          <a:srcRect/>
+          <a:stretch>
+            <a:fillRect/>
+          </a:stretch>
+        </p:blipFill>
+        <p:spPr bwMode="auto">
+          <a:xfrm>
+            <a:off x="1463040" y="1433512"/>
+            <a:ext cx="7553498" cy="3953784"/>
+          </a:xfrm>
+          <a:prstGeom prst="rect">
+            <a:avLst/>
+          </a:prstGeom>
+          <a:noFill/>
+          <a:extLst>
+            <a:ext uri="{909E8E84-426E-40DD-AFC4-6F175D3DCCD1}">
+              <a14:hiddenFill xmlns:a14="http://schemas.microsoft.com/office/drawing/2010/main">
+                <a:solidFill>
+                  <a:srgbClr val="FFFFFF"/>
+                </a:solidFill>
+              </a14:hiddenFill>
+            </a:ext>
+          </a:extLst>
+        </p:spPr>
+      </p:pic>
+      <p:sp>
+        <p:nvSpPr>
+          <p:cNvPr id="6" name="TextovéPole 5">
+            <a:extLst>
+              <a:ext uri="{FF2B5EF4-FFF2-40B4-BE49-F238E27FC236}">
+                <a16:creationId xmlns:a16="http://schemas.microsoft.com/office/drawing/2014/main" id="{DCEB167A-2AA1-CE01-7FF8-A696D0590E8E}"/>
+              </a:ext>
+            </a:extLst>
+          </p:cNvPr>
+          <p:cNvSpPr txBox="1"/>
+          <p:nvPr/>
+        </p:nvSpPr>
+        <p:spPr>
+          <a:xfrm>
+            <a:off x="9537469" y="4721629"/>
+            <a:ext cx="801053" cy="369332"/>
+          </a:xfrm>
+          <a:prstGeom prst="rect">
+            <a:avLst/>
+          </a:prstGeom>
+          <a:noFill/>
+        </p:spPr>
+        <p:txBody>
+          <a:bodyPr wrap="none" rtlCol="0">
+            <a:spAutoFit/>
+          </a:bodyPr>
+          <a:lstStyle/>
+          <a:p>
+            <a:r>
+              <a:rPr lang="cs-CZ" dirty="0"/>
+              <a:t>Obr. 5.</a:t>
+            </a:r>
+          </a:p>
+        </p:txBody>
+      </p:sp>
+    </p:spTree>
+    <p:extLst>
+      <p:ext uri="{BB962C8B-B14F-4D97-AF65-F5344CB8AC3E}">
+        <p14:creationId xmlns:p14="http://schemas.microsoft.com/office/powerpoint/2010/main" val="623400557"/>
       </p:ext>
     </p:extLst>
   </p:cSld>
